--- a/Aurkezpena/AurkezpenaTaldea5.pptx
+++ b/Aurkezpena/AurkezpenaTaldea5.pptx
@@ -204,7 +204,7 @@
             </a:lvl1pPr>
           </a:lstStyle>
           <a:p>
-            <a:fld id="{F2E06BFC-14E9-492F-AA9D-251B0E581006}" type="datetimeFigureOut">
+            <a:fld id="{8CB793CB-A906-4173-AD9E-70881889E7EC}" type="datetime1">
               <a:rPr lang="es-ES" smtClean="0"/>
               <a:t>15/03/2024</a:t>
             </a:fld>
@@ -239,6 +239,10 @@
             </a:lvl1pPr>
           </a:lstStyle>
           <a:p>
+            <a:r>
+              <a:rPr lang="es-ES" smtClean="0"/>
+              <a:t>Erronka 5.Taldea</a:t>
+            </a:r>
             <a:endParaRPr lang="es-ES"/>
           </a:p>
         </p:txBody>
@@ -286,7 +290,7 @@
     </p:extLst>
   </p:cSld>
   <p:clrMap bg1="lt1" tx1="dk1" bg2="lt2" tx2="dk2" accent1="accent1" accent2="accent2" accent3="accent3" accent4="accent4" accent5="accent5" accent6="accent6" hlink="hlink" folHlink="folHlink"/>
-  <p:hf ftr="0" dt="0"/>
+  <p:hf sldNum="0" hdr="0" dt="0"/>
 </p:handoutMaster>
 </file>
 
@@ -370,7 +374,7 @@
             </a:lvl1pPr>
           </a:lstStyle>
           <a:p>
-            <a:fld id="{31A180DE-3D23-49EA-89DC-9A42DD3DDDD6}" type="datetimeFigureOut">
+            <a:fld id="{13999672-DF21-411C-B199-9EBD2DD5FEEF}" type="datetime1">
               <a:rPr lang="es-ES" smtClean="0"/>
               <a:t>15/03/2024</a:t>
             </a:fld>
@@ -498,6 +502,10 @@
             </a:lvl1pPr>
           </a:lstStyle>
           <a:p>
+            <a:r>
+              <a:rPr lang="es-ES" smtClean="0"/>
+              <a:t>Erronka 5.Taldea</a:t>
+            </a:r>
             <a:endParaRPr lang="es-ES"/>
           </a:p>
         </p:txBody>
@@ -545,7 +553,7 @@
     </p:extLst>
   </p:cSld>
   <p:clrMap bg1="lt1" tx1="dk1" bg2="lt2" tx2="dk2" accent1="accent1" accent2="accent2" accent3="accent3" accent4="accent4" accent5="accent5" accent6="accent6" hlink="hlink" folHlink="folHlink"/>
-  <p:hf ftr="0" dt="0"/>
+  <p:hf sldNum="0" hdr="0" dt="0"/>
   <p:notesStyle>
     <a:lvl1pPr marL="0" algn="l" defTabSz="914400" rtl="0" eaLnBrk="1" latinLnBrk="0" hangingPunct="1">
       <a:defRPr sz="1200" kern="1200">
@@ -2052,34 +2060,6 @@
           </a:p>
         </p:txBody>
       </p:sp>
-      <p:sp>
-        <p:nvSpPr>
-          <p:cNvPr id="6" name="Slide Number Placeholder 5"/>
-          <p:cNvSpPr>
-            <a:spLocks noGrp="1"/>
-          </p:cNvSpPr>
-          <p:nvPr>
-            <p:ph type="sldNum" sz="quarter" idx="12"/>
-          </p:nvPr>
-        </p:nvSpPr>
-        <p:spPr>
-          <a:xfrm>
-            <a:off x="10469880" y="320040"/>
-            <a:ext cx="914400" cy="320040"/>
-          </a:xfrm>
-        </p:spPr>
-        <p:txBody>
-          <a:bodyPr/>
-          <a:lstStyle/>
-          <a:p>
-            <a:fld id="{90298323-91ED-403B-B8F0-FB8686FE1240}" type="slidenum">
-              <a:rPr lang="es-ES" smtClean="0"/>
-              <a:t>‹zk.›</a:t>
-            </a:fld>
-            <a:endParaRPr lang="es-ES"/>
-          </a:p>
-        </p:txBody>
-      </p:sp>
       <p:grpSp>
         <p:nvGrpSpPr>
           <p:cNvPr id="31" name="Group 74"/>
@@ -4651,29 +4631,6 @@
           <a:bodyPr/>
           <a:lstStyle/>
           <a:p>
-            <a:endParaRPr lang="es-ES"/>
-          </a:p>
-        </p:txBody>
-      </p:sp>
-      <p:sp>
-        <p:nvSpPr>
-          <p:cNvPr id="6" name="Slide Number Placeholder 5"/>
-          <p:cNvSpPr>
-            <a:spLocks noGrp="1"/>
-          </p:cNvSpPr>
-          <p:nvPr>
-            <p:ph type="sldNum" sz="quarter" idx="12"/>
-          </p:nvPr>
-        </p:nvSpPr>
-        <p:spPr/>
-        <p:txBody>
-          <a:bodyPr/>
-          <a:lstStyle/>
-          <a:p>
-            <a:fld id="{90298323-91ED-403B-B8F0-FB8686FE1240}" type="slidenum">
-              <a:rPr lang="es-ES" smtClean="0"/>
-              <a:t>‹zk.›</a:t>
-            </a:fld>
             <a:endParaRPr lang="es-ES"/>
           </a:p>
         </p:txBody>
@@ -7257,10 +7214,6 @@
           <a:bodyPr/>
           <a:lstStyle/>
           <a:p>
-            <a:fld id="{D596562C-1098-4F09-B675-1FE4BF48D048}" type="datetime1">
-              <a:rPr lang="es-ES" smtClean="0"/>
-              <a:t>15/03/2024</a:t>
-            </a:fld>
             <a:endParaRPr lang="es-ES"/>
           </a:p>
         </p:txBody>
@@ -7285,34 +7238,6 @@
           <a:bodyPr/>
           <a:lstStyle/>
           <a:p>
-            <a:endParaRPr lang="es-ES"/>
-          </a:p>
-        </p:txBody>
-      </p:sp>
-      <p:sp>
-        <p:nvSpPr>
-          <p:cNvPr id="6" name="Slide Number Placeholder 5"/>
-          <p:cNvSpPr>
-            <a:spLocks noGrp="1"/>
-          </p:cNvSpPr>
-          <p:nvPr>
-            <p:ph type="sldNum" sz="quarter" idx="12"/>
-          </p:nvPr>
-        </p:nvSpPr>
-        <p:spPr>
-          <a:xfrm>
-            <a:off x="10469880" y="320040"/>
-            <a:ext cx="914400" cy="320040"/>
-          </a:xfrm>
-        </p:spPr>
-        <p:txBody>
-          <a:bodyPr/>
-          <a:lstStyle/>
-          <a:p>
-            <a:fld id="{90298323-91ED-403B-B8F0-FB8686FE1240}" type="slidenum">
-              <a:rPr lang="es-ES" smtClean="0"/>
-              <a:t>‹zk.›</a:t>
-            </a:fld>
             <a:endParaRPr lang="es-ES"/>
           </a:p>
         </p:txBody>
@@ -8719,29 +8644,6 @@
           <a:bodyPr/>
           <a:lstStyle/>
           <a:p>
-            <a:endParaRPr lang="es-ES"/>
-          </a:p>
-        </p:txBody>
-      </p:sp>
-      <p:sp>
-        <p:nvSpPr>
-          <p:cNvPr id="6" name="Slide Number Placeholder 5"/>
-          <p:cNvSpPr>
-            <a:spLocks noGrp="1"/>
-          </p:cNvSpPr>
-          <p:nvPr>
-            <p:ph type="sldNum" sz="quarter" idx="12"/>
-          </p:nvPr>
-        </p:nvSpPr>
-        <p:spPr/>
-        <p:txBody>
-          <a:bodyPr/>
-          <a:lstStyle/>
-          <a:p>
-            <a:fld id="{90298323-91ED-403B-B8F0-FB8686FE1240}" type="slidenum">
-              <a:rPr lang="es-ES" smtClean="0"/>
-              <a:t>‹zk.›</a:t>
-            </a:fld>
             <a:endParaRPr lang="es-ES"/>
           </a:p>
         </p:txBody>
@@ -11388,34 +11290,6 @@
           </a:p>
         </p:txBody>
       </p:sp>
-      <p:sp>
-        <p:nvSpPr>
-          <p:cNvPr id="6" name="Slide Number Placeholder 5"/>
-          <p:cNvSpPr>
-            <a:spLocks noGrp="1"/>
-          </p:cNvSpPr>
-          <p:nvPr>
-            <p:ph type="sldNum" sz="quarter" idx="12"/>
-          </p:nvPr>
-        </p:nvSpPr>
-        <p:spPr>
-          <a:xfrm>
-            <a:off x="10469880" y="320040"/>
-            <a:ext cx="914400" cy="320040"/>
-          </a:xfrm>
-        </p:spPr>
-        <p:txBody>
-          <a:bodyPr/>
-          <a:lstStyle/>
-          <a:p>
-            <a:fld id="{90298323-91ED-403B-B8F0-FB8686FE1240}" type="slidenum">
-              <a:rPr lang="es-ES" smtClean="0"/>
-              <a:t>‹zk.›</a:t>
-            </a:fld>
-            <a:endParaRPr lang="es-ES"/>
-          </a:p>
-        </p:txBody>
-      </p:sp>
       <p:grpSp>
         <p:nvGrpSpPr>
           <p:cNvPr id="32" name="Group 74"/>
@@ -14049,34 +13923,6 @@
           <a:bodyPr/>
           <a:lstStyle/>
           <a:p>
-            <a:endParaRPr lang="es-ES"/>
-          </a:p>
-        </p:txBody>
-      </p:sp>
-      <p:sp>
-        <p:nvSpPr>
-          <p:cNvPr id="7" name="Slide Number Placeholder 6"/>
-          <p:cNvSpPr>
-            <a:spLocks noGrp="1"/>
-          </p:cNvSpPr>
-          <p:nvPr>
-            <p:ph type="sldNum" sz="quarter" idx="12"/>
-          </p:nvPr>
-        </p:nvSpPr>
-        <p:spPr>
-          <a:xfrm>
-            <a:off x="10469880" y="320040"/>
-            <a:ext cx="914400" cy="320040"/>
-          </a:xfrm>
-        </p:spPr>
-        <p:txBody>
-          <a:bodyPr/>
-          <a:lstStyle/>
-          <a:p>
-            <a:fld id="{90298323-91ED-403B-B8F0-FB8686FE1240}" type="slidenum">
-              <a:rPr lang="es-ES" smtClean="0"/>
-              <a:t>‹zk.›</a:t>
-            </a:fld>
             <a:endParaRPr lang="es-ES"/>
           </a:p>
         </p:txBody>
@@ -16866,34 +16712,6 @@
           </a:p>
         </p:txBody>
       </p:sp>
-      <p:sp>
-        <p:nvSpPr>
-          <p:cNvPr id="9" name="Slide Number Placeholder 8"/>
-          <p:cNvSpPr>
-            <a:spLocks noGrp="1"/>
-          </p:cNvSpPr>
-          <p:nvPr>
-            <p:ph type="sldNum" sz="quarter" idx="12"/>
-          </p:nvPr>
-        </p:nvSpPr>
-        <p:spPr>
-          <a:xfrm>
-            <a:off x="10469880" y="320040"/>
-            <a:ext cx="914400" cy="320040"/>
-          </a:xfrm>
-        </p:spPr>
-        <p:txBody>
-          <a:bodyPr/>
-          <a:lstStyle/>
-          <a:p>
-            <a:fld id="{90298323-91ED-403B-B8F0-FB8686FE1240}" type="slidenum">
-              <a:rPr lang="es-ES" smtClean="0"/>
-              <a:t>‹zk.›</a:t>
-            </a:fld>
-            <a:endParaRPr lang="es-ES"/>
-          </a:p>
-        </p:txBody>
-      </p:sp>
       <p:grpSp>
         <p:nvGrpSpPr>
           <p:cNvPr id="37" name="Group 74"/>
@@ -19408,29 +19226,6 @@
           <a:bodyPr/>
           <a:lstStyle/>
           <a:p>
-            <a:endParaRPr lang="es-ES"/>
-          </a:p>
-        </p:txBody>
-      </p:sp>
-      <p:sp>
-        <p:nvSpPr>
-          <p:cNvPr id="5" name="Slide Number Placeholder 4"/>
-          <p:cNvSpPr>
-            <a:spLocks noGrp="1"/>
-          </p:cNvSpPr>
-          <p:nvPr>
-            <p:ph type="sldNum" sz="quarter" idx="12"/>
-          </p:nvPr>
-        </p:nvSpPr>
-        <p:spPr/>
-        <p:txBody>
-          <a:bodyPr/>
-          <a:lstStyle/>
-          <a:p>
-            <a:fld id="{90298323-91ED-403B-B8F0-FB8686FE1240}" type="slidenum">
-              <a:rPr lang="es-ES" smtClean="0"/>
-              <a:t>‹zk.›</a:t>
-            </a:fld>
             <a:endParaRPr lang="es-ES"/>
           </a:p>
         </p:txBody>
@@ -20661,34 +20456,6 @@
           <a:bodyPr/>
           <a:lstStyle/>
           <a:p>
-            <a:endParaRPr lang="es-ES"/>
-          </a:p>
-        </p:txBody>
-      </p:sp>
-      <p:sp>
-        <p:nvSpPr>
-          <p:cNvPr id="4" name="Slide Number Placeholder 3"/>
-          <p:cNvSpPr>
-            <a:spLocks noGrp="1"/>
-          </p:cNvSpPr>
-          <p:nvPr>
-            <p:ph type="sldNum" sz="quarter" idx="12"/>
-          </p:nvPr>
-        </p:nvSpPr>
-        <p:spPr>
-          <a:xfrm>
-            <a:off x="10469880" y="320040"/>
-            <a:ext cx="914400" cy="320040"/>
-          </a:xfrm>
-        </p:spPr>
-        <p:txBody>
-          <a:bodyPr/>
-          <a:lstStyle/>
-          <a:p>
-            <a:fld id="{90298323-91ED-403B-B8F0-FB8686FE1240}" type="slidenum">
-              <a:rPr lang="es-ES" smtClean="0"/>
-              <a:t>‹zk.›</a:t>
-            </a:fld>
             <a:endParaRPr lang="es-ES"/>
           </a:p>
         </p:txBody>
@@ -23339,29 +23106,6 @@
           </a:p>
         </p:txBody>
       </p:sp>
-      <p:sp>
-        <p:nvSpPr>
-          <p:cNvPr id="7" name="Slide Number Placeholder 6"/>
-          <p:cNvSpPr>
-            <a:spLocks noGrp="1"/>
-          </p:cNvSpPr>
-          <p:nvPr>
-            <p:ph type="sldNum" sz="quarter" idx="12"/>
-          </p:nvPr>
-        </p:nvSpPr>
-        <p:spPr/>
-        <p:txBody>
-          <a:bodyPr/>
-          <a:lstStyle/>
-          <a:p>
-            <a:fld id="{90298323-91ED-403B-B8F0-FB8686FE1240}" type="slidenum">
-              <a:rPr lang="es-ES" smtClean="0"/>
-              <a:t>‹zk.›</a:t>
-            </a:fld>
-            <a:endParaRPr lang="es-ES"/>
-          </a:p>
-        </p:txBody>
-      </p:sp>
       <p:grpSp>
         <p:nvGrpSpPr>
           <p:cNvPr id="35" name="Group 74"/>
@@ -25711,34 +25455,6 @@
           <a:lstStyle/>
           <a:p>
             <a:endParaRPr lang="es-ES"/>
-          </a:p>
-        </p:txBody>
-      </p:sp>
-      <p:sp>
-        <p:nvSpPr>
-          <p:cNvPr id="7" name="Slide Number Placeholder 6"/>
-          <p:cNvSpPr>
-            <a:spLocks noGrp="1"/>
-          </p:cNvSpPr>
-          <p:nvPr>
-            <p:ph type="sldNum" sz="quarter" idx="12"/>
-          </p:nvPr>
-        </p:nvSpPr>
-        <p:spPr>
-          <a:xfrm>
-            <a:off x="11066405" y="145309"/>
-            <a:ext cx="914400" cy="320040"/>
-          </a:xfrm>
-        </p:spPr>
-        <p:txBody>
-          <a:bodyPr/>
-          <a:lstStyle/>
-          <a:p>
-            <a:fld id="{90298323-91ED-403B-B8F0-FB8686FE1240}" type="slidenum">
-              <a:rPr lang="es-ES" smtClean="0"/>
-              <a:t>‹zk.›</a:t>
-            </a:fld>
-            <a:endParaRPr lang="es-ES" dirty="0"/>
           </a:p>
         </p:txBody>
       </p:sp>
@@ -27108,10 +26824,6 @@
             </a:lvl1pPr>
           </a:lstStyle>
           <a:p>
-            <a:fld id="{1B3F2116-FD4C-49FB-9CF3-3635CD4D6BBC}" type="datetime1">
-              <a:rPr lang="es-ES" smtClean="0"/>
-              <a:t>15/03/2024</a:t>
-            </a:fld>
             <a:endParaRPr lang="es-ES" dirty="0"/>
           </a:p>
         </p:txBody>
@@ -27615,30 +27327,6 @@
           </a:p>
         </p:txBody>
       </p:sp>
-      <p:sp>
-        <p:nvSpPr>
-          <p:cNvPr id="4" name="Diapositibaren zenbakiaren leku-marka 3"/>
-          <p:cNvSpPr>
-            <a:spLocks noGrp="1"/>
-          </p:cNvSpPr>
-          <p:nvPr>
-            <p:ph type="sldNum" sz="quarter" idx="12"/>
-          </p:nvPr>
-        </p:nvSpPr>
-        <p:spPr/>
-        <p:txBody>
-          <a:bodyPr/>
-          <a:lstStyle/>
-          <a:p>
-            <a:fld id="{90298323-91ED-403B-B8F0-FB8686FE1240}" type="slidenum">
-              <a:rPr lang="es-ES" smtClean="0"/>
-              <a:pPr/>
-              <a:t>1</a:t>
-            </a:fld>
-            <a:endParaRPr lang="es-ES"/>
-          </a:p>
-        </p:txBody>
-      </p:sp>
     </p:spTree>
     <p:extLst>
       <p:ext uri="{BB962C8B-B14F-4D97-AF65-F5344CB8AC3E}">
@@ -27676,29 +27364,6 @@
           <a:chExt cx="0" cy="0"/>
         </a:xfrm>
       </p:grpSpPr>
-      <p:sp>
-        <p:nvSpPr>
-          <p:cNvPr id="2" name="Diapositibaren zenbakiaren leku-marka 1"/>
-          <p:cNvSpPr>
-            <a:spLocks noGrp="1"/>
-          </p:cNvSpPr>
-          <p:nvPr>
-            <p:ph type="sldNum" sz="quarter" idx="12"/>
-          </p:nvPr>
-        </p:nvSpPr>
-        <p:spPr/>
-        <p:txBody>
-          <a:bodyPr/>
-          <a:lstStyle/>
-          <a:p>
-            <a:fld id="{90298323-91ED-403B-B8F0-FB8686FE1240}" type="slidenum">
-              <a:rPr lang="es-ES" smtClean="0"/>
-              <a:t>2</a:t>
-            </a:fld>
-            <a:endParaRPr lang="es-ES" dirty="0"/>
-          </a:p>
-        </p:txBody>
-      </p:sp>
       <p:sp>
         <p:nvSpPr>
           <p:cNvPr id="3" name="TestuKoadroa 2"/>
@@ -27814,29 +27479,6 @@
           </a:xfrm>
         </p:spPr>
       </p:pic>
-      <p:sp>
-        <p:nvSpPr>
-          <p:cNvPr id="4" name="Diapositibaren zenbakiaren leku-marka 3"/>
-          <p:cNvSpPr>
-            <a:spLocks noGrp="1"/>
-          </p:cNvSpPr>
-          <p:nvPr>
-            <p:ph type="sldNum" sz="quarter" idx="12"/>
-          </p:nvPr>
-        </p:nvSpPr>
-        <p:spPr/>
-        <p:txBody>
-          <a:bodyPr/>
-          <a:lstStyle/>
-          <a:p>
-            <a:fld id="{90298323-91ED-403B-B8F0-FB8686FE1240}" type="slidenum">
-              <a:rPr lang="es-ES" smtClean="0"/>
-              <a:t>3</a:t>
-            </a:fld>
-            <a:endParaRPr lang="es-ES"/>
-          </a:p>
-        </p:txBody>
-      </p:sp>
     </p:spTree>
     <p:extLst>
       <p:ext uri="{BB962C8B-B14F-4D97-AF65-F5344CB8AC3E}">
@@ -27899,36 +27541,13 @@
       </p:sp>
       <p:sp>
         <p:nvSpPr>
-          <p:cNvPr id="3" name="Diapositibaren zenbakiaren leku-marka 2"/>
-          <p:cNvSpPr>
-            <a:spLocks noGrp="1"/>
-          </p:cNvSpPr>
-          <p:nvPr>
-            <p:ph type="sldNum" sz="quarter" idx="12"/>
-          </p:nvPr>
-        </p:nvSpPr>
-        <p:spPr/>
-        <p:txBody>
-          <a:bodyPr/>
-          <a:lstStyle/>
-          <a:p>
-            <a:fld id="{90298323-91ED-403B-B8F0-FB8686FE1240}" type="slidenum">
-              <a:rPr lang="es-ES" smtClean="0"/>
-              <a:t>4</a:t>
-            </a:fld>
-            <a:endParaRPr lang="es-ES"/>
-          </a:p>
-        </p:txBody>
-      </p:sp>
-      <p:sp>
-        <p:nvSpPr>
           <p:cNvPr id="8" name="TestuKoadroa 7"/>
           <p:cNvSpPr txBox="1"/>
           <p:nvPr/>
         </p:nvSpPr>
         <p:spPr>
           <a:xfrm>
-            <a:off x="5115004" y="2141951"/>
+            <a:off x="5115004" y="879822"/>
             <a:ext cx="5812076" cy="2031325"/>
           </a:xfrm>
           <a:prstGeom prst="rect">
@@ -28002,6 +27621,77 @@
           </a:p>
         </p:txBody>
       </p:sp>
+      <p:pic>
+        <p:nvPicPr>
+          <p:cNvPr id="4" name="Irudia 3"/>
+          <p:cNvPicPr>
+            <a:picLocks noChangeAspect="1"/>
+          </p:cNvPicPr>
+          <p:nvPr/>
+        </p:nvPicPr>
+        <p:blipFill rotWithShape="1">
+          <a:blip r:embed="rId2"/>
+          <a:srcRect b="22898"/>
+          <a:stretch/>
+        </p:blipFill>
+        <p:spPr>
+          <a:xfrm>
+            <a:off x="5316694" y="3371191"/>
+            <a:ext cx="6292968" cy="2870352"/>
+          </a:xfrm>
+          <a:prstGeom prst="rect">
+            <a:avLst/>
+          </a:prstGeom>
+        </p:spPr>
+      </p:pic>
+      <p:sp>
+        <p:nvSpPr>
+          <p:cNvPr id="6" name="Laukizuzen biribildua 5"/>
+          <p:cNvSpPr/>
+          <p:nvPr/>
+        </p:nvSpPr>
+        <p:spPr>
+          <a:xfrm>
+            <a:off x="6768962" y="3271233"/>
+            <a:ext cx="1975794" cy="1535133"/>
+          </a:xfrm>
+          <a:prstGeom prst="roundRect">
+            <a:avLst/>
+          </a:prstGeom>
+          <a:noFill/>
+          <a:ln w="57150" cap="flat" cmpd="sng" algn="ctr">
+            <a:solidFill>
+              <a:schemeClr val="accent1"/>
+            </a:solidFill>
+            <a:prstDash val="solid"/>
+            <a:round/>
+            <a:headEnd type="none" w="med" len="med"/>
+            <a:tailEnd type="none" w="med" len="med"/>
+          </a:ln>
+        </p:spPr>
+        <p:style>
+          <a:lnRef idx="0">
+            <a:scrgbClr r="0" g="0" b="0"/>
+          </a:lnRef>
+          <a:fillRef idx="0">
+            <a:scrgbClr r="0" g="0" b="0"/>
+          </a:fillRef>
+          <a:effectRef idx="0">
+            <a:scrgbClr r="0" g="0" b="0"/>
+          </a:effectRef>
+          <a:fontRef idx="minor">
+            <a:schemeClr val="accent1"/>
+          </a:fontRef>
+        </p:style>
+        <p:txBody>
+          <a:bodyPr rtlCol="0" anchor="ctr"/>
+          <a:lstStyle/>
+          <a:p>
+            <a:pPr algn="ctr"/>
+            <a:endParaRPr lang="es-ES"/>
+          </a:p>
+        </p:txBody>
+      </p:sp>
     </p:spTree>
     <p:extLst>
       <p:ext uri="{BB962C8B-B14F-4D97-AF65-F5344CB8AC3E}">
@@ -28039,6 +27729,29 @@
           <a:chExt cx="0" cy="0"/>
         </a:xfrm>
       </p:grpSpPr>
+      <p:pic>
+        <p:nvPicPr>
+          <p:cNvPr id="7" name="Irudia 6"/>
+          <p:cNvPicPr>
+            <a:picLocks noChangeAspect="1"/>
+          </p:cNvPicPr>
+          <p:nvPr/>
+        </p:nvPicPr>
+        <p:blipFill rotWithShape="1">
+          <a:blip r:embed="rId2"/>
+          <a:srcRect r="870"/>
+          <a:stretch/>
+        </p:blipFill>
+        <p:spPr>
+          <a:xfrm>
+            <a:off x="5292305" y="3445441"/>
+            <a:ext cx="6530502" cy="3077708"/>
+          </a:xfrm>
+          <a:prstGeom prst="rect">
+            <a:avLst/>
+          </a:prstGeom>
+        </p:spPr>
+      </p:pic>
       <p:sp>
         <p:nvSpPr>
           <p:cNvPr id="2" name="Titulua 1"/>
@@ -28064,100 +27777,13 @@
       </p:sp>
       <p:sp>
         <p:nvSpPr>
-          <p:cNvPr id="3" name="Diapositibaren zenbakiaren leku-marka 2"/>
-          <p:cNvSpPr>
-            <a:spLocks noGrp="1"/>
-          </p:cNvSpPr>
-          <p:nvPr>
-            <p:ph type="sldNum" sz="quarter" idx="12"/>
-          </p:nvPr>
-        </p:nvSpPr>
-        <p:spPr/>
-        <p:txBody>
-          <a:bodyPr/>
-          <a:lstStyle/>
-          <a:p>
-            <a:pPr marL="0" marR="0" lvl="0" indent="0" algn="r" defTabSz="457200" rtl="0" eaLnBrk="1" fontAlgn="auto" latinLnBrk="0" hangingPunct="1">
-              <a:lnSpc>
-                <a:spcPct val="100000"/>
-              </a:lnSpc>
-              <a:spcBef>
-                <a:spcPts val="0"/>
-              </a:spcBef>
-              <a:spcAft>
-                <a:spcPts val="0"/>
-              </a:spcAft>
-              <a:buClrTx/>
-              <a:buSzTx/>
-              <a:buFontTx/>
-              <a:buNone/>
-              <a:tabLst/>
-              <a:defRPr/>
-            </a:pPr>
-            <a:fld id="{90298323-91ED-403B-B8F0-FB8686FE1240}" type="slidenum">
-              <a:rPr kumimoji="0" lang="es-ES" sz="1000" b="0" i="0" u="none" strike="noStrike" kern="1200" cap="none" spc="0" normalizeH="0" baseline="0" noProof="0" smtClean="0">
-                <a:ln>
-                  <a:noFill/>
-                </a:ln>
-                <a:solidFill>
-                  <a:prstClr val="black">
-                    <a:tint val="75000"/>
-                  </a:prstClr>
-                </a:solidFill>
-                <a:effectLst/>
-                <a:uLnTx/>
-                <a:uFillTx/>
-                <a:latin typeface="Rockwell" panose="02060603020205020403"/>
-                <a:ea typeface="+mn-ea"/>
-                <a:cs typeface="+mn-cs"/>
-              </a:rPr>
-              <a:pPr marL="0" marR="0" lvl="0" indent="0" algn="r" defTabSz="457200" rtl="0" eaLnBrk="1" fontAlgn="auto" latinLnBrk="0" hangingPunct="1">
-                <a:lnSpc>
-                  <a:spcPct val="100000"/>
-                </a:lnSpc>
-                <a:spcBef>
-                  <a:spcPts val="0"/>
-                </a:spcBef>
-                <a:spcAft>
-                  <a:spcPts val="0"/>
-                </a:spcAft>
-                <a:buClrTx/>
-                <a:buSzTx/>
-                <a:buFontTx/>
-                <a:buNone/>
-                <a:tabLst/>
-                <a:defRPr/>
-              </a:pPr>
-              <a:t>5</a:t>
-            </a:fld>
-            <a:endParaRPr kumimoji="0" lang="es-ES" sz="1000" b="0" i="0" u="none" strike="noStrike" kern="1200" cap="none" spc="0" normalizeH="0" baseline="0" noProof="0">
-              <a:ln>
-                <a:noFill/>
-              </a:ln>
-              <a:solidFill>
-                <a:prstClr val="black">
-                  <a:tint val="75000"/>
-                </a:prstClr>
-              </a:solidFill>
-              <a:effectLst/>
-              <a:uLnTx/>
-              <a:uFillTx/>
-              <a:latin typeface="Rockwell" panose="02060603020205020403"/>
-              <a:ea typeface="+mn-ea"/>
-              <a:cs typeface="+mn-cs"/>
-            </a:endParaRPr>
-          </a:p>
-        </p:txBody>
-      </p:sp>
-      <p:sp>
-        <p:nvSpPr>
           <p:cNvPr id="8" name="TestuKoadroa 7"/>
           <p:cNvSpPr txBox="1"/>
           <p:nvPr/>
         </p:nvSpPr>
         <p:spPr>
           <a:xfrm>
-            <a:off x="5115004" y="2349925"/>
+            <a:off x="5115004" y="524667"/>
             <a:ext cx="5812076" cy="2585323"/>
           </a:xfrm>
           <a:prstGeom prst="rect">
@@ -28385,6 +28011,54 @@
           </a:p>
         </p:txBody>
       </p:sp>
+      <p:sp>
+        <p:nvSpPr>
+          <p:cNvPr id="6" name="Laukizuzen biribildua 5"/>
+          <p:cNvSpPr/>
+          <p:nvPr/>
+        </p:nvSpPr>
+        <p:spPr>
+          <a:xfrm>
+            <a:off x="10257378" y="4631362"/>
+            <a:ext cx="1694216" cy="1867436"/>
+          </a:xfrm>
+          <a:prstGeom prst="roundRect">
+            <a:avLst/>
+          </a:prstGeom>
+          <a:noFill/>
+          <a:ln w="57150" cap="flat" cmpd="sng" algn="ctr">
+            <a:solidFill>
+              <a:schemeClr val="accent1"/>
+            </a:solidFill>
+            <a:prstDash val="solid"/>
+            <a:round/>
+            <a:headEnd type="none" w="med" len="med"/>
+            <a:tailEnd type="none" w="med" len="med"/>
+          </a:ln>
+        </p:spPr>
+        <p:style>
+          <a:lnRef idx="0">
+            <a:scrgbClr r="0" g="0" b="0"/>
+          </a:lnRef>
+          <a:fillRef idx="0">
+            <a:scrgbClr r="0" g="0" b="0"/>
+          </a:fillRef>
+          <a:effectRef idx="0">
+            <a:scrgbClr r="0" g="0" b="0"/>
+          </a:effectRef>
+          <a:fontRef idx="minor">
+            <a:schemeClr val="accent1"/>
+          </a:fontRef>
+        </p:style>
+        <p:txBody>
+          <a:bodyPr rtlCol="0" anchor="ctr"/>
+          <a:lstStyle/>
+          <a:p>
+            <a:pPr algn="ctr"/>
+            <a:endParaRPr lang="es-ES"/>
+          </a:p>
+        </p:txBody>
+      </p:sp>
     </p:spTree>
     <p:extLst>
       <p:ext uri="{BB962C8B-B14F-4D97-AF65-F5344CB8AC3E}">
@@ -28447,100 +28121,13 @@
       </p:sp>
       <p:sp>
         <p:nvSpPr>
-          <p:cNvPr id="3" name="Diapositibaren zenbakiaren leku-marka 2"/>
-          <p:cNvSpPr>
-            <a:spLocks noGrp="1"/>
-          </p:cNvSpPr>
-          <p:nvPr>
-            <p:ph type="sldNum" sz="quarter" idx="12"/>
-          </p:nvPr>
-        </p:nvSpPr>
-        <p:spPr/>
-        <p:txBody>
-          <a:bodyPr/>
-          <a:lstStyle/>
-          <a:p>
-            <a:pPr marL="0" marR="0" lvl="0" indent="0" algn="r" defTabSz="457200" rtl="0" eaLnBrk="1" fontAlgn="auto" latinLnBrk="0" hangingPunct="1">
-              <a:lnSpc>
-                <a:spcPct val="100000"/>
-              </a:lnSpc>
-              <a:spcBef>
-                <a:spcPts val="0"/>
-              </a:spcBef>
-              <a:spcAft>
-                <a:spcPts val="0"/>
-              </a:spcAft>
-              <a:buClrTx/>
-              <a:buSzTx/>
-              <a:buFontTx/>
-              <a:buNone/>
-              <a:tabLst/>
-              <a:defRPr/>
-            </a:pPr>
-            <a:fld id="{90298323-91ED-403B-B8F0-FB8686FE1240}" type="slidenum">
-              <a:rPr kumimoji="0" lang="es-ES" sz="1000" b="0" i="0" u="none" strike="noStrike" kern="1200" cap="none" spc="0" normalizeH="0" baseline="0" noProof="0" smtClean="0">
-                <a:ln>
-                  <a:noFill/>
-                </a:ln>
-                <a:solidFill>
-                  <a:prstClr val="black">
-                    <a:tint val="75000"/>
-                  </a:prstClr>
-                </a:solidFill>
-                <a:effectLst/>
-                <a:uLnTx/>
-                <a:uFillTx/>
-                <a:latin typeface="Rockwell" panose="02060603020205020403"/>
-                <a:ea typeface="+mn-ea"/>
-                <a:cs typeface="+mn-cs"/>
-              </a:rPr>
-              <a:pPr marL="0" marR="0" lvl="0" indent="0" algn="r" defTabSz="457200" rtl="0" eaLnBrk="1" fontAlgn="auto" latinLnBrk="0" hangingPunct="1">
-                <a:lnSpc>
-                  <a:spcPct val="100000"/>
-                </a:lnSpc>
-                <a:spcBef>
-                  <a:spcPts val="0"/>
-                </a:spcBef>
-                <a:spcAft>
-                  <a:spcPts val="0"/>
-                </a:spcAft>
-                <a:buClrTx/>
-                <a:buSzTx/>
-                <a:buFontTx/>
-                <a:buNone/>
-                <a:tabLst/>
-                <a:defRPr/>
-              </a:pPr>
-              <a:t>6</a:t>
-            </a:fld>
-            <a:endParaRPr kumimoji="0" lang="es-ES" sz="1000" b="0" i="0" u="none" strike="noStrike" kern="1200" cap="none" spc="0" normalizeH="0" baseline="0" noProof="0">
-              <a:ln>
-                <a:noFill/>
-              </a:ln>
-              <a:solidFill>
-                <a:prstClr val="black">
-                  <a:tint val="75000"/>
-                </a:prstClr>
-              </a:solidFill>
-              <a:effectLst/>
-              <a:uLnTx/>
-              <a:uFillTx/>
-              <a:latin typeface="Rockwell" panose="02060603020205020403"/>
-              <a:ea typeface="+mn-ea"/>
-              <a:cs typeface="+mn-cs"/>
-            </a:endParaRPr>
-          </a:p>
-        </p:txBody>
-      </p:sp>
-      <p:sp>
-        <p:nvSpPr>
           <p:cNvPr id="8" name="TestuKoadroa 7"/>
           <p:cNvSpPr txBox="1"/>
           <p:nvPr/>
         </p:nvSpPr>
         <p:spPr>
           <a:xfrm>
-            <a:off x="5115004" y="1836358"/>
+            <a:off x="5346823" y="200741"/>
             <a:ext cx="5812076" cy="2308324"/>
           </a:xfrm>
           <a:prstGeom prst="rect">
@@ -28757,6 +28344,36 @@
           </a:p>
         </p:txBody>
       </p:sp>
+      <p:pic>
+        <p:nvPicPr>
+          <p:cNvPr id="5" name="Edukiaren leku-marka 4"/>
+          <p:cNvPicPr>
+            <a:picLocks noChangeAspect="1"/>
+          </p:cNvPicPr>
+          <p:nvPr/>
+        </p:nvPicPr>
+        <p:blipFill>
+          <a:blip r:embed="rId2" cstate="print">
+            <a:extLst>
+              <a:ext uri="{28A0092B-C50C-407E-A947-70E740481C1C}">
+                <a14:useLocalDpi xmlns:a14="http://schemas.microsoft.com/office/drawing/2010/main" val="0"/>
+              </a:ext>
+            </a:extLst>
+          </a:blip>
+          <a:stretch>
+            <a:fillRect/>
+          </a:stretch>
+        </p:blipFill>
+        <p:spPr>
+          <a:xfrm>
+            <a:off x="4872191" y="3234042"/>
+            <a:ext cx="7221071" cy="2536695"/>
+          </a:xfrm>
+          <a:prstGeom prst="rect">
+            <a:avLst/>
+          </a:prstGeom>
+        </p:spPr>
+      </p:pic>
     </p:spTree>
     <p:extLst>
       <p:ext uri="{BB962C8B-B14F-4D97-AF65-F5344CB8AC3E}">
@@ -28804,86 +28421,70 @@
             <p:ph type="title"/>
           </p:nvPr>
         </p:nvSpPr>
-        <p:spPr/>
+        <p:spPr>
+          <a:xfrm>
+            <a:off x="708339" y="2349925"/>
+            <a:ext cx="3679272" cy="2456442"/>
+          </a:xfrm>
+        </p:spPr>
         <p:txBody>
           <a:bodyPr/>
           <a:lstStyle/>
           <a:p>
-            <a:endParaRPr lang="es-ES"/>
+            <a:r>
+              <a:rPr lang="eu-ES" smtClean="0"/>
+              <a:t>Organigrama Packet Tracer-en irudikatu.</a:t>
+            </a:r>
+            <a:endParaRPr lang="es-ES" dirty="0"/>
           </a:p>
         </p:txBody>
       </p:sp>
-      <p:sp>
-        <p:nvSpPr>
-          <p:cNvPr id="3" name="Edukiaren leku-marka 2"/>
-          <p:cNvSpPr>
-            <a:spLocks noGrp="1"/>
-          </p:cNvSpPr>
+      <p:pic>
+        <p:nvPicPr>
+          <p:cNvPr id="5" name="Edukiaren leku-marka 4"/>
+          <p:cNvPicPr>
+            <a:picLocks noGrp="1" noChangeAspect="1"/>
+          </p:cNvPicPr>
           <p:nvPr>
-            <p:ph sz="half" idx="1"/>
+            <p:ph idx="1"/>
           </p:nvPr>
-        </p:nvSpPr>
-        <p:spPr/>
-        <p:txBody>
-          <a:bodyPr/>
-          <a:lstStyle/>
-          <a:p>
-            <a:endParaRPr lang="es-ES"/>
-          </a:p>
-        </p:txBody>
-      </p:sp>
-      <p:sp>
-        <p:nvSpPr>
-          <p:cNvPr id="4" name="Edukiaren leku-marka 3"/>
-          <p:cNvSpPr>
-            <a:spLocks noGrp="1"/>
-          </p:cNvSpPr>
-          <p:nvPr>
-            <p:ph sz="half" idx="2"/>
-          </p:nvPr>
-        </p:nvSpPr>
-        <p:spPr/>
-        <p:txBody>
-          <a:bodyPr/>
-          <a:lstStyle/>
-          <a:p>
-            <a:endParaRPr lang="es-ES"/>
-          </a:p>
-        </p:txBody>
-      </p:sp>
-      <p:sp>
-        <p:nvSpPr>
-          <p:cNvPr id="5" name="Diapositibaren zenbakiaren leku-marka 4"/>
-          <p:cNvSpPr>
-            <a:spLocks noGrp="1"/>
-          </p:cNvSpPr>
-          <p:nvPr>
-            <p:ph type="sldNum" sz="quarter" idx="12"/>
-          </p:nvPr>
-        </p:nvSpPr>
-        <p:spPr/>
-        <p:txBody>
-          <a:bodyPr/>
-          <a:lstStyle/>
-          <a:p>
-            <a:fld id="{90298323-91ED-403B-B8F0-FB8686FE1240}" type="slidenum">
-              <a:rPr lang="es-ES" smtClean="0"/>
-              <a:t>7</a:t>
-            </a:fld>
-            <a:endParaRPr lang="es-ES"/>
-          </a:p>
-        </p:txBody>
-      </p:sp>
+        </p:nvPicPr>
+        <p:blipFill>
+          <a:blip r:embed="rId2">
+            <a:extLst>
+              <a:ext uri="{28A0092B-C50C-407E-A947-70E740481C1C}">
+                <a14:useLocalDpi xmlns:a14="http://schemas.microsoft.com/office/drawing/2010/main" val="0"/>
+              </a:ext>
+            </a:extLst>
+          </a:blip>
+          <a:stretch>
+            <a:fillRect/>
+          </a:stretch>
+        </p:blipFill>
+        <p:spPr>
+          <a:xfrm>
+            <a:off x="4650208" y="1579456"/>
+            <a:ext cx="7541792" cy="3597851"/>
+          </a:xfrm>
+        </p:spPr>
+      </p:pic>
     </p:spTree>
     <p:extLst>
       <p:ext uri="{BB962C8B-B14F-4D97-AF65-F5344CB8AC3E}">
-        <p14:creationId xmlns:p14="http://schemas.microsoft.com/office/powerpoint/2010/main" val="3942307891"/>
+        <p14:creationId xmlns:p14="http://schemas.microsoft.com/office/powerpoint/2010/main" val="835890148"/>
       </p:ext>
     </p:extLst>
   </p:cSld>
   <p:clrMapOvr>
     <a:masterClrMapping/>
   </p:clrMapOvr>
+  <p:timing>
+    <p:tnLst>
+      <p:par>
+        <p:cTn id="1" dur="indefinite" restart="never" nodeType="tmRoot"/>
+      </p:par>
+    </p:tnLst>
+  </p:timing>
 </p:sld>
 </file>
 

--- a/Aurkezpena/AurkezpenaTaldea5.pptx
+++ b/Aurkezpena/AurkezpenaTaldea5.pptx
@@ -5,19 +5,21 @@
     <p:sldMasterId id="2147483678" r:id="rId1"/>
   </p:sldMasterIdLst>
   <p:notesMasterIdLst>
-    <p:notesMasterId r:id="rId9"/>
+    <p:notesMasterId r:id="rId11"/>
   </p:notesMasterIdLst>
   <p:handoutMasterIdLst>
-    <p:handoutMasterId r:id="rId10"/>
+    <p:handoutMasterId r:id="rId12"/>
   </p:handoutMasterIdLst>
   <p:sldIdLst>
     <p:sldId id="256" r:id="rId2"/>
     <p:sldId id="257" r:id="rId3"/>
-    <p:sldId id="258" r:id="rId4"/>
-    <p:sldId id="259" r:id="rId5"/>
-    <p:sldId id="260" r:id="rId6"/>
-    <p:sldId id="261" r:id="rId7"/>
-    <p:sldId id="262" r:id="rId8"/>
+    <p:sldId id="263" r:id="rId4"/>
+    <p:sldId id="258" r:id="rId5"/>
+    <p:sldId id="259" r:id="rId6"/>
+    <p:sldId id="260" r:id="rId7"/>
+    <p:sldId id="261" r:id="rId8"/>
+    <p:sldId id="262" r:id="rId9"/>
+    <p:sldId id="264" r:id="rId10"/>
   </p:sldIdLst>
   <p:sldSz cx="12192000" cy="6858000"/>
   <p:notesSz cx="6858000" cy="9144000"/>
@@ -206,7 +208,7 @@
           <a:p>
             <a:fld id="{8CB793CB-A906-4173-AD9E-70881889E7EC}" type="datetime1">
               <a:rPr lang="es-ES" smtClean="0"/>
-              <a:t>15/03/2024</a:t>
+              <a:t>18/03/2024</a:t>
             </a:fld>
             <a:endParaRPr lang="es-ES"/>
           </a:p>
@@ -376,7 +378,7 @@
           <a:p>
             <a:fld id="{13999672-DF21-411C-B199-9EBD2DD5FEEF}" type="datetime1">
               <a:rPr lang="es-ES" smtClean="0"/>
-              <a:t>15/03/2024</a:t>
+              <a:t>18/03/2024</a:t>
             </a:fld>
             <a:endParaRPr lang="es-ES"/>
           </a:p>
@@ -27433,6 +27435,90 @@
       </p:grpSpPr>
       <p:sp>
         <p:nvSpPr>
+          <p:cNvPr id="2" name="TestuKoadroa 1"/>
+          <p:cNvSpPr txBox="1"/>
+          <p:nvPr/>
+        </p:nvSpPr>
+        <p:spPr>
+          <a:xfrm>
+            <a:off x="4130567" y="1970690"/>
+            <a:ext cx="6747640" cy="1015663"/>
+          </a:xfrm>
+          <a:prstGeom prst="rect">
+            <a:avLst/>
+          </a:prstGeom>
+          <a:noFill/>
+        </p:spPr>
+        <p:txBody>
+          <a:bodyPr wrap="square" rtlCol="0">
+            <a:spAutoFit/>
+          </a:bodyPr>
+          <a:lstStyle/>
+          <a:p>
+            <a:r>
+              <a:rPr lang="eu-ES" sz="2000" dirty="0" smtClean="0"/>
+              <a:t>Erlezaintzan espezializatutako enpresa bat gara, eztia ekoiztu eta gure bezeroen instalazioetan erlauntzak instalatzea eskaintzen dugu.</a:t>
+            </a:r>
+            <a:endParaRPr lang="eu-ES" sz="2000" dirty="0"/>
+          </a:p>
+        </p:txBody>
+      </p:sp>
+      <p:pic>
+        <p:nvPicPr>
+          <p:cNvPr id="3" name="Irudia 2"/>
+          <p:cNvPicPr>
+            <a:picLocks noChangeAspect="1"/>
+          </p:cNvPicPr>
+          <p:nvPr/>
+        </p:nvPicPr>
+        <p:blipFill>
+          <a:blip r:embed="rId2"/>
+          <a:stretch>
+            <a:fillRect/>
+          </a:stretch>
+        </p:blipFill>
+        <p:spPr>
+          <a:xfrm>
+            <a:off x="237632" y="1844565"/>
+            <a:ext cx="3064525" cy="2948151"/>
+          </a:xfrm>
+          <a:prstGeom prst="rect">
+            <a:avLst/>
+          </a:prstGeom>
+        </p:spPr>
+      </p:pic>
+    </p:spTree>
+    <p:extLst>
+      <p:ext uri="{BB962C8B-B14F-4D97-AF65-F5344CB8AC3E}">
+        <p14:creationId xmlns:p14="http://schemas.microsoft.com/office/powerpoint/2010/main" val="1954082751"/>
+      </p:ext>
+    </p:extLst>
+  </p:cSld>
+  <p:clrMapOvr>
+    <a:masterClrMapping/>
+  </p:clrMapOvr>
+</p:sld>
+</file>
+
+<file path=ppt/slides/slide4.xml><?xml version="1.0" encoding="utf-8"?>
+<p:sld xmlns:a="http://schemas.openxmlformats.org/drawingml/2006/main" xmlns:r="http://schemas.openxmlformats.org/officeDocument/2006/relationships" xmlns:p="http://schemas.openxmlformats.org/presentationml/2006/main">
+  <p:cSld>
+    <p:spTree>
+      <p:nvGrpSpPr>
+        <p:cNvPr id="1" name=""/>
+        <p:cNvGrpSpPr/>
+        <p:nvPr/>
+      </p:nvGrpSpPr>
+      <p:grpSpPr>
+        <a:xfrm>
+          <a:off x="0" y="0"/>
+          <a:ext cx="0" cy="0"/>
+          <a:chOff x="0" y="0"/>
+          <a:chExt cx="0" cy="0"/>
+        </a:xfrm>
+      </p:grpSpPr>
+      <p:sp>
+        <p:nvSpPr>
           <p:cNvPr id="2" name="Titulua 1"/>
           <p:cNvSpPr>
             <a:spLocks noGrp="1"/>
@@ -27479,6 +27565,36 @@
           </a:xfrm>
         </p:spPr>
       </p:pic>
+      <p:sp>
+        <p:nvSpPr>
+          <p:cNvPr id="3" name="TestuKoadroa 2"/>
+          <p:cNvSpPr txBox="1"/>
+          <p:nvPr/>
+        </p:nvSpPr>
+        <p:spPr>
+          <a:xfrm>
+            <a:off x="1803862" y="756458"/>
+            <a:ext cx="2528256" cy="461665"/>
+          </a:xfrm>
+          <a:prstGeom prst="rect">
+            <a:avLst/>
+          </a:prstGeom>
+          <a:noFill/>
+        </p:spPr>
+        <p:txBody>
+          <a:bodyPr wrap="none" rtlCol="0">
+            <a:spAutoFit/>
+          </a:bodyPr>
+          <a:lstStyle/>
+          <a:p>
+            <a:r>
+              <a:rPr lang="eu-ES" sz="2400" dirty="0" smtClean="0"/>
+              <a:t>ORGANIGRAMA</a:t>
+            </a:r>
+            <a:endParaRPr lang="eu-ES" sz="2400" dirty="0"/>
+          </a:p>
+        </p:txBody>
+      </p:sp>
     </p:spTree>
     <p:extLst>
       <p:ext uri="{BB962C8B-B14F-4D97-AF65-F5344CB8AC3E}">
@@ -27499,7 +27615,7 @@
 </p:sld>
 </file>
 
-<file path=ppt/slides/slide4.xml><?xml version="1.0" encoding="utf-8"?>
+<file path=ppt/slides/slide5.xml><?xml version="1.0" encoding="utf-8"?>
 <p:sld xmlns:a="http://schemas.openxmlformats.org/drawingml/2006/main" xmlns:r="http://schemas.openxmlformats.org/officeDocument/2006/relationships" xmlns:p="http://schemas.openxmlformats.org/presentationml/2006/main">
   <p:cSld>
     <p:spTree>
@@ -27712,7 +27828,7 @@
 </p:sld>
 </file>
 
-<file path=ppt/slides/slide5.xml><?xml version="1.0" encoding="utf-8"?>
+<file path=ppt/slides/slide6.xml><?xml version="1.0" encoding="utf-8"?>
 <p:sld xmlns:a="http://schemas.openxmlformats.org/drawingml/2006/main" xmlns:r="http://schemas.openxmlformats.org/officeDocument/2006/relationships" xmlns:p="http://schemas.openxmlformats.org/presentationml/2006/main">
   <p:cSld>
     <p:spTree>
@@ -28079,7 +28195,7 @@
 </p:sld>
 </file>
 
-<file path=ppt/slides/slide6.xml><?xml version="1.0" encoding="utf-8"?>
+<file path=ppt/slides/slide7.xml><?xml version="1.0" encoding="utf-8"?>
 <p:sld xmlns:a="http://schemas.openxmlformats.org/drawingml/2006/main" xmlns:r="http://schemas.openxmlformats.org/officeDocument/2006/relationships" xmlns:p="http://schemas.openxmlformats.org/presentationml/2006/main">
   <p:cSld>
     <p:spTree>
@@ -28394,7 +28510,7 @@
 </p:sld>
 </file>
 
-<file path=ppt/slides/slide7.xml><?xml version="1.0" encoding="utf-8"?>
+<file path=ppt/slides/slide8.xml><?xml version="1.0" encoding="utf-8"?>
 <p:sld xmlns:a="http://schemas.openxmlformats.org/drawingml/2006/main" xmlns:r="http://schemas.openxmlformats.org/officeDocument/2006/relationships" xmlns:p="http://schemas.openxmlformats.org/presentationml/2006/main">
   <p:cSld>
     <p:spTree>
@@ -28432,8 +28548,28 @@
           <a:lstStyle/>
           <a:p>
             <a:r>
-              <a:rPr lang="eu-ES" smtClean="0"/>
-              <a:t>Organigrama Packet Tracer-en irudikatu.</a:t>
+              <a:rPr lang="eu-ES" dirty="0" smtClean="0"/>
+              <a:t>Organigrama </a:t>
+            </a:r>
+            <a:r>
+              <a:rPr lang="eu-ES" dirty="0" err="1" smtClean="0"/>
+              <a:t>Packet</a:t>
+            </a:r>
+            <a:r>
+              <a:rPr lang="eu-ES" dirty="0" smtClean="0"/>
+              <a:t> </a:t>
+            </a:r>
+            <a:r>
+              <a:rPr lang="eu-ES" dirty="0" err="1" smtClean="0"/>
+              <a:t>Tracer-en</a:t>
+            </a:r>
+            <a:r>
+              <a:rPr lang="eu-ES" dirty="0" smtClean="0"/>
+              <a:t> </a:t>
+            </a:r>
+            <a:r>
+              <a:rPr lang="eu-ES" dirty="0" smtClean="0"/>
+              <a:t>irudikatuta.</a:t>
             </a:r>
             <a:endParaRPr lang="es-ES" dirty="0"/>
           </a:p>
@@ -28485,6 +28621,147 @@
       </p:par>
     </p:tnLst>
   </p:timing>
+</p:sld>
+</file>
+
+<file path=ppt/slides/slide9.xml><?xml version="1.0" encoding="utf-8"?>
+<p:sld xmlns:a="http://schemas.openxmlformats.org/drawingml/2006/main" xmlns:r="http://schemas.openxmlformats.org/officeDocument/2006/relationships" xmlns:p="http://schemas.openxmlformats.org/presentationml/2006/main">
+  <p:cSld>
+    <p:spTree>
+      <p:nvGrpSpPr>
+        <p:cNvPr id="1" name=""/>
+        <p:cNvGrpSpPr/>
+        <p:nvPr/>
+      </p:nvGrpSpPr>
+      <p:grpSpPr>
+        <a:xfrm>
+          <a:off x="0" y="0"/>
+          <a:ext cx="0" cy="0"/>
+          <a:chOff x="0" y="0"/>
+          <a:chExt cx="0" cy="0"/>
+        </a:xfrm>
+      </p:grpSpPr>
+      <p:sp>
+        <p:nvSpPr>
+          <p:cNvPr id="2" name="Titulua 1"/>
+          <p:cNvSpPr>
+            <a:spLocks noGrp="1"/>
+          </p:cNvSpPr>
+          <p:nvPr>
+            <p:ph type="title"/>
+          </p:nvPr>
+        </p:nvSpPr>
+        <p:spPr/>
+        <p:txBody>
+          <a:bodyPr/>
+          <a:lstStyle/>
+          <a:p>
+            <a:r>
+              <a:rPr lang="eu-ES" dirty="0" smtClean="0"/>
+              <a:t>Datu basea</a:t>
+            </a:r>
+            <a:endParaRPr lang="eu-ES" dirty="0"/>
+          </a:p>
+        </p:txBody>
+      </p:sp>
+      <p:pic>
+        <p:nvPicPr>
+          <p:cNvPr id="4" name="Edukiaren leku-marka 3"/>
+          <p:cNvPicPr>
+            <a:picLocks noGrp="1"/>
+          </p:cNvPicPr>
+          <p:nvPr>
+            <p:ph idx="1"/>
+          </p:nvPr>
+        </p:nvPicPr>
+        <p:blipFill>
+          <a:blip r:embed="rId2"/>
+          <a:stretch>
+            <a:fillRect/>
+          </a:stretch>
+        </p:blipFill>
+        <p:spPr>
+          <a:xfrm>
+            <a:off x="4896628" y="3305970"/>
+            <a:ext cx="2562583" cy="3000794"/>
+          </a:xfrm>
+          <a:prstGeom prst="rect">
+            <a:avLst/>
+          </a:prstGeom>
+        </p:spPr>
+      </p:pic>
+      <p:sp>
+        <p:nvSpPr>
+          <p:cNvPr id="5" name="TestuKoadroa 4"/>
+          <p:cNvSpPr txBox="1"/>
+          <p:nvPr/>
+        </p:nvSpPr>
+        <p:spPr>
+          <a:xfrm>
+            <a:off x="5202620" y="1119352"/>
+            <a:ext cx="6164317" cy="1477328"/>
+          </a:xfrm>
+          <a:prstGeom prst="rect">
+            <a:avLst/>
+          </a:prstGeom>
+          <a:noFill/>
+        </p:spPr>
+        <p:txBody>
+          <a:bodyPr wrap="square" rtlCol="0">
+            <a:spAutoFit/>
+          </a:bodyPr>
+          <a:lstStyle/>
+          <a:p>
+            <a:r>
+              <a:rPr lang="eu-ES" dirty="0" smtClean="0"/>
+              <a:t>Zerbitzarian datu base bat dugu zeinek </a:t>
+            </a:r>
+            <a:r>
+              <a:rPr lang="eu-ES" dirty="0" err="1" smtClean="0"/>
+              <a:t>empresako</a:t>
+            </a:r>
+            <a:r>
+              <a:rPr lang="eu-ES" dirty="0" smtClean="0"/>
+              <a:t> datu garrantzitsuenak kudeatuko ditu. Sortutako egiturak prozesuak azkartzen, segurtasuna bermatzen eta bezeroen edo barneko operazioen konfidentzialtasuna mantentzen lagunduko digu</a:t>
+            </a:r>
+            <a:endParaRPr lang="eu-ES" dirty="0"/>
+          </a:p>
+        </p:txBody>
+      </p:sp>
+      <p:pic>
+        <p:nvPicPr>
+          <p:cNvPr id="6" name="Irudia 5"/>
+          <p:cNvPicPr>
+            <a:picLocks noChangeAspect="1"/>
+          </p:cNvPicPr>
+          <p:nvPr/>
+        </p:nvPicPr>
+        <p:blipFill>
+          <a:blip r:embed="rId3"/>
+          <a:stretch>
+            <a:fillRect/>
+          </a:stretch>
+        </p:blipFill>
+        <p:spPr>
+          <a:xfrm>
+            <a:off x="7520109" y="3309421"/>
+            <a:ext cx="3184677" cy="2997343"/>
+          </a:xfrm>
+          <a:prstGeom prst="rect">
+            <a:avLst/>
+          </a:prstGeom>
+        </p:spPr>
+      </p:pic>
+    </p:spTree>
+    <p:extLst>
+      <p:ext uri="{BB962C8B-B14F-4D97-AF65-F5344CB8AC3E}">
+        <p14:creationId xmlns:p14="http://schemas.microsoft.com/office/powerpoint/2010/main" val="4045459258"/>
+      </p:ext>
+    </p:extLst>
+  </p:cSld>
+  <p:clrMapOvr>
+    <a:masterClrMapping/>
+  </p:clrMapOvr>
 </p:sld>
 </file>
 

--- a/Aurkezpena/AurkezpenaTaldea5.pptx
+++ b/Aurkezpena/AurkezpenaTaldea5.pptx
@@ -5,10 +5,10 @@
     <p:sldMasterId id="2147483678" r:id="rId1"/>
   </p:sldMasterIdLst>
   <p:notesMasterIdLst>
-    <p:notesMasterId r:id="rId9"/>
+    <p:notesMasterId r:id="rId15"/>
   </p:notesMasterIdLst>
   <p:handoutMasterIdLst>
-    <p:handoutMasterId r:id="rId10"/>
+    <p:handoutMasterId r:id="rId16"/>
   </p:handoutMasterIdLst>
   <p:sldIdLst>
     <p:sldId id="256" r:id="rId2"/>
@@ -18,6 +18,12 @@
     <p:sldId id="260" r:id="rId6"/>
     <p:sldId id="261" r:id="rId7"/>
     <p:sldId id="262" r:id="rId8"/>
+    <p:sldId id="263" r:id="rId9"/>
+    <p:sldId id="264" r:id="rId10"/>
+    <p:sldId id="265" r:id="rId11"/>
+    <p:sldId id="266" r:id="rId12"/>
+    <p:sldId id="267" r:id="rId13"/>
+    <p:sldId id="268" r:id="rId14"/>
   </p:sldIdLst>
   <p:sldSz cx="12192000" cy="6858000"/>
   <p:notesSz cx="6858000" cy="9144000"/>
@@ -206,7 +212,7 @@
           <a:p>
             <a:fld id="{8CB793CB-A906-4173-AD9E-70881889E7EC}" type="datetime1">
               <a:rPr lang="es-ES" smtClean="0"/>
-              <a:t>15/03/2024</a:t>
+              <a:t>18/03/2024</a:t>
             </a:fld>
             <a:endParaRPr lang="es-ES"/>
           </a:p>
@@ -376,7 +382,7 @@
           <a:p>
             <a:fld id="{13999672-DF21-411C-B199-9EBD2DD5FEEF}" type="datetime1">
               <a:rPr lang="es-ES" smtClean="0"/>
-              <a:t>15/03/2024</a:t>
+              <a:t>18/03/2024</a:t>
             </a:fld>
             <a:endParaRPr lang="es-ES"/>
           </a:p>
@@ -22802,7 +22808,7 @@
         </p:nvGrpSpPr>
         <p:grpSpPr>
           <a:xfrm>
-            <a:off x="800144" y="1699589"/>
+            <a:off x="7528512" y="1276553"/>
             <a:ext cx="3674476" cy="3470421"/>
             <a:chOff x="697883" y="1816768"/>
             <a:chExt cx="3674476" cy="3470421"/>
@@ -22935,7 +22941,7 @@
         </p:nvSpPr>
         <p:spPr>
           <a:xfrm>
-            <a:off x="888631" y="2352026"/>
+            <a:off x="7616999" y="1928990"/>
             <a:ext cx="3501197" cy="1223298"/>
           </a:xfrm>
         </p:spPr>
@@ -22973,7 +22979,7 @@
         </p:nvSpPr>
         <p:spPr>
           <a:xfrm>
-            <a:off x="5109983" y="802809"/>
+            <a:off x="367172" y="688301"/>
             <a:ext cx="6275035" cy="5249940"/>
           </a:xfrm>
         </p:spPr>
@@ -23030,7 +23036,7 @@
         </p:nvSpPr>
         <p:spPr>
           <a:xfrm>
-            <a:off x="888631" y="3580186"/>
+            <a:off x="7616999" y="3157150"/>
             <a:ext cx="3501197" cy="1221164"/>
           </a:xfrm>
         </p:spPr>
@@ -23106,1134 +23112,6 @@
           </a:p>
         </p:txBody>
       </p:sp>
-      <p:grpSp>
-        <p:nvGrpSpPr>
-          <p:cNvPr id="35" name="Group 74"/>
-          <p:cNvGrpSpPr/>
-          <p:nvPr userDrawn="1"/>
-        </p:nvGrpSpPr>
-        <p:grpSpPr>
-          <a:xfrm>
-            <a:off x="-573088" y="988150"/>
-            <a:ext cx="7201984" cy="4421695"/>
-            <a:chOff x="-417513" y="0"/>
-            <a:chExt cx="12584114" cy="6853238"/>
-          </a:xfrm>
-        </p:grpSpPr>
-        <p:sp>
-          <p:nvSpPr>
-            <p:cNvPr id="36" name="Freeform 5"/>
-            <p:cNvSpPr/>
-            <p:nvPr/>
-          </p:nvSpPr>
-          <p:spPr bwMode="auto">
-            <a:xfrm>
-              <a:off x="1306513" y="0"/>
-              <a:ext cx="3862388" cy="6843713"/>
-            </a:xfrm>
-            <a:custGeom>
-              <a:avLst/>
-              <a:gdLst/>
-              <a:ahLst/>
-              <a:cxnLst/>
-              <a:rect l="0" t="0" r="r" b="b"/>
-              <a:pathLst>
-                <a:path w="813" h="1440">
-                  <a:moveTo>
-                    <a:pt x="813" y="0"/>
-                  </a:moveTo>
-                  <a:cubicBezTo>
-                    <a:pt x="331" y="221"/>
-                    <a:pt x="0" y="1039"/>
-                    <a:pt x="435" y="1440"/>
-                  </a:cubicBezTo>
-                </a:path>
-              </a:pathLst>
-            </a:custGeom>
-            <a:noFill/>
-            <a:ln w="9525" cap="flat">
-              <a:solidFill>
-                <a:schemeClr val="tx1">
-                  <a:alpha val="20000"/>
-                </a:schemeClr>
-              </a:solidFill>
-              <a:prstDash val="solid"/>
-              <a:miter lim="800000"/>
-              <a:headEnd/>
-              <a:tailEnd/>
-            </a:ln>
-            <a:extLst>
-              <a:ext uri="{909E8E84-426E-40DD-AFC4-6F175D3DCCD1}">
-                <a14:hiddenFill xmlns:a14="http://schemas.microsoft.com/office/drawing/2010/main">
-                  <a:solidFill>
-                    <a:srgbClr val="FFFFFF"/>
-                  </a:solidFill>
-                </a14:hiddenFill>
-              </a:ext>
-            </a:extLst>
-          </p:spPr>
-        </p:sp>
-        <p:sp>
-          <p:nvSpPr>
-            <p:cNvPr id="37" name="Freeform 6"/>
-            <p:cNvSpPr/>
-            <p:nvPr/>
-          </p:nvSpPr>
-          <p:spPr bwMode="auto">
-            <a:xfrm>
-              <a:off x="10626725" y="9525"/>
-              <a:ext cx="1539875" cy="555625"/>
-            </a:xfrm>
-            <a:custGeom>
-              <a:avLst/>
-              <a:gdLst/>
-              <a:ahLst/>
-              <a:cxnLst/>
-              <a:rect l="0" t="0" r="r" b="b"/>
-              <a:pathLst>
-                <a:path w="324" h="117">
-                  <a:moveTo>
-                    <a:pt x="324" y="117"/>
-                  </a:moveTo>
-                  <a:cubicBezTo>
-                    <a:pt x="223" y="64"/>
-                    <a:pt x="107" y="28"/>
-                    <a:pt x="0" y="0"/>
-                  </a:cubicBezTo>
-                </a:path>
-              </a:pathLst>
-            </a:custGeom>
-            <a:noFill/>
-            <a:ln w="9525" cap="flat">
-              <a:solidFill>
-                <a:schemeClr val="tx1">
-                  <a:alpha val="20000"/>
-                </a:schemeClr>
-              </a:solidFill>
-              <a:prstDash val="solid"/>
-              <a:miter lim="800000"/>
-              <a:headEnd/>
-              <a:tailEnd/>
-            </a:ln>
-            <a:extLst>
-              <a:ext uri="{909E8E84-426E-40DD-AFC4-6F175D3DCCD1}">
-                <a14:hiddenFill xmlns:a14="http://schemas.microsoft.com/office/drawing/2010/main">
-                  <a:solidFill>
-                    <a:srgbClr val="FFFFFF"/>
-                  </a:solidFill>
-                </a14:hiddenFill>
-              </a:ext>
-            </a:extLst>
-          </p:spPr>
-        </p:sp>
-        <p:sp>
-          <p:nvSpPr>
-            <p:cNvPr id="38" name="Freeform 7"/>
-            <p:cNvSpPr/>
-            <p:nvPr/>
-          </p:nvSpPr>
-          <p:spPr bwMode="auto">
-            <a:xfrm>
-              <a:off x="10247313" y="5013325"/>
-              <a:ext cx="1919288" cy="1830388"/>
-            </a:xfrm>
-            <a:custGeom>
-              <a:avLst/>
-              <a:gdLst/>
-              <a:ahLst/>
-              <a:cxnLst/>
-              <a:rect l="0" t="0" r="r" b="b"/>
-              <a:pathLst>
-                <a:path w="404" h="385">
-                  <a:moveTo>
-                    <a:pt x="0" y="385"/>
-                  </a:moveTo>
-                  <a:cubicBezTo>
-                    <a:pt x="146" y="272"/>
-                    <a:pt x="285" y="142"/>
-                    <a:pt x="404" y="0"/>
-                  </a:cubicBezTo>
-                </a:path>
-              </a:pathLst>
-            </a:custGeom>
-            <a:noFill/>
-            <a:ln w="9525" cap="flat">
-              <a:solidFill>
-                <a:schemeClr val="tx1">
-                  <a:alpha val="20000"/>
-                </a:schemeClr>
-              </a:solidFill>
-              <a:prstDash val="solid"/>
-              <a:miter lim="800000"/>
-              <a:headEnd/>
-              <a:tailEnd/>
-            </a:ln>
-            <a:extLst>
-              <a:ext uri="{909E8E84-426E-40DD-AFC4-6F175D3DCCD1}">
-                <a14:hiddenFill xmlns:a14="http://schemas.microsoft.com/office/drawing/2010/main">
-                  <a:solidFill>
-                    <a:srgbClr val="FFFFFF"/>
-                  </a:solidFill>
-                </a14:hiddenFill>
-              </a:ext>
-            </a:extLst>
-          </p:spPr>
-        </p:sp>
-        <p:sp>
-          <p:nvSpPr>
-            <p:cNvPr id="39" name="Freeform 8"/>
-            <p:cNvSpPr/>
-            <p:nvPr/>
-          </p:nvSpPr>
-          <p:spPr bwMode="auto">
-            <a:xfrm>
-              <a:off x="1120775" y="0"/>
-              <a:ext cx="3676650" cy="6843713"/>
-            </a:xfrm>
-            <a:custGeom>
-              <a:avLst/>
-              <a:gdLst/>
-              <a:ahLst/>
-              <a:cxnLst/>
-              <a:rect l="0" t="0" r="r" b="b"/>
-              <a:pathLst>
-                <a:path w="774" h="1440">
-                  <a:moveTo>
-                    <a:pt x="774" y="0"/>
-                  </a:moveTo>
-                  <a:cubicBezTo>
-                    <a:pt x="312" y="240"/>
-                    <a:pt x="0" y="1034"/>
-                    <a:pt x="411" y="1440"/>
-                  </a:cubicBezTo>
-                </a:path>
-              </a:pathLst>
-            </a:custGeom>
-            <a:noFill/>
-            <a:ln w="9525" cap="flat">
-              <a:solidFill>
-                <a:schemeClr val="tx1">
-                  <a:alpha val="20000"/>
-                </a:schemeClr>
-              </a:solidFill>
-              <a:prstDash val="dash"/>
-              <a:miter lim="800000"/>
-              <a:headEnd/>
-              <a:tailEnd/>
-            </a:ln>
-            <a:extLst>
-              <a:ext uri="{909E8E84-426E-40DD-AFC4-6F175D3DCCD1}">
-                <a14:hiddenFill xmlns:a14="http://schemas.microsoft.com/office/drawing/2010/main">
-                  <a:solidFill>
-                    <a:srgbClr val="FFFFFF"/>
-                  </a:solidFill>
-                </a14:hiddenFill>
-              </a:ext>
-            </a:extLst>
-          </p:spPr>
-        </p:sp>
-        <p:sp>
-          <p:nvSpPr>
-            <p:cNvPr id="40" name="Freeform 9"/>
-            <p:cNvSpPr/>
-            <p:nvPr/>
-          </p:nvSpPr>
-          <p:spPr bwMode="auto">
-            <a:xfrm>
-              <a:off x="11202988" y="9525"/>
-              <a:ext cx="963613" cy="366713"/>
-            </a:xfrm>
-            <a:custGeom>
-              <a:avLst/>
-              <a:gdLst/>
-              <a:ahLst/>
-              <a:cxnLst/>
-              <a:rect l="0" t="0" r="r" b="b"/>
-              <a:pathLst>
-                <a:path w="203" h="77">
-                  <a:moveTo>
-                    <a:pt x="203" y="77"/>
-                  </a:moveTo>
-                  <a:cubicBezTo>
-                    <a:pt x="138" y="46"/>
-                    <a:pt x="68" y="21"/>
-                    <a:pt x="0" y="0"/>
-                  </a:cubicBezTo>
-                </a:path>
-              </a:pathLst>
-            </a:custGeom>
-            <a:noFill/>
-            <a:ln w="9525" cap="flat">
-              <a:solidFill>
-                <a:schemeClr val="tx1">
-                  <a:alpha val="20000"/>
-                </a:schemeClr>
-              </a:solidFill>
-              <a:prstDash val="dash"/>
-              <a:miter lim="800000"/>
-              <a:headEnd/>
-              <a:tailEnd/>
-            </a:ln>
-            <a:extLst>
-              <a:ext uri="{909E8E84-426E-40DD-AFC4-6F175D3DCCD1}">
-                <a14:hiddenFill xmlns:a14="http://schemas.microsoft.com/office/drawing/2010/main">
-                  <a:solidFill>
-                    <a:srgbClr val="FFFFFF"/>
-                  </a:solidFill>
-                </a14:hiddenFill>
-              </a:ext>
-            </a:extLst>
-          </p:spPr>
-        </p:sp>
-        <p:sp>
-          <p:nvSpPr>
-            <p:cNvPr id="41" name="Freeform 10"/>
-            <p:cNvSpPr/>
-            <p:nvPr/>
-          </p:nvSpPr>
-          <p:spPr bwMode="auto">
-            <a:xfrm>
-              <a:off x="10494963" y="5275263"/>
-              <a:ext cx="1666875" cy="1577975"/>
-            </a:xfrm>
-            <a:custGeom>
-              <a:avLst/>
-              <a:gdLst/>
-              <a:ahLst/>
-              <a:cxnLst/>
-              <a:rect l="0" t="0" r="r" b="b"/>
-              <a:pathLst>
-                <a:path w="351" h="332">
-                  <a:moveTo>
-                    <a:pt x="0" y="332"/>
-                  </a:moveTo>
-                  <a:cubicBezTo>
-                    <a:pt x="125" y="232"/>
-                    <a:pt x="245" y="121"/>
-                    <a:pt x="351" y="0"/>
-                  </a:cubicBezTo>
-                </a:path>
-              </a:pathLst>
-            </a:custGeom>
-            <a:noFill/>
-            <a:ln w="9525" cap="flat">
-              <a:solidFill>
-                <a:schemeClr val="tx1">
-                  <a:alpha val="20000"/>
-                </a:schemeClr>
-              </a:solidFill>
-              <a:prstDash val="dash"/>
-              <a:miter lim="800000"/>
-              <a:headEnd/>
-              <a:tailEnd/>
-            </a:ln>
-            <a:extLst>
-              <a:ext uri="{909E8E84-426E-40DD-AFC4-6F175D3DCCD1}">
-                <a14:hiddenFill xmlns:a14="http://schemas.microsoft.com/office/drawing/2010/main">
-                  <a:solidFill>
-                    <a:srgbClr val="FFFFFF"/>
-                  </a:solidFill>
-                </a14:hiddenFill>
-              </a:ext>
-            </a:extLst>
-          </p:spPr>
-        </p:sp>
-        <p:sp>
-          <p:nvSpPr>
-            <p:cNvPr id="42" name="Freeform 11"/>
-            <p:cNvSpPr/>
-            <p:nvPr/>
-          </p:nvSpPr>
-          <p:spPr bwMode="auto">
-            <a:xfrm>
-              <a:off x="1001713" y="0"/>
-              <a:ext cx="3621088" cy="6843713"/>
-            </a:xfrm>
-            <a:custGeom>
-              <a:avLst/>
-              <a:gdLst/>
-              <a:ahLst/>
-              <a:cxnLst/>
-              <a:rect l="0" t="0" r="r" b="b"/>
-              <a:pathLst>
-                <a:path w="762" h="1440">
-                  <a:moveTo>
-                    <a:pt x="762" y="0"/>
-                  </a:moveTo>
-                  <a:cubicBezTo>
-                    <a:pt x="308" y="245"/>
-                    <a:pt x="0" y="1033"/>
-                    <a:pt x="403" y="1440"/>
-                  </a:cubicBezTo>
-                </a:path>
-              </a:pathLst>
-            </a:custGeom>
-            <a:noFill/>
-            <a:ln w="9525" cap="flat">
-              <a:solidFill>
-                <a:schemeClr val="tx1">
-                  <a:alpha val="20000"/>
-                </a:schemeClr>
-              </a:solidFill>
-              <a:prstDash val="solid"/>
-              <a:miter lim="800000"/>
-              <a:headEnd/>
-              <a:tailEnd/>
-            </a:ln>
-            <a:extLst>
-              <a:ext uri="{909E8E84-426E-40DD-AFC4-6F175D3DCCD1}">
-                <a14:hiddenFill xmlns:a14="http://schemas.microsoft.com/office/drawing/2010/main">
-                  <a:solidFill>
-                    <a:srgbClr val="FFFFFF"/>
-                  </a:solidFill>
-                </a14:hiddenFill>
-              </a:ext>
-            </a:extLst>
-          </p:spPr>
-        </p:sp>
-        <p:sp>
-          <p:nvSpPr>
-            <p:cNvPr id="43" name="Freeform 12"/>
-            <p:cNvSpPr/>
-            <p:nvPr/>
-          </p:nvSpPr>
-          <p:spPr bwMode="auto">
-            <a:xfrm>
-              <a:off x="11501438" y="9525"/>
-              <a:ext cx="665163" cy="257175"/>
-            </a:xfrm>
-            <a:custGeom>
-              <a:avLst/>
-              <a:gdLst/>
-              <a:ahLst/>
-              <a:cxnLst/>
-              <a:rect l="0" t="0" r="r" b="b"/>
-              <a:pathLst>
-                <a:path w="140" h="54">
-                  <a:moveTo>
-                    <a:pt x="140" y="54"/>
-                  </a:moveTo>
-                  <a:cubicBezTo>
-                    <a:pt x="95" y="34"/>
-                    <a:pt x="48" y="16"/>
-                    <a:pt x="0" y="0"/>
-                  </a:cubicBezTo>
-                </a:path>
-              </a:pathLst>
-            </a:custGeom>
-            <a:noFill/>
-            <a:ln w="9525" cap="flat">
-              <a:solidFill>
-                <a:schemeClr val="tx1">
-                  <a:alpha val="20000"/>
-                </a:schemeClr>
-              </a:solidFill>
-              <a:prstDash val="solid"/>
-              <a:miter lim="800000"/>
-              <a:headEnd/>
-              <a:tailEnd/>
-            </a:ln>
-            <a:extLst>
-              <a:ext uri="{909E8E84-426E-40DD-AFC4-6F175D3DCCD1}">
-                <a14:hiddenFill xmlns:a14="http://schemas.microsoft.com/office/drawing/2010/main">
-                  <a:solidFill>
-                    <a:srgbClr val="FFFFFF"/>
-                  </a:solidFill>
-                </a14:hiddenFill>
-              </a:ext>
-            </a:extLst>
-          </p:spPr>
-        </p:sp>
-        <p:sp>
-          <p:nvSpPr>
-            <p:cNvPr id="44" name="Freeform 13"/>
-            <p:cNvSpPr/>
-            <p:nvPr/>
-          </p:nvSpPr>
-          <p:spPr bwMode="auto">
-            <a:xfrm>
-              <a:off x="10641013" y="5408613"/>
-              <a:ext cx="1525588" cy="1435100"/>
-            </a:xfrm>
-            <a:custGeom>
-              <a:avLst/>
-              <a:gdLst/>
-              <a:ahLst/>
-              <a:cxnLst/>
-              <a:rect l="0" t="0" r="r" b="b"/>
-              <a:pathLst>
-                <a:path w="321" h="302">
-                  <a:moveTo>
-                    <a:pt x="0" y="302"/>
-                  </a:moveTo>
-                  <a:cubicBezTo>
-                    <a:pt x="114" y="210"/>
-                    <a:pt x="223" y="109"/>
-                    <a:pt x="321" y="0"/>
-                  </a:cubicBezTo>
-                </a:path>
-              </a:pathLst>
-            </a:custGeom>
-            <a:noFill/>
-            <a:ln w="9525" cap="flat">
-              <a:solidFill>
-                <a:schemeClr val="tx1">
-                  <a:alpha val="20000"/>
-                </a:schemeClr>
-              </a:solidFill>
-              <a:prstDash val="solid"/>
-              <a:miter lim="800000"/>
-              <a:headEnd/>
-              <a:tailEnd/>
-            </a:ln>
-            <a:extLst>
-              <a:ext uri="{909E8E84-426E-40DD-AFC4-6F175D3DCCD1}">
-                <a14:hiddenFill xmlns:a14="http://schemas.microsoft.com/office/drawing/2010/main">
-                  <a:solidFill>
-                    <a:srgbClr val="FFFFFF"/>
-                  </a:solidFill>
-                </a14:hiddenFill>
-              </a:ext>
-            </a:extLst>
-          </p:spPr>
-        </p:sp>
-        <p:sp>
-          <p:nvSpPr>
-            <p:cNvPr id="45" name="Freeform 14"/>
-            <p:cNvSpPr/>
-            <p:nvPr/>
-          </p:nvSpPr>
-          <p:spPr bwMode="auto">
-            <a:xfrm>
-              <a:off x="1001713" y="0"/>
-              <a:ext cx="3244850" cy="6843713"/>
-            </a:xfrm>
-            <a:custGeom>
-              <a:avLst/>
-              <a:gdLst/>
-              <a:ahLst/>
-              <a:cxnLst/>
-              <a:rect l="0" t="0" r="r" b="b"/>
-              <a:pathLst>
-                <a:path w="683" h="1440">
-                  <a:moveTo>
-                    <a:pt x="683" y="0"/>
-                  </a:moveTo>
-                  <a:cubicBezTo>
-                    <a:pt x="258" y="256"/>
-                    <a:pt x="0" y="1041"/>
-                    <a:pt x="355" y="1440"/>
-                  </a:cubicBezTo>
-                </a:path>
-              </a:pathLst>
-            </a:custGeom>
-            <a:noFill/>
-            <a:ln w="9525" cap="flat">
-              <a:solidFill>
-                <a:schemeClr val="tx1">
-                  <a:alpha val="20000"/>
-                </a:schemeClr>
-              </a:solidFill>
-              <a:prstDash val="solid"/>
-              <a:miter lim="800000"/>
-              <a:headEnd/>
-              <a:tailEnd/>
-            </a:ln>
-            <a:extLst>
-              <a:ext uri="{909E8E84-426E-40DD-AFC4-6F175D3DCCD1}">
-                <a14:hiddenFill xmlns:a14="http://schemas.microsoft.com/office/drawing/2010/main">
-                  <a:solidFill>
-                    <a:srgbClr val="FFFFFF"/>
-                  </a:solidFill>
-                </a14:hiddenFill>
-              </a:ext>
-            </a:extLst>
-          </p:spPr>
-        </p:sp>
-        <p:sp>
-          <p:nvSpPr>
-            <p:cNvPr id="46" name="Freeform 15"/>
-            <p:cNvSpPr/>
-            <p:nvPr/>
-          </p:nvSpPr>
-          <p:spPr bwMode="auto">
-            <a:xfrm>
-              <a:off x="10802938" y="5518150"/>
-              <a:ext cx="1363663" cy="1325563"/>
-            </a:xfrm>
-            <a:custGeom>
-              <a:avLst/>
-              <a:gdLst/>
-              <a:ahLst/>
-              <a:cxnLst/>
-              <a:rect l="0" t="0" r="r" b="b"/>
-              <a:pathLst>
-                <a:path w="287" h="279">
-                  <a:moveTo>
-                    <a:pt x="0" y="279"/>
-                  </a:moveTo>
-                  <a:cubicBezTo>
-                    <a:pt x="101" y="193"/>
-                    <a:pt x="198" y="100"/>
-                    <a:pt x="287" y="0"/>
-                  </a:cubicBezTo>
-                </a:path>
-              </a:pathLst>
-            </a:custGeom>
-            <a:noFill/>
-            <a:ln w="9525" cap="flat">
-              <a:solidFill>
-                <a:schemeClr val="tx1">
-                  <a:alpha val="20000"/>
-                </a:schemeClr>
-              </a:solidFill>
-              <a:prstDash val="solid"/>
-              <a:miter lim="800000"/>
-              <a:headEnd/>
-              <a:tailEnd/>
-            </a:ln>
-            <a:extLst>
-              <a:ext uri="{909E8E84-426E-40DD-AFC4-6F175D3DCCD1}">
-                <a14:hiddenFill xmlns:a14="http://schemas.microsoft.com/office/drawing/2010/main">
-                  <a:solidFill>
-                    <a:srgbClr val="FFFFFF"/>
-                  </a:solidFill>
-                </a14:hiddenFill>
-              </a:ext>
-            </a:extLst>
-          </p:spPr>
-        </p:sp>
-        <p:sp>
-          <p:nvSpPr>
-            <p:cNvPr id="47" name="Freeform 16"/>
-            <p:cNvSpPr/>
-            <p:nvPr/>
-          </p:nvSpPr>
-          <p:spPr bwMode="auto">
-            <a:xfrm>
-              <a:off x="889000" y="0"/>
-              <a:ext cx="3230563" cy="6843713"/>
-            </a:xfrm>
-            <a:custGeom>
-              <a:avLst/>
-              <a:gdLst/>
-              <a:ahLst/>
-              <a:cxnLst/>
-              <a:rect l="0" t="0" r="r" b="b"/>
-              <a:pathLst>
-                <a:path w="680" h="1440">
-                  <a:moveTo>
-                    <a:pt x="680" y="0"/>
-                  </a:moveTo>
-                  <a:cubicBezTo>
-                    <a:pt x="257" y="265"/>
-                    <a:pt x="0" y="1026"/>
-                    <a:pt x="337" y="1440"/>
-                  </a:cubicBezTo>
-                </a:path>
-              </a:pathLst>
-            </a:custGeom>
-            <a:noFill/>
-            <a:ln w="9525" cap="flat">
-              <a:solidFill>
-                <a:schemeClr val="tx1">
-                  <a:alpha val="20000"/>
-                </a:schemeClr>
-              </a:solidFill>
-              <a:prstDash val="solid"/>
-              <a:miter lim="800000"/>
-              <a:headEnd/>
-              <a:tailEnd/>
-            </a:ln>
-            <a:extLst>
-              <a:ext uri="{909E8E84-426E-40DD-AFC4-6F175D3DCCD1}">
-                <a14:hiddenFill xmlns:a14="http://schemas.microsoft.com/office/drawing/2010/main">
-                  <a:solidFill>
-                    <a:srgbClr val="FFFFFF"/>
-                  </a:solidFill>
-                </a14:hiddenFill>
-              </a:ext>
-            </a:extLst>
-          </p:spPr>
-        </p:sp>
-        <p:sp>
-          <p:nvSpPr>
-            <p:cNvPr id="48" name="Freeform 17"/>
-            <p:cNvSpPr/>
-            <p:nvPr/>
-          </p:nvSpPr>
-          <p:spPr bwMode="auto">
-            <a:xfrm>
-              <a:off x="10979150" y="5694363"/>
-              <a:ext cx="1187450" cy="1149350"/>
-            </a:xfrm>
-            <a:custGeom>
-              <a:avLst/>
-              <a:gdLst/>
-              <a:ahLst/>
-              <a:cxnLst/>
-              <a:rect l="0" t="0" r="r" b="b"/>
-              <a:pathLst>
-                <a:path w="250" h="242">
-                  <a:moveTo>
-                    <a:pt x="0" y="242"/>
-                  </a:moveTo>
-                  <a:cubicBezTo>
-                    <a:pt x="88" y="166"/>
-                    <a:pt x="172" y="85"/>
-                    <a:pt x="250" y="0"/>
-                  </a:cubicBezTo>
-                </a:path>
-              </a:pathLst>
-            </a:custGeom>
-            <a:noFill/>
-            <a:ln w="9525" cap="flat">
-              <a:solidFill>
-                <a:schemeClr val="tx1">
-                  <a:alpha val="20000"/>
-                </a:schemeClr>
-              </a:solidFill>
-              <a:prstDash val="solid"/>
-              <a:miter lim="800000"/>
-              <a:headEnd/>
-              <a:tailEnd/>
-            </a:ln>
-            <a:extLst>
-              <a:ext uri="{909E8E84-426E-40DD-AFC4-6F175D3DCCD1}">
-                <a14:hiddenFill xmlns:a14="http://schemas.microsoft.com/office/drawing/2010/main">
-                  <a:solidFill>
-                    <a:srgbClr val="FFFFFF"/>
-                  </a:solidFill>
-                </a14:hiddenFill>
-              </a:ext>
-            </a:extLst>
-          </p:spPr>
-        </p:sp>
-        <p:sp>
-          <p:nvSpPr>
-            <p:cNvPr id="49" name="Freeform 18"/>
-            <p:cNvSpPr/>
-            <p:nvPr/>
-          </p:nvSpPr>
-          <p:spPr bwMode="auto">
-            <a:xfrm>
-              <a:off x="484188" y="0"/>
-              <a:ext cx="3421063" cy="6843713"/>
-            </a:xfrm>
-            <a:custGeom>
-              <a:avLst/>
-              <a:gdLst/>
-              <a:ahLst/>
-              <a:cxnLst/>
-              <a:rect l="0" t="0" r="r" b="b"/>
-              <a:pathLst>
-                <a:path w="720" h="1440">
-                  <a:moveTo>
-                    <a:pt x="720" y="0"/>
-                  </a:moveTo>
-                  <a:cubicBezTo>
-                    <a:pt x="316" y="282"/>
-                    <a:pt x="0" y="1018"/>
-                    <a:pt x="362" y="1440"/>
-                  </a:cubicBezTo>
-                </a:path>
-              </a:pathLst>
-            </a:custGeom>
-            <a:noFill/>
-            <a:ln w="9525" cap="flat">
-              <a:solidFill>
-                <a:schemeClr val="tx1">
-                  <a:alpha val="20000"/>
-                </a:schemeClr>
-              </a:solidFill>
-              <a:prstDash val="solid"/>
-              <a:miter lim="800000"/>
-              <a:headEnd/>
-              <a:tailEnd/>
-            </a:ln>
-            <a:extLst>
-              <a:ext uri="{909E8E84-426E-40DD-AFC4-6F175D3DCCD1}">
-                <a14:hiddenFill xmlns:a14="http://schemas.microsoft.com/office/drawing/2010/main">
-                  <a:solidFill>
-                    <a:srgbClr val="FFFFFF"/>
-                  </a:solidFill>
-                </a14:hiddenFill>
-              </a:ext>
-            </a:extLst>
-          </p:spPr>
-        </p:sp>
-        <p:sp>
-          <p:nvSpPr>
-            <p:cNvPr id="50" name="Freeform 19"/>
-            <p:cNvSpPr/>
-            <p:nvPr/>
-          </p:nvSpPr>
-          <p:spPr bwMode="auto">
-            <a:xfrm>
-              <a:off x="11287125" y="6049963"/>
-              <a:ext cx="879475" cy="793750"/>
-            </a:xfrm>
-            <a:custGeom>
-              <a:avLst/>
-              <a:gdLst/>
-              <a:ahLst/>
-              <a:cxnLst/>
-              <a:rect l="0" t="0" r="r" b="b"/>
-              <a:pathLst>
-                <a:path w="185" h="167">
-                  <a:moveTo>
-                    <a:pt x="0" y="167"/>
-                  </a:moveTo>
-                  <a:cubicBezTo>
-                    <a:pt x="63" y="114"/>
-                    <a:pt x="125" y="58"/>
-                    <a:pt x="185" y="0"/>
-                  </a:cubicBezTo>
-                </a:path>
-              </a:pathLst>
-            </a:custGeom>
-            <a:noFill/>
-            <a:ln w="9525" cap="flat">
-              <a:solidFill>
-                <a:schemeClr val="tx1">
-                  <a:alpha val="20000"/>
-                </a:schemeClr>
-              </a:solidFill>
-              <a:prstDash val="solid"/>
-              <a:miter lim="800000"/>
-              <a:headEnd/>
-              <a:tailEnd/>
-            </a:ln>
-            <a:extLst>
-              <a:ext uri="{909E8E84-426E-40DD-AFC4-6F175D3DCCD1}">
-                <a14:hiddenFill xmlns:a14="http://schemas.microsoft.com/office/drawing/2010/main">
-                  <a:solidFill>
-                    <a:srgbClr val="FFFFFF"/>
-                  </a:solidFill>
-                </a14:hiddenFill>
-              </a:ext>
-            </a:extLst>
-          </p:spPr>
-        </p:sp>
-        <p:sp>
-          <p:nvSpPr>
-            <p:cNvPr id="51" name="Freeform 20"/>
-            <p:cNvSpPr/>
-            <p:nvPr/>
-          </p:nvSpPr>
-          <p:spPr bwMode="auto">
-            <a:xfrm>
-              <a:off x="598488" y="0"/>
-              <a:ext cx="2717800" cy="6843713"/>
-            </a:xfrm>
-            <a:custGeom>
-              <a:avLst/>
-              <a:gdLst/>
-              <a:ahLst/>
-              <a:cxnLst/>
-              <a:rect l="0" t="0" r="r" b="b"/>
-              <a:pathLst>
-                <a:path w="572" h="1440">
-                  <a:moveTo>
-                    <a:pt x="572" y="0"/>
-                  </a:moveTo>
-                  <a:cubicBezTo>
-                    <a:pt x="213" y="320"/>
-                    <a:pt x="0" y="979"/>
-                    <a:pt x="164" y="1440"/>
-                  </a:cubicBezTo>
-                </a:path>
-              </a:pathLst>
-            </a:custGeom>
-            <a:noFill/>
-            <a:ln w="12700" cap="flat">
-              <a:solidFill>
-                <a:schemeClr val="tx1">
-                  <a:alpha val="20000"/>
-                </a:schemeClr>
-              </a:solidFill>
-              <a:prstDash val="dashDot"/>
-              <a:miter lim="800000"/>
-              <a:headEnd/>
-              <a:tailEnd/>
-            </a:ln>
-            <a:extLst>
-              <a:ext uri="{909E8E84-426E-40DD-AFC4-6F175D3DCCD1}">
-                <a14:hiddenFill xmlns:a14="http://schemas.microsoft.com/office/drawing/2010/main">
-                  <a:solidFill>
-                    <a:srgbClr val="FFFFFF"/>
-                  </a:solidFill>
-                </a14:hiddenFill>
-              </a:ext>
-            </a:extLst>
-          </p:spPr>
-        </p:sp>
-        <p:sp>
-          <p:nvSpPr>
-            <p:cNvPr id="52" name="Freeform 21"/>
-            <p:cNvSpPr/>
-            <p:nvPr/>
-          </p:nvSpPr>
-          <p:spPr bwMode="auto">
-            <a:xfrm>
-              <a:off x="261938" y="0"/>
-              <a:ext cx="2944813" cy="6843713"/>
-            </a:xfrm>
-            <a:custGeom>
-              <a:avLst/>
-              <a:gdLst/>
-              <a:ahLst/>
-              <a:cxnLst/>
-              <a:rect l="0" t="0" r="r" b="b"/>
-              <a:pathLst>
-                <a:path w="620" h="1440">
-                  <a:moveTo>
-                    <a:pt x="620" y="0"/>
-                  </a:moveTo>
-                  <a:cubicBezTo>
-                    <a:pt x="248" y="325"/>
-                    <a:pt x="0" y="960"/>
-                    <a:pt x="186" y="1440"/>
-                  </a:cubicBezTo>
-                </a:path>
-              </a:pathLst>
-            </a:custGeom>
-            <a:noFill/>
-            <a:ln w="9525" cap="flat">
-              <a:solidFill>
-                <a:schemeClr val="tx1">
-                  <a:alpha val="20000"/>
-                </a:schemeClr>
-              </a:solidFill>
-              <a:prstDash val="lgDash"/>
-              <a:miter lim="800000"/>
-              <a:headEnd/>
-              <a:tailEnd/>
-            </a:ln>
-            <a:extLst>
-              <a:ext uri="{909E8E84-426E-40DD-AFC4-6F175D3DCCD1}">
-                <a14:hiddenFill xmlns:a14="http://schemas.microsoft.com/office/drawing/2010/main">
-                  <a:solidFill>
-                    <a:srgbClr val="FFFFFF"/>
-                  </a:solidFill>
-                </a14:hiddenFill>
-              </a:ext>
-            </a:extLst>
-          </p:spPr>
-        </p:sp>
-        <p:sp>
-          <p:nvSpPr>
-            <p:cNvPr id="53" name="Freeform 22"/>
-            <p:cNvSpPr/>
-            <p:nvPr/>
-          </p:nvSpPr>
-          <p:spPr bwMode="auto">
-            <a:xfrm>
-              <a:off x="-417513" y="0"/>
-              <a:ext cx="2403475" cy="6843713"/>
-            </a:xfrm>
-            <a:custGeom>
-              <a:avLst/>
-              <a:gdLst/>
-              <a:ahLst/>
-              <a:cxnLst/>
-              <a:rect l="0" t="0" r="r" b="b"/>
-              <a:pathLst>
-                <a:path w="506" h="1440">
-                  <a:moveTo>
-                    <a:pt x="506" y="0"/>
-                  </a:moveTo>
-                  <a:cubicBezTo>
-                    <a:pt x="109" y="356"/>
-                    <a:pt x="0" y="943"/>
-                    <a:pt x="171" y="1440"/>
-                  </a:cubicBezTo>
-                </a:path>
-              </a:pathLst>
-            </a:custGeom>
-            <a:noFill/>
-            <a:ln w="9525" cap="flat">
-              <a:solidFill>
-                <a:schemeClr val="tx1">
-                  <a:alpha val="20000"/>
-                </a:schemeClr>
-              </a:solidFill>
-              <a:prstDash val="solid"/>
-              <a:miter lim="800000"/>
-              <a:headEnd/>
-              <a:tailEnd/>
-            </a:ln>
-            <a:extLst>
-              <a:ext uri="{909E8E84-426E-40DD-AFC4-6F175D3DCCD1}">
-                <a14:hiddenFill xmlns:a14="http://schemas.microsoft.com/office/drawing/2010/main">
-                  <a:solidFill>
-                    <a:srgbClr val="FFFFFF"/>
-                  </a:solidFill>
-                </a14:hiddenFill>
-              </a:ext>
-            </a:extLst>
-          </p:spPr>
-        </p:sp>
-        <p:sp>
-          <p:nvSpPr>
-            <p:cNvPr id="54" name="Freeform 23"/>
-            <p:cNvSpPr/>
-            <p:nvPr/>
-          </p:nvSpPr>
-          <p:spPr bwMode="auto">
-            <a:xfrm>
-              <a:off x="14288" y="9525"/>
-              <a:ext cx="1771650" cy="3198813"/>
-            </a:xfrm>
-            <a:custGeom>
-              <a:avLst/>
-              <a:gdLst/>
-              <a:ahLst/>
-              <a:cxnLst/>
-              <a:rect l="0" t="0" r="r" b="b"/>
-              <a:pathLst>
-                <a:path w="373" h="673">
-                  <a:moveTo>
-                    <a:pt x="373" y="0"/>
-                  </a:moveTo>
-                  <a:cubicBezTo>
-                    <a:pt x="175" y="183"/>
-                    <a:pt x="51" y="409"/>
-                    <a:pt x="0" y="673"/>
-                  </a:cubicBezTo>
-                </a:path>
-              </a:pathLst>
-            </a:custGeom>
-            <a:noFill/>
-            <a:ln w="9525" cap="flat">
-              <a:solidFill>
-                <a:schemeClr val="tx1">
-                  <a:alpha val="20000"/>
-                </a:schemeClr>
-              </a:solidFill>
-              <a:prstDash val="solid"/>
-              <a:miter lim="800000"/>
-              <a:headEnd/>
-              <a:tailEnd/>
-            </a:ln>
-            <a:extLst>
-              <a:ext uri="{909E8E84-426E-40DD-AFC4-6F175D3DCCD1}">
-                <a14:hiddenFill xmlns:a14="http://schemas.microsoft.com/office/drawing/2010/main">
-                  <a:solidFill>
-                    <a:srgbClr val="FFFFFF"/>
-                  </a:solidFill>
-                </a14:hiddenFill>
-              </a:ext>
-            </a:extLst>
-          </p:spPr>
-        </p:sp>
-        <p:sp>
-          <p:nvSpPr>
-            <p:cNvPr id="55" name="Freeform 24"/>
-            <p:cNvSpPr/>
-            <p:nvPr/>
-          </p:nvSpPr>
-          <p:spPr bwMode="auto">
-            <a:xfrm>
-              <a:off x="4763" y="6016625"/>
-              <a:ext cx="214313" cy="827088"/>
-            </a:xfrm>
-            <a:custGeom>
-              <a:avLst/>
-              <a:gdLst/>
-              <a:ahLst/>
-              <a:cxnLst/>
-              <a:rect l="0" t="0" r="r" b="b"/>
-              <a:pathLst>
-                <a:path w="45" h="174">
-                  <a:moveTo>
-                    <a:pt x="0" y="0"/>
-                  </a:moveTo>
-                  <a:cubicBezTo>
-                    <a:pt x="11" y="59"/>
-                    <a:pt x="26" y="118"/>
-                    <a:pt x="45" y="174"/>
-                  </a:cubicBezTo>
-                </a:path>
-              </a:pathLst>
-            </a:custGeom>
-            <a:noFill/>
-            <a:ln w="9525" cap="flat">
-              <a:solidFill>
-                <a:schemeClr val="tx1">
-                  <a:alpha val="20000"/>
-                </a:schemeClr>
-              </a:solidFill>
-              <a:prstDash val="solid"/>
-              <a:miter lim="800000"/>
-              <a:headEnd/>
-              <a:tailEnd/>
-            </a:ln>
-            <a:extLst>
-              <a:ext uri="{909E8E84-426E-40DD-AFC4-6F175D3DCCD1}">
-                <a14:hiddenFill xmlns:a14="http://schemas.microsoft.com/office/drawing/2010/main">
-                  <a:solidFill>
-                    <a:srgbClr val="FFFFFF"/>
-                  </a:solidFill>
-                </a14:hiddenFill>
-              </a:ext>
-            </a:extLst>
-          </p:spPr>
-        </p:sp>
-        <p:sp>
-          <p:nvSpPr>
-            <p:cNvPr id="56" name="Freeform 25"/>
-            <p:cNvSpPr/>
-            <p:nvPr/>
-          </p:nvSpPr>
-          <p:spPr bwMode="auto">
-            <a:xfrm>
-              <a:off x="14288" y="0"/>
-              <a:ext cx="1562100" cy="2228850"/>
-            </a:xfrm>
-            <a:custGeom>
-              <a:avLst/>
-              <a:gdLst/>
-              <a:ahLst/>
-              <a:cxnLst/>
-              <a:rect l="0" t="0" r="r" b="b"/>
-              <a:pathLst>
-                <a:path w="329" h="469">
-                  <a:moveTo>
-                    <a:pt x="329" y="0"/>
-                  </a:moveTo>
-                  <a:cubicBezTo>
-                    <a:pt x="189" y="133"/>
-                    <a:pt x="69" y="288"/>
-                    <a:pt x="0" y="469"/>
-                  </a:cubicBezTo>
-                </a:path>
-              </a:pathLst>
-            </a:custGeom>
-            <a:noFill/>
-            <a:ln w="9525" cap="flat">
-              <a:solidFill>
-                <a:schemeClr val="tx1">
-                  <a:alpha val="20000"/>
-                </a:schemeClr>
-              </a:solidFill>
-              <a:prstDash val="solid"/>
-              <a:miter lim="800000"/>
-              <a:headEnd/>
-              <a:tailEnd/>
-            </a:ln>
-            <a:extLst>
-              <a:ext uri="{909E8E84-426E-40DD-AFC4-6F175D3DCCD1}">
-                <a14:hiddenFill xmlns:a14="http://schemas.microsoft.com/office/drawing/2010/main">
-                  <a:solidFill>
-                    <a:srgbClr val="FFFFFF"/>
-                  </a:solidFill>
-                </a14:hiddenFill>
-              </a:ext>
-            </a:extLst>
-          </p:spPr>
-        </p:sp>
-      </p:grpSp>
       <p:pic>
         <p:nvPicPr>
           <p:cNvPr id="57" name="Picture 2" descr="IES Xabier Zubiri Manteo BHI | Cyberzaintza"/>
@@ -27347,6 +26225,370 @@
 </p:sld>
 </file>
 
+<file path=ppt/slides/slide10.xml><?xml version="1.0" encoding="utf-8"?>
+<p:sld xmlns:a="http://schemas.openxmlformats.org/drawingml/2006/main" xmlns:r="http://schemas.openxmlformats.org/officeDocument/2006/relationships" xmlns:p="http://schemas.openxmlformats.org/presentationml/2006/main">
+  <p:cSld>
+    <p:spTree>
+      <p:nvGrpSpPr>
+        <p:cNvPr id="1" name=""/>
+        <p:cNvGrpSpPr/>
+        <p:nvPr/>
+      </p:nvGrpSpPr>
+      <p:grpSpPr>
+        <a:xfrm>
+          <a:off x="0" y="0"/>
+          <a:ext cx="0" cy="0"/>
+          <a:chOff x="0" y="0"/>
+          <a:chExt cx="0" cy="0"/>
+        </a:xfrm>
+      </p:grpSpPr>
+      <p:sp>
+        <p:nvSpPr>
+          <p:cNvPr id="2" name="Titulua 1"/>
+          <p:cNvSpPr>
+            <a:spLocks noGrp="1"/>
+          </p:cNvSpPr>
+          <p:nvPr>
+            <p:ph type="title"/>
+          </p:nvPr>
+        </p:nvSpPr>
+        <p:spPr/>
+        <p:txBody>
+          <a:bodyPr/>
+          <a:lstStyle/>
+          <a:p>
+            <a:r>
+              <a:rPr lang="eu-ES" sz="3100" dirty="0" smtClean="0"/>
+              <a:t>BD-ko datuak XML-ra pasa</a:t>
+            </a:r>
+            <a:endParaRPr lang="es-ES" sz="3100" dirty="0"/>
+          </a:p>
+        </p:txBody>
+      </p:sp>
+      <p:sp>
+        <p:nvSpPr>
+          <p:cNvPr id="3" name="Edukiaren leku-marka 2"/>
+          <p:cNvSpPr>
+            <a:spLocks noGrp="1"/>
+          </p:cNvSpPr>
+          <p:nvPr>
+            <p:ph idx="1"/>
+          </p:nvPr>
+        </p:nvSpPr>
+        <p:spPr/>
+        <p:txBody>
+          <a:bodyPr/>
+          <a:lstStyle/>
+          <a:p>
+            <a:endParaRPr lang="es-ES"/>
+          </a:p>
+        </p:txBody>
+      </p:sp>
+      <p:sp>
+        <p:nvSpPr>
+          <p:cNvPr id="4" name="Testuaren leku-marka 3"/>
+          <p:cNvSpPr>
+            <a:spLocks noGrp="1"/>
+          </p:cNvSpPr>
+          <p:nvPr>
+            <p:ph type="body" sz="half" idx="2"/>
+          </p:nvPr>
+        </p:nvSpPr>
+        <p:spPr/>
+        <p:txBody>
+          <a:bodyPr/>
+          <a:lstStyle/>
+          <a:p>
+            <a:endParaRPr lang="es-ES"/>
+          </a:p>
+        </p:txBody>
+      </p:sp>
+    </p:spTree>
+    <p:extLst>
+      <p:ext uri="{BB962C8B-B14F-4D97-AF65-F5344CB8AC3E}">
+        <p14:creationId xmlns:p14="http://schemas.microsoft.com/office/powerpoint/2010/main" val="880325403"/>
+      </p:ext>
+    </p:extLst>
+  </p:cSld>
+  <p:clrMapOvr>
+    <a:masterClrMapping/>
+  </p:clrMapOvr>
+</p:sld>
+</file>
+
+<file path=ppt/slides/slide11.xml><?xml version="1.0" encoding="utf-8"?>
+<p:sld xmlns:a="http://schemas.openxmlformats.org/drawingml/2006/main" xmlns:r="http://schemas.openxmlformats.org/officeDocument/2006/relationships" xmlns:p="http://schemas.openxmlformats.org/presentationml/2006/main">
+  <p:cSld>
+    <p:spTree>
+      <p:nvGrpSpPr>
+        <p:cNvPr id="1" name=""/>
+        <p:cNvGrpSpPr/>
+        <p:nvPr/>
+      </p:nvGrpSpPr>
+      <p:grpSpPr>
+        <a:xfrm>
+          <a:off x="0" y="0"/>
+          <a:ext cx="0" cy="0"/>
+          <a:chOff x="0" y="0"/>
+          <a:chExt cx="0" cy="0"/>
+        </a:xfrm>
+      </p:grpSpPr>
+      <p:sp>
+        <p:nvSpPr>
+          <p:cNvPr id="2" name="Titulua 1"/>
+          <p:cNvSpPr>
+            <a:spLocks noGrp="1"/>
+          </p:cNvSpPr>
+          <p:nvPr>
+            <p:ph type="title"/>
+          </p:nvPr>
+        </p:nvSpPr>
+        <p:spPr/>
+        <p:txBody>
+          <a:bodyPr/>
+          <a:lstStyle/>
+          <a:p>
+            <a:r>
+              <a:rPr lang="eu-ES" dirty="0" smtClean="0"/>
+              <a:t>Interfaze grafikoa</a:t>
+            </a:r>
+            <a:endParaRPr lang="es-ES" dirty="0"/>
+          </a:p>
+        </p:txBody>
+      </p:sp>
+      <p:sp>
+        <p:nvSpPr>
+          <p:cNvPr id="3" name="Edukiaren leku-marka 2"/>
+          <p:cNvSpPr>
+            <a:spLocks noGrp="1"/>
+          </p:cNvSpPr>
+          <p:nvPr>
+            <p:ph sz="half" idx="1"/>
+          </p:nvPr>
+        </p:nvSpPr>
+        <p:spPr/>
+        <p:txBody>
+          <a:bodyPr/>
+          <a:lstStyle/>
+          <a:p>
+            <a:endParaRPr lang="es-ES"/>
+          </a:p>
+        </p:txBody>
+      </p:sp>
+      <p:sp>
+        <p:nvSpPr>
+          <p:cNvPr id="4" name="Edukiaren leku-marka 3"/>
+          <p:cNvSpPr>
+            <a:spLocks noGrp="1"/>
+          </p:cNvSpPr>
+          <p:nvPr>
+            <p:ph sz="half" idx="2"/>
+          </p:nvPr>
+        </p:nvSpPr>
+        <p:spPr/>
+        <p:txBody>
+          <a:bodyPr/>
+          <a:lstStyle/>
+          <a:p>
+            <a:endParaRPr lang="es-ES"/>
+          </a:p>
+        </p:txBody>
+      </p:sp>
+    </p:spTree>
+    <p:extLst>
+      <p:ext uri="{BB962C8B-B14F-4D97-AF65-F5344CB8AC3E}">
+        <p14:creationId xmlns:p14="http://schemas.microsoft.com/office/powerpoint/2010/main" val="1350352661"/>
+      </p:ext>
+    </p:extLst>
+  </p:cSld>
+  <p:clrMapOvr>
+    <a:masterClrMapping/>
+  </p:clrMapOvr>
+</p:sld>
+</file>
+
+<file path=ppt/slides/slide12.xml><?xml version="1.0" encoding="utf-8"?>
+<p:sld xmlns:a="http://schemas.openxmlformats.org/drawingml/2006/main" xmlns:r="http://schemas.openxmlformats.org/officeDocument/2006/relationships" xmlns:p="http://schemas.openxmlformats.org/presentationml/2006/main">
+  <p:cSld>
+    <p:spTree>
+      <p:nvGrpSpPr>
+        <p:cNvPr id="1" name=""/>
+        <p:cNvGrpSpPr/>
+        <p:nvPr/>
+      </p:nvGrpSpPr>
+      <p:grpSpPr>
+        <a:xfrm>
+          <a:off x="0" y="0"/>
+          <a:ext cx="0" cy="0"/>
+          <a:chOff x="0" y="0"/>
+          <a:chExt cx="0" cy="0"/>
+        </a:xfrm>
+      </p:grpSpPr>
+      <p:sp>
+        <p:nvSpPr>
+          <p:cNvPr id="2" name="Titulua 1"/>
+          <p:cNvSpPr>
+            <a:spLocks noGrp="1"/>
+          </p:cNvSpPr>
+          <p:nvPr>
+            <p:ph type="title"/>
+          </p:nvPr>
+        </p:nvSpPr>
+        <p:spPr/>
+        <p:txBody>
+          <a:bodyPr/>
+          <a:lstStyle/>
+          <a:p>
+            <a:r>
+              <a:rPr lang="eu-ES" dirty="0" smtClean="0"/>
+              <a:t>Errore kudeaketa</a:t>
+            </a:r>
+            <a:endParaRPr lang="es-ES" dirty="0"/>
+          </a:p>
+        </p:txBody>
+      </p:sp>
+      <p:sp>
+        <p:nvSpPr>
+          <p:cNvPr id="3" name="Edukiaren leku-marka 2"/>
+          <p:cNvSpPr>
+            <a:spLocks noGrp="1"/>
+          </p:cNvSpPr>
+          <p:nvPr>
+            <p:ph sz="half" idx="1"/>
+          </p:nvPr>
+        </p:nvSpPr>
+        <p:spPr/>
+        <p:txBody>
+          <a:bodyPr/>
+          <a:lstStyle/>
+          <a:p>
+            <a:endParaRPr lang="es-ES"/>
+          </a:p>
+        </p:txBody>
+      </p:sp>
+      <p:sp>
+        <p:nvSpPr>
+          <p:cNvPr id="4" name="Edukiaren leku-marka 3"/>
+          <p:cNvSpPr>
+            <a:spLocks noGrp="1"/>
+          </p:cNvSpPr>
+          <p:nvPr>
+            <p:ph sz="half" idx="2"/>
+          </p:nvPr>
+        </p:nvSpPr>
+        <p:spPr/>
+        <p:txBody>
+          <a:bodyPr/>
+          <a:lstStyle/>
+          <a:p>
+            <a:endParaRPr lang="es-ES"/>
+          </a:p>
+        </p:txBody>
+      </p:sp>
+    </p:spTree>
+    <p:extLst>
+      <p:ext uri="{BB962C8B-B14F-4D97-AF65-F5344CB8AC3E}">
+        <p14:creationId xmlns:p14="http://schemas.microsoft.com/office/powerpoint/2010/main" val="3695909729"/>
+      </p:ext>
+    </p:extLst>
+  </p:cSld>
+  <p:clrMapOvr>
+    <a:masterClrMapping/>
+  </p:clrMapOvr>
+</p:sld>
+</file>
+
+<file path=ppt/slides/slide13.xml><?xml version="1.0" encoding="utf-8"?>
+<p:sld xmlns:a="http://schemas.openxmlformats.org/drawingml/2006/main" xmlns:r="http://schemas.openxmlformats.org/officeDocument/2006/relationships" xmlns:p="http://schemas.openxmlformats.org/presentationml/2006/main">
+  <p:cSld>
+    <p:spTree>
+      <p:nvGrpSpPr>
+        <p:cNvPr id="1" name=""/>
+        <p:cNvGrpSpPr/>
+        <p:nvPr/>
+      </p:nvGrpSpPr>
+      <p:grpSpPr>
+        <a:xfrm>
+          <a:off x="0" y="0"/>
+          <a:ext cx="0" cy="0"/>
+          <a:chOff x="0" y="0"/>
+          <a:chExt cx="0" cy="0"/>
+        </a:xfrm>
+      </p:grpSpPr>
+      <p:sp>
+        <p:nvSpPr>
+          <p:cNvPr id="2" name="Titulua 1"/>
+          <p:cNvSpPr>
+            <a:spLocks noGrp="1"/>
+          </p:cNvSpPr>
+          <p:nvPr>
+            <p:ph type="title"/>
+          </p:nvPr>
+        </p:nvSpPr>
+        <p:spPr/>
+        <p:txBody>
+          <a:bodyPr/>
+          <a:lstStyle/>
+          <a:p>
+            <a:r>
+              <a:rPr lang="eu-ES" dirty="0" smtClean="0"/>
+              <a:t>Arazketa</a:t>
+            </a:r>
+            <a:endParaRPr lang="es-ES" dirty="0"/>
+          </a:p>
+        </p:txBody>
+      </p:sp>
+      <p:sp>
+        <p:nvSpPr>
+          <p:cNvPr id="3" name="Edukiaren leku-marka 2"/>
+          <p:cNvSpPr>
+            <a:spLocks noGrp="1"/>
+          </p:cNvSpPr>
+          <p:nvPr>
+            <p:ph sz="half" idx="1"/>
+          </p:nvPr>
+        </p:nvSpPr>
+        <p:spPr/>
+        <p:txBody>
+          <a:bodyPr/>
+          <a:lstStyle/>
+          <a:p>
+            <a:endParaRPr lang="es-ES"/>
+          </a:p>
+        </p:txBody>
+      </p:sp>
+      <p:sp>
+        <p:nvSpPr>
+          <p:cNvPr id="4" name="Edukiaren leku-marka 3"/>
+          <p:cNvSpPr>
+            <a:spLocks noGrp="1"/>
+          </p:cNvSpPr>
+          <p:nvPr>
+            <p:ph sz="half" idx="2"/>
+          </p:nvPr>
+        </p:nvSpPr>
+        <p:spPr/>
+        <p:txBody>
+          <a:bodyPr/>
+          <a:lstStyle/>
+          <a:p>
+            <a:endParaRPr lang="es-ES"/>
+          </a:p>
+        </p:txBody>
+      </p:sp>
+    </p:spTree>
+    <p:extLst>
+      <p:ext uri="{BB962C8B-B14F-4D97-AF65-F5344CB8AC3E}">
+        <p14:creationId xmlns:p14="http://schemas.microsoft.com/office/powerpoint/2010/main" val="3303061577"/>
+      </p:ext>
+    </p:extLst>
+  </p:cSld>
+  <p:clrMapOvr>
+    <a:masterClrMapping/>
+  </p:clrMapOvr>
+</p:sld>
+</file>
+
 <file path=ppt/slides/slide2.xml><?xml version="1.0" encoding="utf-8"?>
 <p:sld xmlns:a="http://schemas.openxmlformats.org/drawingml/2006/main" xmlns:r="http://schemas.openxmlformats.org/officeDocument/2006/relationships" xmlns:p="http://schemas.openxmlformats.org/presentationml/2006/main">
   <p:cSld>
@@ -28485,6 +27727,216 @@
       </p:par>
     </p:tnLst>
   </p:timing>
+</p:sld>
+</file>
+
+<file path=ppt/slides/slide8.xml><?xml version="1.0" encoding="utf-8"?>
+<p:sld xmlns:a="http://schemas.openxmlformats.org/drawingml/2006/main" xmlns:r="http://schemas.openxmlformats.org/officeDocument/2006/relationships" xmlns:p="http://schemas.openxmlformats.org/presentationml/2006/main">
+  <p:cSld>
+    <p:spTree>
+      <p:nvGrpSpPr>
+        <p:cNvPr id="1" name=""/>
+        <p:cNvGrpSpPr/>
+        <p:nvPr/>
+      </p:nvGrpSpPr>
+      <p:grpSpPr>
+        <a:xfrm>
+          <a:off x="0" y="0"/>
+          <a:ext cx="0" cy="0"/>
+          <a:chOff x="0" y="0"/>
+          <a:chExt cx="0" cy="0"/>
+        </a:xfrm>
+      </p:grpSpPr>
+      <p:sp>
+        <p:nvSpPr>
+          <p:cNvPr id="2" name="Titulua 1"/>
+          <p:cNvSpPr>
+            <a:spLocks noGrp="1"/>
+          </p:cNvSpPr>
+          <p:nvPr>
+            <p:ph type="title"/>
+          </p:nvPr>
+        </p:nvSpPr>
+        <p:spPr/>
+        <p:txBody>
+          <a:bodyPr/>
+          <a:lstStyle/>
+          <a:p>
+            <a:r>
+              <a:rPr lang="eu-ES" dirty="0" smtClean="0"/>
+              <a:t>Oracle </a:t>
+            </a:r>
+            <a:r>
+              <a:rPr lang="eu-ES" dirty="0" err="1" smtClean="0"/>
+              <a:t>server</a:t>
+            </a:r>
+            <a:r>
+              <a:rPr lang="eu-ES" dirty="0" smtClean="0"/>
+              <a:t> </a:t>
+            </a:r>
+            <a:r>
+              <a:rPr lang="eu-ES" dirty="0" err="1" smtClean="0"/>
+              <a:t>zerbiatzarian</a:t>
+            </a:r>
+            <a:r>
+              <a:rPr lang="eu-ES" dirty="0" smtClean="0"/>
+              <a:t> eta konexioa</a:t>
+            </a:r>
+            <a:endParaRPr lang="es-ES" dirty="0"/>
+          </a:p>
+        </p:txBody>
+      </p:sp>
+      <p:sp>
+        <p:nvSpPr>
+          <p:cNvPr id="3" name="Edukiaren leku-marka 2"/>
+          <p:cNvSpPr>
+            <a:spLocks noGrp="1"/>
+          </p:cNvSpPr>
+          <p:nvPr>
+            <p:ph idx="1"/>
+          </p:nvPr>
+        </p:nvSpPr>
+        <p:spPr/>
+        <p:txBody>
+          <a:bodyPr/>
+          <a:lstStyle/>
+          <a:p>
+            <a:endParaRPr lang="es-ES"/>
+          </a:p>
+        </p:txBody>
+      </p:sp>
+      <p:sp>
+        <p:nvSpPr>
+          <p:cNvPr id="4" name="Testuaren leku-marka 3"/>
+          <p:cNvSpPr>
+            <a:spLocks noGrp="1"/>
+          </p:cNvSpPr>
+          <p:nvPr>
+            <p:ph type="body" sz="half" idx="2"/>
+          </p:nvPr>
+        </p:nvSpPr>
+        <p:spPr/>
+        <p:txBody>
+          <a:bodyPr/>
+          <a:lstStyle/>
+          <a:p>
+            <a:endParaRPr lang="es-ES" dirty="0"/>
+          </a:p>
+        </p:txBody>
+      </p:sp>
+    </p:spTree>
+    <p:extLst>
+      <p:ext uri="{BB962C8B-B14F-4D97-AF65-F5344CB8AC3E}">
+        <p14:creationId xmlns:p14="http://schemas.microsoft.com/office/powerpoint/2010/main" val="2492569615"/>
+      </p:ext>
+    </p:extLst>
+  </p:cSld>
+  <p:clrMapOvr>
+    <a:masterClrMapping/>
+  </p:clrMapOvr>
+</p:sld>
+</file>
+
+<file path=ppt/slides/slide9.xml><?xml version="1.0" encoding="utf-8"?>
+<p:sld xmlns:a="http://schemas.openxmlformats.org/drawingml/2006/main" xmlns:r="http://schemas.openxmlformats.org/officeDocument/2006/relationships" xmlns:p="http://schemas.openxmlformats.org/presentationml/2006/main">
+  <p:cSld>
+    <p:spTree>
+      <p:nvGrpSpPr>
+        <p:cNvPr id="1" name=""/>
+        <p:cNvGrpSpPr/>
+        <p:nvPr/>
+      </p:nvGrpSpPr>
+      <p:grpSpPr>
+        <a:xfrm>
+          <a:off x="0" y="0"/>
+          <a:ext cx="0" cy="0"/>
+          <a:chOff x="0" y="0"/>
+          <a:chExt cx="0" cy="0"/>
+        </a:xfrm>
+      </p:grpSpPr>
+      <p:sp>
+        <p:nvSpPr>
+          <p:cNvPr id="2" name="Titulua 1"/>
+          <p:cNvSpPr>
+            <a:spLocks noGrp="1"/>
+          </p:cNvSpPr>
+          <p:nvPr>
+            <p:ph type="title"/>
+          </p:nvPr>
+        </p:nvSpPr>
+        <p:spPr/>
+        <p:txBody>
+          <a:bodyPr/>
+          <a:lstStyle/>
+          <a:p>
+            <a:r>
+              <a:rPr lang="eu-ES" dirty="0" err="1" smtClean="0"/>
+              <a:t>MySQl</a:t>
+            </a:r>
+            <a:r>
+              <a:rPr lang="eu-ES" dirty="0" smtClean="0"/>
+              <a:t>-tik </a:t>
+            </a:r>
+            <a:r>
+              <a:rPr lang="eu-ES" dirty="0" err="1" smtClean="0"/>
+              <a:t>oraclera</a:t>
+            </a:r>
+            <a:r>
+              <a:rPr lang="eu-ES" dirty="0" smtClean="0"/>
+              <a:t> migratu</a:t>
+            </a:r>
+            <a:endParaRPr lang="es-ES" dirty="0"/>
+          </a:p>
+        </p:txBody>
+      </p:sp>
+      <p:sp>
+        <p:nvSpPr>
+          <p:cNvPr id="3" name="Edukiaren leku-marka 2"/>
+          <p:cNvSpPr>
+            <a:spLocks noGrp="1"/>
+          </p:cNvSpPr>
+          <p:nvPr>
+            <p:ph idx="1"/>
+          </p:nvPr>
+        </p:nvSpPr>
+        <p:spPr/>
+        <p:txBody>
+          <a:bodyPr/>
+          <a:lstStyle/>
+          <a:p>
+            <a:endParaRPr lang="es-ES"/>
+          </a:p>
+        </p:txBody>
+      </p:sp>
+      <p:sp>
+        <p:nvSpPr>
+          <p:cNvPr id="4" name="Testuaren leku-marka 3"/>
+          <p:cNvSpPr>
+            <a:spLocks noGrp="1"/>
+          </p:cNvSpPr>
+          <p:nvPr>
+            <p:ph type="body" sz="half" idx="2"/>
+          </p:nvPr>
+        </p:nvSpPr>
+        <p:spPr/>
+        <p:txBody>
+          <a:bodyPr/>
+          <a:lstStyle/>
+          <a:p>
+            <a:endParaRPr lang="es-ES"/>
+          </a:p>
+        </p:txBody>
+      </p:sp>
+    </p:spTree>
+    <p:extLst>
+      <p:ext uri="{BB962C8B-B14F-4D97-AF65-F5344CB8AC3E}">
+        <p14:creationId xmlns:p14="http://schemas.microsoft.com/office/powerpoint/2010/main" val="3462591981"/>
+      </p:ext>
+    </p:extLst>
+  </p:cSld>
+  <p:clrMapOvr>
+    <a:masterClrMapping/>
+  </p:clrMapOvr>
 </p:sld>
 </file>
 

--- a/Aurkezpena/AurkezpenaTaldea5.pptx
+++ b/Aurkezpena/AurkezpenaTaldea5.pptx
@@ -214,7 +214,7 @@
           <a:p>
             <a:fld id="{8CB793CB-A906-4173-AD9E-70881889E7EC}" type="datetime1">
               <a:rPr lang="es-ES" smtClean="0"/>
-              <a:t>19/03/2024</a:t>
+              <a:t>20/03/2024</a:t>
             </a:fld>
             <a:endParaRPr lang="es-ES"/>
           </a:p>
@@ -384,7 +384,7 @@
           <a:p>
             <a:fld id="{13999672-DF21-411C-B199-9EBD2DD5FEEF}" type="datetime1">
               <a:rPr lang="es-ES" smtClean="0"/>
-              <a:t>19/03/2024</a:t>
+              <a:t>20/03/2024</a:t>
             </a:fld>
             <a:endParaRPr lang="es-ES"/>
           </a:p>
@@ -26703,7 +26703,7 @@
         </p:blipFill>
         <p:spPr>
           <a:xfrm>
-            <a:off x="1723494" y="2529493"/>
+            <a:off x="1780311" y="2540639"/>
             <a:ext cx="4316698" cy="1753312"/>
           </a:xfrm>
           <a:prstGeom prst="rect">
@@ -27978,11 +27978,11 @@
           <a:p>
             <a:r>
               <a:rPr lang="eu-ES" dirty="0" smtClean="0"/>
-              <a:t>Oracle </a:t>
+              <a:t>Oracle  </a:t>
             </a:r>
             <a:r>
               <a:rPr lang="eu-ES" dirty="0" err="1" smtClean="0"/>
-              <a:t>server</a:t>
+              <a:t>zerbiatzarian</a:t>
             </a:r>
             <a:r>
               <a:rPr lang="eu-ES" dirty="0" smtClean="0"/>
@@ -27990,11 +27990,11 @@
             </a:r>
             <a:r>
               <a:rPr lang="eu-ES" dirty="0" err="1" smtClean="0"/>
-              <a:t>zerbiatzarian</a:t>
+              <a:t>instalaketaeta</a:t>
             </a:r>
             <a:r>
               <a:rPr lang="eu-ES" dirty="0" smtClean="0"/>
-              <a:t> eta konexioa</a:t>
+              <a:t> konexioa</a:t>
             </a:r>
             <a:endParaRPr lang="es-ES" dirty="0"/>
           </a:p>

--- a/Aurkezpena/AurkezpenaTaldea5.pptx
+++ b/Aurkezpena/AurkezpenaTaldea5.pptx
@@ -5,10 +5,10 @@
     <p:sldMasterId id="2147483678" r:id="rId1"/>
   </p:sldMasterIdLst>
   <p:notesMasterIdLst>
-    <p:notesMasterId r:id="rId17"/>
+    <p:notesMasterId r:id="rId18"/>
   </p:notesMasterIdLst>
   <p:handoutMasterIdLst>
-    <p:handoutMasterId r:id="rId18"/>
+    <p:handoutMasterId r:id="rId19"/>
   </p:handoutMasterIdLst>
   <p:sldIdLst>
     <p:sldId id="256" r:id="rId2"/>
@@ -18,14 +18,15 @@
     <p:sldId id="260" r:id="rId6"/>
     <p:sldId id="261" r:id="rId7"/>
     <p:sldId id="262" r:id="rId8"/>
-    <p:sldId id="263" r:id="rId9"/>
-    <p:sldId id="264" r:id="rId10"/>
-    <p:sldId id="265" r:id="rId11"/>
-    <p:sldId id="266" r:id="rId12"/>
-    <p:sldId id="267" r:id="rId13"/>
-    <p:sldId id="268" r:id="rId14"/>
-    <p:sldId id="269" r:id="rId15"/>
-    <p:sldId id="270" r:id="rId16"/>
+    <p:sldId id="270" r:id="rId9"/>
+    <p:sldId id="271" r:id="rId10"/>
+    <p:sldId id="272" r:id="rId11"/>
+    <p:sldId id="273" r:id="rId12"/>
+    <p:sldId id="274" r:id="rId13"/>
+    <p:sldId id="265" r:id="rId14"/>
+    <p:sldId id="266" r:id="rId15"/>
+    <p:sldId id="267" r:id="rId16"/>
+    <p:sldId id="269" r:id="rId17"/>
   </p:sldIdLst>
   <p:sldSz cx="12192000" cy="6858000"/>
   <p:notesSz cx="6858000" cy="9144000"/>
@@ -214,7 +215,7 @@
           <a:p>
             <a:fld id="{8CB793CB-A906-4173-AD9E-70881889E7EC}" type="datetime1">
               <a:rPr lang="es-ES" smtClean="0"/>
-              <a:t>20/03/2024</a:t>
+              <a:t>19/03/2024</a:t>
             </a:fld>
             <a:endParaRPr lang="es-ES"/>
           </a:p>
@@ -384,7 +385,7 @@
           <a:p>
             <a:fld id="{13999672-DF21-411C-B199-9EBD2DD5FEEF}" type="datetime1">
               <a:rPr lang="es-ES" smtClean="0"/>
-              <a:t>20/03/2024</a:t>
+              <a:t>19/03/2024</a:t>
             </a:fld>
             <a:endParaRPr lang="es-ES"/>
           </a:p>
@@ -26260,8 +26261,630 @@
           <a:lstStyle/>
           <a:p>
             <a:r>
+              <a:rPr lang="eu-ES" dirty="0" smtClean="0"/>
+              <a:t>Oracleren instalazioa zerbitzarian</a:t>
+            </a:r>
+            <a:endParaRPr lang="es-ES" dirty="0"/>
+          </a:p>
+        </p:txBody>
+      </p:sp>
+      <p:sp>
+        <p:nvSpPr>
+          <p:cNvPr id="4" name="Testuaren leku-marka 3"/>
+          <p:cNvSpPr>
+            <a:spLocks noGrp="1"/>
+          </p:cNvSpPr>
+          <p:nvPr>
+            <p:ph type="body" sz="half" idx="2"/>
+          </p:nvPr>
+        </p:nvSpPr>
+        <p:spPr/>
+        <p:txBody>
+          <a:bodyPr/>
+          <a:lstStyle/>
+          <a:p>
+            <a:endParaRPr lang="es-ES"/>
+          </a:p>
+        </p:txBody>
+      </p:sp>
+      <p:sp>
+        <p:nvSpPr>
+          <p:cNvPr id="5" name="TestuKoadroa 4"/>
+          <p:cNvSpPr txBox="1"/>
+          <p:nvPr/>
+        </p:nvSpPr>
+        <p:spPr>
+          <a:xfrm>
+            <a:off x="698643" y="1469204"/>
+            <a:ext cx="6072027" cy="646331"/>
+          </a:xfrm>
+          <a:prstGeom prst="rect">
+            <a:avLst/>
+          </a:prstGeom>
+          <a:noFill/>
+        </p:spPr>
+        <p:txBody>
+          <a:bodyPr wrap="square" rtlCol="0">
+            <a:spAutoFit/>
+          </a:bodyPr>
+          <a:lstStyle/>
+          <a:p>
+            <a:r>
+              <a:rPr lang="eu-ES" dirty="0" smtClean="0"/>
+              <a:t>Karpeta konpartituak aprobetxatuz Oracle instalatu da zerbitzarian. </a:t>
+            </a:r>
+            <a:endParaRPr lang="es-ES" dirty="0"/>
+          </a:p>
+        </p:txBody>
+      </p:sp>
+    </p:spTree>
+    <p:extLst>
+      <p:ext uri="{BB962C8B-B14F-4D97-AF65-F5344CB8AC3E}">
+        <p14:creationId xmlns:p14="http://schemas.microsoft.com/office/powerpoint/2010/main" val="3624774641"/>
+      </p:ext>
+    </p:extLst>
+  </p:cSld>
+  <p:clrMapOvr>
+    <a:masterClrMapping/>
+  </p:clrMapOvr>
+</p:sld>
+</file>
+
+<file path=ppt/slides/slide11.xml><?xml version="1.0" encoding="utf-8"?>
+<p:sld xmlns:a="http://schemas.openxmlformats.org/drawingml/2006/main" xmlns:r="http://schemas.openxmlformats.org/officeDocument/2006/relationships" xmlns:p="http://schemas.openxmlformats.org/presentationml/2006/main">
+  <p:cSld>
+    <p:spTree>
+      <p:nvGrpSpPr>
+        <p:cNvPr id="1" name=""/>
+        <p:cNvGrpSpPr/>
+        <p:nvPr/>
+      </p:nvGrpSpPr>
+      <p:grpSpPr>
+        <a:xfrm>
+          <a:off x="0" y="0"/>
+          <a:ext cx="0" cy="0"/>
+          <a:chOff x="0" y="0"/>
+          <a:chExt cx="0" cy="0"/>
+        </a:xfrm>
+      </p:grpSpPr>
+      <p:sp>
+        <p:nvSpPr>
+          <p:cNvPr id="2" name="Titulua 1"/>
+          <p:cNvSpPr>
+            <a:spLocks noGrp="1"/>
+          </p:cNvSpPr>
+          <p:nvPr>
+            <p:ph type="title"/>
+          </p:nvPr>
+        </p:nvSpPr>
+        <p:spPr/>
+        <p:txBody>
+          <a:bodyPr/>
+          <a:lstStyle/>
+          <a:p>
+            <a:r>
+              <a:rPr lang="es-ES" dirty="0" err="1" smtClean="0"/>
+              <a:t>Oracleko</a:t>
+            </a:r>
+            <a:r>
+              <a:rPr lang="es-ES" dirty="0" smtClean="0"/>
+              <a:t> </a:t>
+            </a:r>
+            <a:r>
+              <a:rPr lang="es-ES" dirty="0" err="1" smtClean="0"/>
+              <a:t>erabiltzailea</a:t>
+            </a:r>
+            <a:r>
+              <a:rPr lang="es-ES" dirty="0" smtClean="0"/>
+              <a:t> </a:t>
+            </a:r>
+            <a:r>
+              <a:rPr lang="es-ES" dirty="0" err="1" smtClean="0"/>
+              <a:t>sortu</a:t>
+            </a:r>
+            <a:endParaRPr lang="es-ES" dirty="0"/>
+          </a:p>
+        </p:txBody>
+      </p:sp>
+      <p:sp>
+        <p:nvSpPr>
+          <p:cNvPr id="5" name="TestuKoadroa 4"/>
+          <p:cNvSpPr txBox="1"/>
+          <p:nvPr/>
+        </p:nvSpPr>
+        <p:spPr>
+          <a:xfrm>
+            <a:off x="5104014" y="1554480"/>
+            <a:ext cx="5993477" cy="4247317"/>
+          </a:xfrm>
+          <a:prstGeom prst="rect">
+            <a:avLst/>
+          </a:prstGeom>
+          <a:noFill/>
+        </p:spPr>
+        <p:txBody>
+          <a:bodyPr wrap="square" rtlCol="0">
+            <a:spAutoFit/>
+          </a:bodyPr>
+          <a:lstStyle/>
+          <a:p>
+            <a:r>
+              <a:rPr lang="eu-ES" dirty="0" smtClean="0"/>
+              <a:t>Oracle instalatu ondoren Oracleko erabiltzailea sortu behar da.</a:t>
+            </a:r>
+          </a:p>
+          <a:p>
+            <a:endParaRPr lang="eu-ES" dirty="0"/>
+          </a:p>
+          <a:p>
+            <a:endParaRPr lang="eu-ES" dirty="0" smtClean="0"/>
+          </a:p>
+          <a:p>
+            <a:endParaRPr lang="eu-ES" dirty="0"/>
+          </a:p>
+          <a:p>
+            <a:pPr marL="285750" indent="-285750">
+              <a:buFontTx/>
+              <a:buChar char="-"/>
+            </a:pPr>
+            <a:r>
+              <a:rPr lang="eu-ES" dirty="0" smtClean="0"/>
+              <a:t>Erabiltzailea sortu.</a:t>
+            </a:r>
+          </a:p>
+          <a:p>
+            <a:endParaRPr lang="eu-ES" dirty="0" smtClean="0"/>
+          </a:p>
+          <a:p>
+            <a:pPr marL="285750" indent="-285750">
+              <a:buFontTx/>
+              <a:buChar char="-"/>
+            </a:pPr>
+            <a:endParaRPr lang="eu-ES" dirty="0"/>
+          </a:p>
+          <a:p>
+            <a:pPr marL="285750" indent="-285750">
+              <a:buFontTx/>
+              <a:buChar char="-"/>
+            </a:pPr>
+            <a:r>
+              <a:rPr lang="eu-ES" dirty="0" smtClean="0"/>
+              <a:t>Administratzaile rola eman.</a:t>
+            </a:r>
+          </a:p>
+          <a:p>
+            <a:pPr marL="285750" indent="-285750">
+              <a:buFontTx/>
+              <a:buChar char="-"/>
+            </a:pPr>
+            <a:endParaRPr lang="eu-ES" dirty="0"/>
+          </a:p>
+          <a:p>
+            <a:pPr marL="285750" indent="-285750">
+              <a:buFontTx/>
+              <a:buChar char="-"/>
+            </a:pPr>
+            <a:endParaRPr lang="eu-ES" dirty="0" smtClean="0"/>
+          </a:p>
+          <a:p>
+            <a:pPr marL="285750" indent="-285750">
+              <a:buFontTx/>
+              <a:buChar char="-"/>
+            </a:pPr>
+            <a:r>
+              <a:rPr lang="eu-ES" dirty="0" smtClean="0"/>
+              <a:t>Erabiltzailea desblokeatu</a:t>
+            </a:r>
+          </a:p>
+          <a:p>
+            <a:pPr marL="285750" indent="-285750">
+              <a:buFontTx/>
+              <a:buChar char="-"/>
+            </a:pPr>
+            <a:endParaRPr lang="eu-ES" dirty="0"/>
+          </a:p>
+          <a:p>
+            <a:pPr marL="285750" indent="-285750">
+              <a:buFontTx/>
+              <a:buChar char="-"/>
+            </a:pPr>
+            <a:endParaRPr lang="eu-ES" dirty="0" smtClean="0"/>
+          </a:p>
+          <a:p>
+            <a:pPr marL="285750" indent="-285750">
+              <a:buFontTx/>
+              <a:buChar char="-"/>
+            </a:pPr>
+            <a:r>
+              <a:rPr lang="eu-ES" dirty="0" smtClean="0"/>
+              <a:t>Sesioa irekitzeko baimena eman</a:t>
+            </a:r>
+            <a:endParaRPr lang="es-ES" dirty="0"/>
+          </a:p>
+        </p:txBody>
+      </p:sp>
+      <p:pic>
+        <p:nvPicPr>
+          <p:cNvPr id="6" name="Irudia 5"/>
+          <p:cNvPicPr/>
+          <p:nvPr/>
+        </p:nvPicPr>
+        <p:blipFill>
+          <a:blip r:embed="rId2"/>
+          <a:stretch>
+            <a:fillRect/>
+          </a:stretch>
+        </p:blipFill>
+        <p:spPr>
+          <a:xfrm>
+            <a:off x="7791278" y="2877705"/>
+            <a:ext cx="3143250" cy="520700"/>
+          </a:xfrm>
+          <a:prstGeom prst="rect">
+            <a:avLst/>
+          </a:prstGeom>
+        </p:spPr>
+      </p:pic>
+      <p:pic>
+        <p:nvPicPr>
+          <p:cNvPr id="7" name="Irudia 6"/>
+          <p:cNvPicPr/>
+          <p:nvPr/>
+        </p:nvPicPr>
+        <p:blipFill>
+          <a:blip r:embed="rId3"/>
+          <a:stretch>
+            <a:fillRect/>
+          </a:stretch>
+        </p:blipFill>
+        <p:spPr>
+          <a:xfrm>
+            <a:off x="8385030" y="3695162"/>
+            <a:ext cx="2238375" cy="543560"/>
+          </a:xfrm>
+          <a:prstGeom prst="rect">
+            <a:avLst/>
+          </a:prstGeom>
+        </p:spPr>
+      </p:pic>
+      <p:pic>
+        <p:nvPicPr>
+          <p:cNvPr id="8" name="Irudia 7"/>
+          <p:cNvPicPr/>
+          <p:nvPr/>
+        </p:nvPicPr>
+        <p:blipFill>
+          <a:blip r:embed="rId4"/>
+          <a:stretch>
+            <a:fillRect/>
+          </a:stretch>
+        </p:blipFill>
+        <p:spPr>
+          <a:xfrm>
+            <a:off x="8482878" y="4528769"/>
+            <a:ext cx="2790825" cy="491490"/>
+          </a:xfrm>
+          <a:prstGeom prst="rect">
+            <a:avLst/>
+          </a:prstGeom>
+        </p:spPr>
+      </p:pic>
+      <p:pic>
+        <p:nvPicPr>
+          <p:cNvPr id="9" name="Irudia 8"/>
+          <p:cNvPicPr/>
+          <p:nvPr/>
+        </p:nvPicPr>
+        <p:blipFill>
+          <a:blip r:embed="rId5"/>
+          <a:stretch>
+            <a:fillRect/>
+          </a:stretch>
+        </p:blipFill>
+        <p:spPr>
+          <a:xfrm>
+            <a:off x="9126855" y="5310306"/>
+            <a:ext cx="2533650" cy="558800"/>
+          </a:xfrm>
+          <a:prstGeom prst="rect">
+            <a:avLst/>
+          </a:prstGeom>
+        </p:spPr>
+      </p:pic>
+    </p:spTree>
+    <p:extLst>
+      <p:ext uri="{BB962C8B-B14F-4D97-AF65-F5344CB8AC3E}">
+        <p14:creationId xmlns:p14="http://schemas.microsoft.com/office/powerpoint/2010/main" val="570147161"/>
+      </p:ext>
+    </p:extLst>
+  </p:cSld>
+  <p:clrMapOvr>
+    <a:masterClrMapping/>
+  </p:clrMapOvr>
+  <p:timing>
+    <p:tnLst>
+      <p:par>
+        <p:cTn id="1" dur="indefinite" restart="never" nodeType="tmRoot"/>
+      </p:par>
+    </p:tnLst>
+  </p:timing>
+</p:sld>
+</file>
+
+<file path=ppt/slides/slide12.xml><?xml version="1.0" encoding="utf-8"?>
+<p:sld xmlns:a="http://schemas.openxmlformats.org/drawingml/2006/main" xmlns:r="http://schemas.openxmlformats.org/officeDocument/2006/relationships" xmlns:p="http://schemas.openxmlformats.org/presentationml/2006/main">
+  <p:cSld>
+    <p:spTree>
+      <p:nvGrpSpPr>
+        <p:cNvPr id="1" name=""/>
+        <p:cNvGrpSpPr/>
+        <p:nvPr/>
+      </p:nvGrpSpPr>
+      <p:grpSpPr>
+        <a:xfrm>
+          <a:off x="0" y="0"/>
+          <a:ext cx="0" cy="0"/>
+          <a:chOff x="0" y="0"/>
+          <a:chExt cx="0" cy="0"/>
+        </a:xfrm>
+      </p:grpSpPr>
+      <p:sp>
+        <p:nvSpPr>
+          <p:cNvPr id="2" name="Titulua 1"/>
+          <p:cNvSpPr>
+            <a:spLocks noGrp="1"/>
+          </p:cNvSpPr>
+          <p:nvPr>
+            <p:ph type="title"/>
+          </p:nvPr>
+        </p:nvSpPr>
+        <p:spPr/>
+        <p:txBody>
+          <a:bodyPr/>
+          <a:lstStyle/>
+          <a:p>
+            <a:r>
+              <a:rPr lang="eu-ES" dirty="0" smtClean="0"/>
+              <a:t>SQL-tik Oraclera DB migratu</a:t>
+            </a:r>
+            <a:endParaRPr lang="es-ES" dirty="0"/>
+          </a:p>
+        </p:txBody>
+      </p:sp>
+      <p:sp>
+        <p:nvSpPr>
+          <p:cNvPr id="4" name="Testuaren leku-marka 3"/>
+          <p:cNvSpPr>
+            <a:spLocks noGrp="1"/>
+          </p:cNvSpPr>
+          <p:nvPr>
+            <p:ph type="body" sz="half" idx="2"/>
+          </p:nvPr>
+        </p:nvSpPr>
+        <p:spPr/>
+        <p:txBody>
+          <a:bodyPr/>
+          <a:lstStyle/>
+          <a:p>
+            <a:endParaRPr lang="es-ES"/>
+          </a:p>
+        </p:txBody>
+      </p:sp>
+      <p:sp>
+        <p:nvSpPr>
+          <p:cNvPr id="5" name="TestuKoadroa 4"/>
+          <p:cNvSpPr txBox="1"/>
+          <p:nvPr/>
+        </p:nvSpPr>
+        <p:spPr>
+          <a:xfrm>
+            <a:off x="1350847" y="727493"/>
+            <a:ext cx="4364182" cy="923330"/>
+          </a:xfrm>
+          <a:prstGeom prst="rect">
+            <a:avLst/>
+          </a:prstGeom>
+          <a:noFill/>
+        </p:spPr>
+        <p:txBody>
+          <a:bodyPr wrap="square" rtlCol="0">
+            <a:spAutoFit/>
+          </a:bodyPr>
+          <a:lstStyle/>
+          <a:p>
+            <a:r>
+              <a:rPr lang="eu-ES" dirty="0" smtClean="0"/>
+              <a:t>Enpresako DB-a </a:t>
+            </a:r>
+            <a:r>
+              <a:rPr lang="eu-ES" dirty="0" err="1" smtClean="0"/>
+              <a:t>MySQL</a:t>
+            </a:r>
+            <a:r>
+              <a:rPr lang="eu-ES" dirty="0" smtClean="0"/>
+              <a:t> genuen eta hau </a:t>
+            </a:r>
+            <a:r>
+              <a:rPr lang="eu-ES" dirty="0"/>
+              <a:t>O</a:t>
+            </a:r>
+            <a:r>
+              <a:rPr lang="eu-ES" dirty="0" smtClean="0"/>
+              <a:t>raclen landu nahi dugunez DB-a migratu egin behar da.</a:t>
+            </a:r>
+            <a:endParaRPr lang="es-ES" dirty="0"/>
+          </a:p>
+        </p:txBody>
+      </p:sp>
+      <p:pic>
+        <p:nvPicPr>
+          <p:cNvPr id="6" name="Irudia 5"/>
+          <p:cNvPicPr/>
+          <p:nvPr/>
+        </p:nvPicPr>
+        <p:blipFill>
+          <a:blip r:embed="rId2"/>
+          <a:stretch>
+            <a:fillRect/>
+          </a:stretch>
+        </p:blipFill>
+        <p:spPr>
+          <a:xfrm>
+            <a:off x="284064" y="1756188"/>
+            <a:ext cx="3038070" cy="1878677"/>
+          </a:xfrm>
+          <a:prstGeom prst="rect">
+            <a:avLst/>
+          </a:prstGeom>
+        </p:spPr>
+      </p:pic>
+      <p:pic>
+        <p:nvPicPr>
+          <p:cNvPr id="7" name="Irudia 6"/>
+          <p:cNvPicPr/>
+          <p:nvPr/>
+        </p:nvPicPr>
+        <p:blipFill>
+          <a:blip r:embed="rId3"/>
+          <a:stretch>
+            <a:fillRect/>
+          </a:stretch>
+        </p:blipFill>
+        <p:spPr>
+          <a:xfrm>
+            <a:off x="3578656" y="1650823"/>
+            <a:ext cx="3300123" cy="2139783"/>
+          </a:xfrm>
+          <a:prstGeom prst="rect">
+            <a:avLst/>
+          </a:prstGeom>
+        </p:spPr>
+      </p:pic>
+      <p:pic>
+        <p:nvPicPr>
+          <p:cNvPr id="8" name="Irudia 7"/>
+          <p:cNvPicPr/>
+          <p:nvPr/>
+        </p:nvPicPr>
+        <p:blipFill>
+          <a:blip r:embed="rId4"/>
+          <a:stretch>
+            <a:fillRect/>
+          </a:stretch>
+        </p:blipFill>
+        <p:spPr>
+          <a:xfrm>
+            <a:off x="3183775" y="4256117"/>
+            <a:ext cx="2557042" cy="2044932"/>
+          </a:xfrm>
+          <a:prstGeom prst="rect">
+            <a:avLst/>
+          </a:prstGeom>
+        </p:spPr>
+      </p:pic>
+      <p:pic>
+        <p:nvPicPr>
+          <p:cNvPr id="9" name="Irudia 8"/>
+          <p:cNvPicPr/>
+          <p:nvPr/>
+        </p:nvPicPr>
+        <p:blipFill>
+          <a:blip r:embed="rId5"/>
+          <a:stretch>
+            <a:fillRect/>
+          </a:stretch>
+        </p:blipFill>
+        <p:spPr>
+          <a:xfrm>
+            <a:off x="6084916" y="4505498"/>
+            <a:ext cx="2795617" cy="2036619"/>
+          </a:xfrm>
+          <a:prstGeom prst="rect">
+            <a:avLst/>
+          </a:prstGeom>
+        </p:spPr>
+      </p:pic>
+      <p:pic>
+        <p:nvPicPr>
+          <p:cNvPr id="10" name="Irudia 9"/>
+          <p:cNvPicPr/>
+          <p:nvPr/>
+        </p:nvPicPr>
+        <p:blipFill>
+          <a:blip r:embed="rId6"/>
+          <a:stretch>
+            <a:fillRect/>
+          </a:stretch>
+        </p:blipFill>
+        <p:spPr>
+          <a:xfrm>
+            <a:off x="91441" y="4355482"/>
+            <a:ext cx="2992582" cy="1846202"/>
+          </a:xfrm>
+          <a:prstGeom prst="rect">
+            <a:avLst/>
+          </a:prstGeom>
+        </p:spPr>
+      </p:pic>
+    </p:spTree>
+    <p:extLst>
+      <p:ext uri="{BB962C8B-B14F-4D97-AF65-F5344CB8AC3E}">
+        <p14:creationId xmlns:p14="http://schemas.microsoft.com/office/powerpoint/2010/main" val="447940374"/>
+      </p:ext>
+    </p:extLst>
+  </p:cSld>
+  <p:clrMapOvr>
+    <a:masterClrMapping/>
+  </p:clrMapOvr>
+  <p:timing>
+    <p:tnLst>
+      <p:par>
+        <p:cTn id="1" dur="indefinite" restart="never" nodeType="tmRoot"/>
+      </p:par>
+    </p:tnLst>
+  </p:timing>
+</p:sld>
+</file>
+
+<file path=ppt/slides/slide13.xml><?xml version="1.0" encoding="utf-8"?>
+<p:sld xmlns:a="http://schemas.openxmlformats.org/drawingml/2006/main" xmlns:r="http://schemas.openxmlformats.org/officeDocument/2006/relationships" xmlns:p="http://schemas.openxmlformats.org/presentationml/2006/main">
+  <p:cSld>
+    <p:spTree>
+      <p:nvGrpSpPr>
+        <p:cNvPr id="1" name=""/>
+        <p:cNvGrpSpPr/>
+        <p:nvPr/>
+      </p:nvGrpSpPr>
+      <p:grpSpPr>
+        <a:xfrm>
+          <a:off x="0" y="0"/>
+          <a:ext cx="0" cy="0"/>
+          <a:chOff x="0" y="0"/>
+          <a:chExt cx="0" cy="0"/>
+        </a:xfrm>
+      </p:grpSpPr>
+      <p:sp>
+        <p:nvSpPr>
+          <p:cNvPr id="2" name="Titulua 1"/>
+          <p:cNvSpPr>
+            <a:spLocks noGrp="1"/>
+          </p:cNvSpPr>
+          <p:nvPr>
+            <p:ph type="title"/>
+          </p:nvPr>
+        </p:nvSpPr>
+        <p:spPr/>
+        <p:txBody>
+          <a:bodyPr/>
+          <a:lstStyle/>
+          <a:p>
+            <a:r>
               <a:rPr lang="eu-ES" sz="3100" dirty="0" smtClean="0"/>
-              <a:t>BD-ko datuak XML-ra pasa</a:t>
+              <a:t>BD-ko datuak XML-ra </a:t>
+            </a:r>
+            <a:r>
+              <a:rPr lang="eu-ES" sz="3100" dirty="0" smtClean="0"/>
+              <a:t>pasa era automatikoan</a:t>
             </a:r>
             <a:endParaRPr lang="es-ES" sz="3100" dirty="0"/>
           </a:p>
@@ -26318,7 +26941,7 @@
 </p:sld>
 </file>
 
-<file path=ppt/slides/slide11.xml><?xml version="1.0" encoding="utf-8"?>
+<file path=ppt/slides/slide14.xml><?xml version="1.0" encoding="utf-8"?>
 <p:sld xmlns:a="http://schemas.openxmlformats.org/drawingml/2006/main" xmlns:r="http://schemas.openxmlformats.org/officeDocument/2006/relationships" xmlns:p="http://schemas.openxmlformats.org/presentationml/2006/main">
   <p:cSld>
     <p:spTree>
@@ -26409,7 +27032,7 @@
 </p:sld>
 </file>
 
-<file path=ppt/slides/slide12.xml><?xml version="1.0" encoding="utf-8"?>
+<file path=ppt/slides/slide15.xml><?xml version="1.0" encoding="utf-8"?>
 <p:sld xmlns:a="http://schemas.openxmlformats.org/drawingml/2006/main" xmlns:r="http://schemas.openxmlformats.org/officeDocument/2006/relationships" xmlns:p="http://schemas.openxmlformats.org/presentationml/2006/main">
   <p:cSld>
     <p:spTree>
@@ -26500,105 +27123,7 @@
 </p:sld>
 </file>
 
-<file path=ppt/slides/slide13.xml><?xml version="1.0" encoding="utf-8"?>
-<p:sld xmlns:a="http://schemas.openxmlformats.org/drawingml/2006/main" xmlns:r="http://schemas.openxmlformats.org/officeDocument/2006/relationships" xmlns:p="http://schemas.openxmlformats.org/presentationml/2006/main">
-  <p:cSld>
-    <p:spTree>
-      <p:nvGrpSpPr>
-        <p:cNvPr id="1" name=""/>
-        <p:cNvGrpSpPr/>
-        <p:nvPr/>
-      </p:nvGrpSpPr>
-      <p:grpSpPr>
-        <a:xfrm>
-          <a:off x="0" y="0"/>
-          <a:ext cx="0" cy="0"/>
-          <a:chOff x="0" y="0"/>
-          <a:chExt cx="0" cy="0"/>
-        </a:xfrm>
-      </p:grpSpPr>
-      <p:sp>
-        <p:nvSpPr>
-          <p:cNvPr id="2" name="Titulua 1"/>
-          <p:cNvSpPr>
-            <a:spLocks noGrp="1"/>
-          </p:cNvSpPr>
-          <p:nvPr>
-            <p:ph type="title"/>
-          </p:nvPr>
-        </p:nvSpPr>
-        <p:spPr/>
-        <p:txBody>
-          <a:bodyPr/>
-          <a:lstStyle/>
-          <a:p>
-            <a:r>
-              <a:rPr lang="eu-ES" dirty="0" smtClean="0"/>
-              <a:t>Arazketa</a:t>
-            </a:r>
-            <a:endParaRPr lang="es-ES" dirty="0"/>
-          </a:p>
-        </p:txBody>
-      </p:sp>
-      <p:sp>
-        <p:nvSpPr>
-          <p:cNvPr id="3" name="Edukiaren leku-marka 2"/>
-          <p:cNvSpPr>
-            <a:spLocks noGrp="1"/>
-          </p:cNvSpPr>
-          <p:nvPr>
-            <p:ph sz="half" idx="1"/>
-          </p:nvPr>
-        </p:nvSpPr>
-        <p:spPr/>
-        <p:txBody>
-          <a:bodyPr/>
-          <a:lstStyle/>
-          <a:p>
-            <a:endParaRPr lang="es-ES"/>
-          </a:p>
-        </p:txBody>
-      </p:sp>
-      <p:sp>
-        <p:nvSpPr>
-          <p:cNvPr id="4" name="Edukiaren leku-marka 3"/>
-          <p:cNvSpPr>
-            <a:spLocks noGrp="1"/>
-          </p:cNvSpPr>
-          <p:nvPr>
-            <p:ph sz="half" idx="2"/>
-          </p:nvPr>
-        </p:nvSpPr>
-        <p:spPr/>
-        <p:txBody>
-          <a:bodyPr/>
-          <a:lstStyle/>
-          <a:p>
-            <a:endParaRPr lang="es-ES"/>
-          </a:p>
-        </p:txBody>
-      </p:sp>
-    </p:spTree>
-    <p:extLst>
-      <p:ext uri="{BB962C8B-B14F-4D97-AF65-F5344CB8AC3E}">
-        <p14:creationId xmlns:p14="http://schemas.microsoft.com/office/powerpoint/2010/main" val="3303061577"/>
-      </p:ext>
-    </p:extLst>
-  </p:cSld>
-  <p:clrMapOvr>
-    <a:masterClrMapping/>
-  </p:clrMapOvr>
-  <p:timing>
-    <p:tnLst>
-      <p:par>
-        <p:cTn id="1" dur="indefinite" restart="never" nodeType="tmRoot"/>
-      </p:par>
-    </p:tnLst>
-  </p:timing>
-</p:sld>
-</file>
-
-<file path=ppt/slides/slide14.xml><?xml version="1.0" encoding="utf-8"?>
+<file path=ppt/slides/slide16.xml><?xml version="1.0" encoding="utf-8"?>
 <p:sld xmlns:a="http://schemas.openxmlformats.org/drawingml/2006/main" xmlns:r="http://schemas.openxmlformats.org/officeDocument/2006/relationships" xmlns:p="http://schemas.openxmlformats.org/presentationml/2006/main">
   <p:cSld>
     <p:spTree>
@@ -26703,7 +27228,7 @@
         </p:blipFill>
         <p:spPr>
           <a:xfrm>
-            <a:off x="1780311" y="2540639"/>
+            <a:off x="1723494" y="2529493"/>
             <a:ext cx="4316698" cy="1753312"/>
           </a:xfrm>
           <a:prstGeom prst="rect">
@@ -26751,55 +27276,6 @@
       </p:par>
     </p:tnLst>
   </p:timing>
-</p:sld>
-</file>
-
-<file path=ppt/slides/slide15.xml><?xml version="1.0" encoding="utf-8"?>
-<p:sld xmlns:a="http://schemas.openxmlformats.org/drawingml/2006/main" xmlns:r="http://schemas.openxmlformats.org/officeDocument/2006/relationships" xmlns:p="http://schemas.openxmlformats.org/presentationml/2006/main">
-  <p:cSld>
-    <p:spTree>
-      <p:nvGrpSpPr>
-        <p:cNvPr id="1" name=""/>
-        <p:cNvGrpSpPr/>
-        <p:nvPr/>
-      </p:nvGrpSpPr>
-      <p:grpSpPr>
-        <a:xfrm>
-          <a:off x="0" y="0"/>
-          <a:ext cx="0" cy="0"/>
-          <a:chOff x="0" y="0"/>
-          <a:chExt cx="0" cy="0"/>
-        </a:xfrm>
-      </p:grpSpPr>
-      <p:sp>
-        <p:nvSpPr>
-          <p:cNvPr id="2" name="Titulua 1"/>
-          <p:cNvSpPr>
-            <a:spLocks noGrp="1"/>
-          </p:cNvSpPr>
-          <p:nvPr>
-            <p:ph type="title"/>
-          </p:nvPr>
-        </p:nvSpPr>
-        <p:spPr/>
-        <p:txBody>
-          <a:bodyPr/>
-          <a:lstStyle/>
-          <a:p>
-            <a:endParaRPr lang="es-ES"/>
-          </a:p>
-        </p:txBody>
-      </p:sp>
-    </p:spTree>
-    <p:extLst>
-      <p:ext uri="{BB962C8B-B14F-4D97-AF65-F5344CB8AC3E}">
-        <p14:creationId xmlns:p14="http://schemas.microsoft.com/office/powerpoint/2010/main" val="3725255666"/>
-      </p:ext>
-    </p:extLst>
-  </p:cSld>
-  <p:clrMapOvr>
-    <a:masterClrMapping/>
-  </p:clrMapOvr>
 </p:sld>
 </file>
 
@@ -27977,24 +28453,12 @@
           <a:lstStyle/>
           <a:p>
             <a:r>
-              <a:rPr lang="eu-ES" dirty="0" smtClean="0"/>
-              <a:t>Oracle  </a:t>
+              <a:rPr lang="es-ES" dirty="0" smtClean="0"/>
+              <a:t>Ubuntu Server </a:t>
             </a:r>
             <a:r>
-              <a:rPr lang="eu-ES" dirty="0" err="1" smtClean="0"/>
-              <a:t>zerbiatzarian</a:t>
-            </a:r>
-            <a:r>
-              <a:rPr lang="eu-ES" dirty="0" smtClean="0"/>
-              <a:t> </a:t>
-            </a:r>
-            <a:r>
-              <a:rPr lang="eu-ES" dirty="0" err="1" smtClean="0"/>
-              <a:t>instalaketaeta</a:t>
-            </a:r>
-            <a:r>
-              <a:rPr lang="eu-ES" dirty="0" smtClean="0"/>
-              <a:t> konexioa</a:t>
+              <a:rPr lang="es-ES" dirty="0" err="1" smtClean="0"/>
+              <a:t>instalaketa</a:t>
             </a:r>
             <a:endParaRPr lang="es-ES" dirty="0"/>
           </a:p>
@@ -28002,52 +28466,81 @@
       </p:sp>
       <p:sp>
         <p:nvSpPr>
-          <p:cNvPr id="3" name="Edukiaren leku-marka 2"/>
-          <p:cNvSpPr>
-            <a:spLocks noGrp="1"/>
-          </p:cNvSpPr>
-          <p:nvPr>
-            <p:ph idx="1"/>
-          </p:nvPr>
+          <p:cNvPr id="3" name="TestuKoadroa 2"/>
+          <p:cNvSpPr txBox="1"/>
+          <p:nvPr/>
         </p:nvSpPr>
-        <p:spPr/>
+        <p:spPr>
+          <a:xfrm>
+            <a:off x="5599308" y="1231387"/>
+            <a:ext cx="5445410" cy="646331"/>
+          </a:xfrm>
+          <a:prstGeom prst="rect">
+            <a:avLst/>
+          </a:prstGeom>
+          <a:noFill/>
+        </p:spPr>
         <p:txBody>
-          <a:bodyPr/>
+          <a:bodyPr wrap="square" rtlCol="0">
+            <a:spAutoFit/>
+          </a:bodyPr>
           <a:lstStyle/>
           <a:p>
-            <a:endParaRPr lang="es-ES"/>
-          </a:p>
-        </p:txBody>
-      </p:sp>
-      <p:sp>
-        <p:nvSpPr>
-          <p:cNvPr id="4" name="Testuaren leku-marka 3"/>
-          <p:cNvSpPr>
-            <a:spLocks noGrp="1"/>
-          </p:cNvSpPr>
-          <p:nvPr>
-            <p:ph type="body" sz="half" idx="2"/>
-          </p:nvPr>
-        </p:nvSpPr>
-        <p:spPr/>
-        <p:txBody>
-          <a:bodyPr/>
-          <a:lstStyle/>
-          <a:p>
+            <a:r>
+              <a:rPr lang="eu-ES" dirty="0" smtClean="0"/>
+              <a:t>Ubuntu </a:t>
+            </a:r>
+            <a:r>
+              <a:rPr lang="eu-ES" dirty="0"/>
+              <a:t>S</a:t>
+            </a:r>
+            <a:r>
+              <a:rPr lang="eu-ES" dirty="0" smtClean="0"/>
+              <a:t>erver gure enpresa osatzeko sistema eragile egokiena iruditu zaigu.</a:t>
+            </a:r>
             <a:endParaRPr lang="es-ES" dirty="0"/>
           </a:p>
         </p:txBody>
       </p:sp>
+      <p:pic>
+        <p:nvPicPr>
+          <p:cNvPr id="4" name="Irudia 3"/>
+          <p:cNvPicPr/>
+          <p:nvPr/>
+        </p:nvPicPr>
+        <p:blipFill>
+          <a:blip r:embed="rId2"/>
+          <a:stretch>
+            <a:fillRect/>
+          </a:stretch>
+        </p:blipFill>
+        <p:spPr>
+          <a:xfrm>
+            <a:off x="6482888" y="2393761"/>
+            <a:ext cx="3493320" cy="2813737"/>
+          </a:xfrm>
+          <a:prstGeom prst="rect">
+            <a:avLst/>
+          </a:prstGeom>
+        </p:spPr>
+      </p:pic>
     </p:spTree>
     <p:extLst>
       <p:ext uri="{BB962C8B-B14F-4D97-AF65-F5344CB8AC3E}">
-        <p14:creationId xmlns:p14="http://schemas.microsoft.com/office/powerpoint/2010/main" val="2492569615"/>
+        <p14:creationId xmlns:p14="http://schemas.microsoft.com/office/powerpoint/2010/main" val="3725255666"/>
       </p:ext>
     </p:extLst>
   </p:cSld>
   <p:clrMapOvr>
     <a:masterClrMapping/>
   </p:clrMapOvr>
+  <p:timing>
+    <p:tnLst>
+      <p:par>
+        <p:cTn id="1" dur="indefinite" restart="never" nodeType="tmRoot"/>
+      </p:par>
+    </p:tnLst>
+  </p:timing>
 </p:sld>
 </file>
 
@@ -28084,41 +28577,10 @@
           <a:lstStyle/>
           <a:p>
             <a:r>
-              <a:rPr lang="eu-ES" dirty="0" err="1" smtClean="0"/>
-              <a:t>MySQl</a:t>
-            </a:r>
-            <a:r>
               <a:rPr lang="eu-ES" dirty="0" smtClean="0"/>
-              <a:t>-tik </a:t>
-            </a:r>
-            <a:r>
-              <a:rPr lang="eu-ES" dirty="0" err="1" smtClean="0"/>
-              <a:t>oraclera</a:t>
-            </a:r>
-            <a:r>
-              <a:rPr lang="eu-ES" dirty="0" smtClean="0"/>
-              <a:t> migratu</a:t>
+              <a:t>Samba</a:t>
             </a:r>
             <a:endParaRPr lang="es-ES" dirty="0"/>
-          </a:p>
-        </p:txBody>
-      </p:sp>
-      <p:sp>
-        <p:nvSpPr>
-          <p:cNvPr id="3" name="Edukiaren leku-marka 2"/>
-          <p:cNvSpPr>
-            <a:spLocks noGrp="1"/>
-          </p:cNvSpPr>
-          <p:nvPr>
-            <p:ph idx="1"/>
-          </p:nvPr>
-        </p:nvSpPr>
-        <p:spPr/>
-        <p:txBody>
-          <a:bodyPr/>
-          <a:lstStyle/>
-          <a:p>
-            <a:endParaRPr lang="es-ES"/>
           </a:p>
         </p:txBody>
       </p:sp>
@@ -28137,20 +28599,194 @@
           <a:bodyPr/>
           <a:lstStyle/>
           <a:p>
-            <a:endParaRPr lang="es-ES"/>
+            <a:r>
+              <a:rPr lang="eu-ES" dirty="0" smtClean="0"/>
+              <a:t>Karpeta konpartituak</a:t>
+            </a:r>
+            <a:endParaRPr lang="es-ES" dirty="0"/>
           </a:p>
         </p:txBody>
       </p:sp>
+      <p:sp>
+        <p:nvSpPr>
+          <p:cNvPr id="9" name="TestuKoadroa 8"/>
+          <p:cNvSpPr txBox="1"/>
+          <p:nvPr/>
+        </p:nvSpPr>
+        <p:spPr>
+          <a:xfrm>
+            <a:off x="1315092" y="585627"/>
+            <a:ext cx="4623371" cy="646331"/>
+          </a:xfrm>
+          <a:prstGeom prst="rect">
+            <a:avLst/>
+          </a:prstGeom>
+          <a:noFill/>
+        </p:spPr>
+        <p:txBody>
+          <a:bodyPr wrap="square" rtlCol="0">
+            <a:spAutoFit/>
+          </a:bodyPr>
+          <a:lstStyle/>
+          <a:p>
+            <a:r>
+              <a:rPr lang="eu-ES" dirty="0" smtClean="0"/>
+              <a:t>Ubuntu Server-</a:t>
+            </a:r>
+            <a:r>
+              <a:rPr lang="eu-ES" dirty="0" err="1" smtClean="0"/>
+              <a:t>en</a:t>
+            </a:r>
+            <a:r>
+              <a:rPr lang="eu-ES" dirty="0" smtClean="0"/>
+              <a:t> samba instalatu karpeta konpartituak edukitzeko.</a:t>
+            </a:r>
+          </a:p>
+        </p:txBody>
+      </p:sp>
+      <p:pic>
+        <p:nvPicPr>
+          <p:cNvPr id="10" name="Irudia 9"/>
+          <p:cNvPicPr/>
+          <p:nvPr/>
+        </p:nvPicPr>
+        <p:blipFill>
+          <a:blip r:embed="rId2"/>
+          <a:stretch>
+            <a:fillRect/>
+          </a:stretch>
+        </p:blipFill>
+        <p:spPr>
+          <a:xfrm>
+            <a:off x="1070225" y="1508285"/>
+            <a:ext cx="3962400" cy="1019175"/>
+          </a:xfrm>
+          <a:prstGeom prst="rect">
+            <a:avLst/>
+          </a:prstGeom>
+        </p:spPr>
+      </p:pic>
+      <p:sp>
+        <p:nvSpPr>
+          <p:cNvPr id="11" name="TestuKoadroa 10"/>
+          <p:cNvSpPr txBox="1"/>
+          <p:nvPr/>
+        </p:nvSpPr>
+        <p:spPr>
+          <a:xfrm>
+            <a:off x="1199151" y="3152288"/>
+            <a:ext cx="5386583" cy="646331"/>
+          </a:xfrm>
+          <a:prstGeom prst="rect">
+            <a:avLst/>
+          </a:prstGeom>
+          <a:noFill/>
+        </p:spPr>
+        <p:txBody>
+          <a:bodyPr wrap="square" rtlCol="0">
+            <a:spAutoFit/>
+          </a:bodyPr>
+          <a:lstStyle/>
+          <a:p>
+            <a:r>
+              <a:rPr lang="eu-ES" dirty="0" smtClean="0"/>
+              <a:t>Honela </a:t>
+            </a:r>
+            <a:r>
+              <a:rPr lang="eu-ES" dirty="0" err="1" smtClean="0"/>
+              <a:t>windowseko</a:t>
+            </a:r>
+            <a:r>
+              <a:rPr lang="eu-ES" dirty="0" smtClean="0"/>
+              <a:t> bezero batetik karpeta edukitzeko gai izango gara.</a:t>
+            </a:r>
+            <a:endParaRPr lang="es-ES" dirty="0"/>
+          </a:p>
+        </p:txBody>
+      </p:sp>
+      <p:pic>
+        <p:nvPicPr>
+          <p:cNvPr id="12" name="Irudia 11"/>
+          <p:cNvPicPr/>
+          <p:nvPr/>
+        </p:nvPicPr>
+        <p:blipFill>
+          <a:blip r:embed="rId3"/>
+          <a:stretch>
+            <a:fillRect/>
+          </a:stretch>
+        </p:blipFill>
+        <p:spPr>
+          <a:xfrm>
+            <a:off x="56454" y="4552977"/>
+            <a:ext cx="2711614" cy="2222993"/>
+          </a:xfrm>
+          <a:prstGeom prst="rect">
+            <a:avLst/>
+          </a:prstGeom>
+        </p:spPr>
+      </p:pic>
+      <p:pic>
+        <p:nvPicPr>
+          <p:cNvPr id="13" name="Irudia 12"/>
+          <p:cNvPicPr/>
+          <p:nvPr/>
+        </p:nvPicPr>
+        <p:blipFill>
+          <a:blip r:embed="rId4"/>
+          <a:stretch>
+            <a:fillRect/>
+          </a:stretch>
+        </p:blipFill>
+        <p:spPr>
+          <a:xfrm>
+            <a:off x="3051425" y="4296123"/>
+            <a:ext cx="3534309" cy="2222993"/>
+          </a:xfrm>
+          <a:prstGeom prst="rect">
+            <a:avLst/>
+          </a:prstGeom>
+        </p:spPr>
+      </p:pic>
+      <p:pic>
+        <p:nvPicPr>
+          <p:cNvPr id="14" name="Irudia 13"/>
+          <p:cNvPicPr/>
+          <p:nvPr/>
+        </p:nvPicPr>
+        <p:blipFill>
+          <a:blip r:embed="rId5"/>
+          <a:stretch>
+            <a:fillRect/>
+          </a:stretch>
+        </p:blipFill>
+        <p:spPr>
+          <a:xfrm>
+            <a:off x="6747331" y="4648444"/>
+            <a:ext cx="4089826" cy="2032058"/>
+          </a:xfrm>
+          <a:prstGeom prst="rect">
+            <a:avLst/>
+          </a:prstGeom>
+        </p:spPr>
+      </p:pic>
     </p:spTree>
     <p:extLst>
       <p:ext uri="{BB962C8B-B14F-4D97-AF65-F5344CB8AC3E}">
-        <p14:creationId xmlns:p14="http://schemas.microsoft.com/office/powerpoint/2010/main" val="3462591981"/>
+        <p14:creationId xmlns:p14="http://schemas.microsoft.com/office/powerpoint/2010/main" val="1558510660"/>
       </p:ext>
     </p:extLst>
   </p:cSld>
   <p:clrMapOvr>
     <a:masterClrMapping/>
   </p:clrMapOvr>
+  <p:timing>
+    <p:tnLst>
+      <p:par>
+        <p:cTn id="1" dur="indefinite" restart="never" nodeType="tmRoot"/>
+      </p:par>
+    </p:tnLst>
+  </p:timing>
 </p:sld>
 </file>
 

--- a/Aurkezpena/AurkezpenaTaldea5.pptx
+++ b/Aurkezpena/AurkezpenaTaldea5.pptx
@@ -5,10 +5,10 @@
     <p:sldMasterId id="2147483678" r:id="rId1"/>
   </p:sldMasterIdLst>
   <p:notesMasterIdLst>
-    <p:notesMasterId r:id="rId18"/>
+    <p:notesMasterId r:id="rId19"/>
   </p:notesMasterIdLst>
   <p:handoutMasterIdLst>
-    <p:handoutMasterId r:id="rId19"/>
+    <p:handoutMasterId r:id="rId20"/>
   </p:handoutMasterIdLst>
   <p:sldIdLst>
     <p:sldId id="256" r:id="rId2"/>
@@ -27,6 +27,7 @@
     <p:sldId id="266" r:id="rId15"/>
     <p:sldId id="267" r:id="rId16"/>
     <p:sldId id="269" r:id="rId17"/>
+    <p:sldId id="275" r:id="rId18"/>
   </p:sldIdLst>
   <p:sldSz cx="12192000" cy="6858000"/>
   <p:notesSz cx="6858000" cy="9144000"/>
@@ -215,7 +216,7 @@
           <a:p>
             <a:fld id="{8CB793CB-A906-4173-AD9E-70881889E7EC}" type="datetime1">
               <a:rPr lang="es-ES" smtClean="0"/>
-              <a:t>19/03/2024</a:t>
+              <a:t>20/03/2024</a:t>
             </a:fld>
             <a:endParaRPr lang="es-ES"/>
           </a:p>
@@ -385,7 +386,7 @@
           <a:p>
             <a:fld id="{13999672-DF21-411C-B199-9EBD2DD5FEEF}" type="datetime1">
               <a:rPr lang="es-ES" smtClean="0"/>
-              <a:t>19/03/2024</a:t>
+              <a:t>20/03/2024</a:t>
             </a:fld>
             <a:endParaRPr lang="es-ES"/>
           </a:p>
@@ -22811,7 +22812,7 @@
         </p:nvGrpSpPr>
         <p:grpSpPr>
           <a:xfrm>
-            <a:off x="7528512" y="1276553"/>
+            <a:off x="7528512" y="853973"/>
             <a:ext cx="3674476" cy="3470421"/>
             <a:chOff x="697883" y="1816768"/>
             <a:chExt cx="3674476" cy="3470421"/>
@@ -22944,7 +22945,7 @@
         </p:nvSpPr>
         <p:spPr>
           <a:xfrm>
-            <a:off x="7616999" y="1928990"/>
+            <a:off x="7616999" y="1506410"/>
             <a:ext cx="3501197" cy="1223298"/>
           </a:xfrm>
         </p:spPr>
@@ -23039,7 +23040,7 @@
         </p:nvSpPr>
         <p:spPr>
           <a:xfrm>
-            <a:off x="7616999" y="3157150"/>
+            <a:off x="7616999" y="2734570"/>
             <a:ext cx="3501197" cy="1221164"/>
           </a:xfrm>
         </p:spPr>
@@ -26718,8 +26719,10 @@
       </p:sp>
       <p:pic>
         <p:nvPicPr>
-          <p:cNvPr id="6" name="Irudia 5"/>
-          <p:cNvPicPr/>
+          <p:cNvPr id="3" name="Irudia 2"/>
+          <p:cNvPicPr>
+            <a:picLocks noChangeAspect="1"/>
+          </p:cNvPicPr>
           <p:nvPr/>
         </p:nvPicPr>
         <p:blipFill>
@@ -26730,96 +26733,8 @@
         </p:blipFill>
         <p:spPr>
           <a:xfrm>
-            <a:off x="284064" y="1756188"/>
-            <a:ext cx="3038070" cy="1878677"/>
-          </a:xfrm>
-          <a:prstGeom prst="rect">
-            <a:avLst/>
-          </a:prstGeom>
-        </p:spPr>
-      </p:pic>
-      <p:pic>
-        <p:nvPicPr>
-          <p:cNvPr id="7" name="Irudia 6"/>
-          <p:cNvPicPr/>
-          <p:nvPr/>
-        </p:nvPicPr>
-        <p:blipFill>
-          <a:blip r:embed="rId3"/>
-          <a:stretch>
-            <a:fillRect/>
-          </a:stretch>
-        </p:blipFill>
-        <p:spPr>
-          <a:xfrm>
-            <a:off x="3578656" y="1650823"/>
-            <a:ext cx="3300123" cy="2139783"/>
-          </a:xfrm>
-          <a:prstGeom prst="rect">
-            <a:avLst/>
-          </a:prstGeom>
-        </p:spPr>
-      </p:pic>
-      <p:pic>
-        <p:nvPicPr>
-          <p:cNvPr id="8" name="Irudia 7"/>
-          <p:cNvPicPr/>
-          <p:nvPr/>
-        </p:nvPicPr>
-        <p:blipFill>
-          <a:blip r:embed="rId4"/>
-          <a:stretch>
-            <a:fillRect/>
-          </a:stretch>
-        </p:blipFill>
-        <p:spPr>
-          <a:xfrm>
-            <a:off x="3183775" y="4256117"/>
-            <a:ext cx="2557042" cy="2044932"/>
-          </a:xfrm>
-          <a:prstGeom prst="rect">
-            <a:avLst/>
-          </a:prstGeom>
-        </p:spPr>
-      </p:pic>
-      <p:pic>
-        <p:nvPicPr>
-          <p:cNvPr id="9" name="Irudia 8"/>
-          <p:cNvPicPr/>
-          <p:nvPr/>
-        </p:nvPicPr>
-        <p:blipFill>
-          <a:blip r:embed="rId5"/>
-          <a:stretch>
-            <a:fillRect/>
-          </a:stretch>
-        </p:blipFill>
-        <p:spPr>
-          <a:xfrm>
-            <a:off x="6084916" y="4505498"/>
-            <a:ext cx="2795617" cy="2036619"/>
-          </a:xfrm>
-          <a:prstGeom prst="rect">
-            <a:avLst/>
-          </a:prstGeom>
-        </p:spPr>
-      </p:pic>
-      <p:pic>
-        <p:nvPicPr>
-          <p:cNvPr id="10" name="Irudia 9"/>
-          <p:cNvPicPr/>
-          <p:nvPr/>
-        </p:nvPicPr>
-        <p:blipFill>
-          <a:blip r:embed="rId6"/>
-          <a:stretch>
-            <a:fillRect/>
-          </a:stretch>
-        </p:blipFill>
-        <p:spPr>
-          <a:xfrm>
-            <a:off x="91441" y="4355482"/>
-            <a:ext cx="2992582" cy="1846202"/>
+            <a:off x="2353622" y="1868406"/>
+            <a:ext cx="3810532" cy="4467849"/>
           </a:xfrm>
           <a:prstGeom prst="rect">
             <a:avLst/>
@@ -26880,11 +26795,7 @@
           <a:p>
             <a:r>
               <a:rPr lang="eu-ES" sz="3100" dirty="0" smtClean="0"/>
-              <a:t>BD-ko datuak XML-ra </a:t>
-            </a:r>
-            <a:r>
-              <a:rPr lang="eu-ES" sz="3100" dirty="0" smtClean="0"/>
-              <a:t>pasa era automatikoan</a:t>
+              <a:t>BD-ko datuak XML-ra pasa era automatikoan</a:t>
             </a:r>
             <a:endParaRPr lang="es-ES" sz="3100" dirty="0"/>
           </a:p>
@@ -26928,6 +26839,34 @@
           </a:p>
         </p:txBody>
       </p:sp>
+      <p:pic>
+        <p:nvPicPr>
+          <p:cNvPr id="5" name="Irudia 4"/>
+          <p:cNvPicPr/>
+          <p:nvPr/>
+        </p:nvPicPr>
+        <p:blipFill>
+          <a:blip r:embed="rId2">
+            <a:extLst>
+              <a:ext uri="{28A0092B-C50C-407E-A947-70E740481C1C}">
+                <a14:useLocalDpi xmlns:a14="http://schemas.microsoft.com/office/drawing/2010/main" val="0"/>
+              </a:ext>
+            </a:extLst>
+          </a:blip>
+          <a:stretch>
+            <a:fillRect/>
+          </a:stretch>
+        </p:blipFill>
+        <p:spPr>
+          <a:xfrm>
+            <a:off x="3209607" y="1355653"/>
+            <a:ext cx="3706920" cy="3915236"/>
+          </a:xfrm>
+          <a:prstGeom prst="rect">
+            <a:avLst/>
+          </a:prstGeom>
+        </p:spPr>
+      </p:pic>
     </p:spTree>
     <p:extLst>
       <p:ext uri="{BB962C8B-B14F-4D97-AF65-F5344CB8AC3E}">
@@ -26938,6 +26877,13 @@
   <p:clrMapOvr>
     <a:masterClrMapping/>
   </p:clrMapOvr>
+  <p:timing>
+    <p:tnLst>
+      <p:par>
+        <p:cTn id="1" dur="indefinite" restart="never" nodeType="tmRoot"/>
+      </p:par>
+    </p:tnLst>
+  </p:timing>
 </p:sld>
 </file>
 
@@ -27002,7 +26948,7 @@
       </p:sp>
       <p:sp>
         <p:nvSpPr>
-          <p:cNvPr id="4" name="Edukiaren leku-marka 3"/>
+          <p:cNvPr id="6" name="Edukiaren leku-marka 5"/>
           <p:cNvSpPr>
             <a:spLocks noGrp="1"/>
           </p:cNvSpPr>
@@ -27029,6 +26975,13 @@
   <p:clrMapOvr>
     <a:masterClrMapping/>
   </p:clrMapOvr>
+  <p:timing>
+    <p:tnLst>
+      <p:par>
+        <p:cTn id="1" dur="indefinite" restart="never" nodeType="tmRoot"/>
+      </p:par>
+    </p:tnLst>
+  </p:timing>
 </p:sld>
 </file>
 
@@ -27066,50 +27019,41 @@
           <a:p>
             <a:r>
               <a:rPr lang="eu-ES" dirty="0" smtClean="0"/>
-              <a:t>Errore kudeaketa</a:t>
+              <a:t>Klase diagrama</a:t>
             </a:r>
             <a:endParaRPr lang="es-ES" dirty="0"/>
           </a:p>
         </p:txBody>
       </p:sp>
-      <p:sp>
-        <p:nvSpPr>
-          <p:cNvPr id="3" name="Edukiaren leku-marka 2"/>
-          <p:cNvSpPr>
-            <a:spLocks noGrp="1"/>
-          </p:cNvSpPr>
+      <p:pic>
+        <p:nvPicPr>
+          <p:cNvPr id="5" name="Edukiaren leku-marka 4"/>
+          <p:cNvPicPr>
+            <a:picLocks noGrp="1" noChangeAspect="1"/>
+          </p:cNvPicPr>
           <p:nvPr>
             <p:ph sz="half" idx="1"/>
           </p:nvPr>
-        </p:nvSpPr>
-        <p:spPr/>
-        <p:txBody>
-          <a:bodyPr/>
-          <a:lstStyle/>
-          <a:p>
-            <a:endParaRPr lang="es-ES"/>
-          </a:p>
-        </p:txBody>
-      </p:sp>
-      <p:sp>
-        <p:nvSpPr>
-          <p:cNvPr id="4" name="Edukiaren leku-marka 3"/>
-          <p:cNvSpPr>
-            <a:spLocks noGrp="1"/>
-          </p:cNvSpPr>
-          <p:nvPr>
-            <p:ph sz="half" idx="2"/>
-          </p:nvPr>
-        </p:nvSpPr>
-        <p:spPr/>
-        <p:txBody>
-          <a:bodyPr/>
-          <a:lstStyle/>
-          <a:p>
-            <a:endParaRPr lang="es-ES"/>
-          </a:p>
-        </p:txBody>
-      </p:sp>
+        </p:nvPicPr>
+        <p:blipFill>
+          <a:blip r:embed="rId2">
+            <a:extLst>
+              <a:ext uri="{28A0092B-C50C-407E-A947-70E740481C1C}">
+                <a14:useLocalDpi xmlns:a14="http://schemas.microsoft.com/office/drawing/2010/main" val="0"/>
+              </a:ext>
+            </a:extLst>
+          </a:blip>
+          <a:stretch>
+            <a:fillRect/>
+          </a:stretch>
+        </p:blipFill>
+        <p:spPr>
+          <a:xfrm>
+            <a:off x="5121275" y="824481"/>
+            <a:ext cx="6832600" cy="5563050"/>
+          </a:xfrm>
+        </p:spPr>
+      </p:pic>
     </p:spTree>
     <p:extLst>
       <p:ext uri="{BB962C8B-B14F-4D97-AF65-F5344CB8AC3E}">
@@ -27120,6 +27064,13 @@
   <p:clrMapOvr>
     <a:masterClrMapping/>
   </p:clrMapOvr>
+  <p:timing>
+    <p:tnLst>
+      <p:par>
+        <p:cTn id="1" dur="indefinite" restart="never" nodeType="tmRoot"/>
+      </p:par>
+    </p:tnLst>
+  </p:timing>
 </p:sld>
 </file>
 
@@ -27167,32 +27118,6 @@
           </a:p>
         </p:txBody>
       </p:sp>
-      <p:pic>
-        <p:nvPicPr>
-          <p:cNvPr id="5" name="Edukiaren leku-marka 4"/>
-          <p:cNvPicPr>
-            <a:picLocks noGrp="1" noChangeAspect="1"/>
-          </p:cNvPicPr>
-          <p:nvPr>
-            <p:ph idx="1"/>
-          </p:nvPr>
-        </p:nvPicPr>
-        <p:blipFill>
-          <a:blip r:embed="rId2"/>
-          <a:stretch>
-            <a:fillRect/>
-          </a:stretch>
-        </p:blipFill>
-        <p:spPr>
-          <a:xfrm>
-            <a:off x="1852283" y="525193"/>
-            <a:ext cx="3968968" cy="1798238"/>
-          </a:xfrm>
-          <a:prstGeom prst="rect">
-            <a:avLst/>
-          </a:prstGeom>
-        </p:spPr>
-      </p:pic>
       <p:sp>
         <p:nvSpPr>
           <p:cNvPr id="4" name="Testuaren leku-marka 3"/>
@@ -27214,7 +27139,31 @@
       </p:sp>
       <p:pic>
         <p:nvPicPr>
-          <p:cNvPr id="6" name="Irudia 5"/>
+          <p:cNvPr id="9" name="Irudia 8"/>
+          <p:cNvPicPr>
+            <a:picLocks noChangeAspect="1"/>
+          </p:cNvPicPr>
+          <p:nvPr/>
+        </p:nvPicPr>
+        <p:blipFill>
+          <a:blip r:embed="rId2"/>
+          <a:stretch>
+            <a:fillRect/>
+          </a:stretch>
+        </p:blipFill>
+        <p:spPr>
+          <a:xfrm>
+            <a:off x="2391898" y="190249"/>
+            <a:ext cx="3548816" cy="3612498"/>
+          </a:xfrm>
+          <a:prstGeom prst="rect">
+            <a:avLst/>
+          </a:prstGeom>
+        </p:spPr>
+      </p:pic>
+      <p:pic>
+        <p:nvPicPr>
+          <p:cNvPr id="10" name="Irudia 9"/>
           <p:cNvPicPr>
             <a:picLocks noChangeAspect="1"/>
           </p:cNvPicPr>
@@ -27228,8 +27177,8 @@
         </p:blipFill>
         <p:spPr>
           <a:xfrm>
-            <a:off x="1723494" y="2529493"/>
-            <a:ext cx="4316698" cy="1753312"/>
+            <a:off x="167520" y="3952392"/>
+            <a:ext cx="4096909" cy="2697790"/>
           </a:xfrm>
           <a:prstGeom prst="rect">
             <a:avLst/>
@@ -27238,21 +27187,22 @@
       </p:pic>
       <p:pic>
         <p:nvPicPr>
-          <p:cNvPr id="7" name="Irudia 6"/>
+          <p:cNvPr id="11" name="Irudia 10"/>
           <p:cNvPicPr>
             <a:picLocks noChangeAspect="1"/>
           </p:cNvPicPr>
           <p:nvPr/>
         </p:nvPicPr>
-        <p:blipFill rotWithShape="1">
+        <p:blipFill>
           <a:blip r:embed="rId4"/>
-          <a:srcRect r="21221" b="25461"/>
-          <a:stretch/>
+          <a:stretch>
+            <a:fillRect/>
+          </a:stretch>
         </p:blipFill>
         <p:spPr>
           <a:xfrm>
-            <a:off x="1136368" y="4128890"/>
-            <a:ext cx="4960641" cy="2130243"/>
+            <a:off x="4727558" y="4374500"/>
+            <a:ext cx="6716187" cy="2107194"/>
           </a:xfrm>
           <a:prstGeom prst="rect">
             <a:avLst/>
@@ -27263,6 +27213,161 @@
     <p:extLst>
       <p:ext uri="{BB962C8B-B14F-4D97-AF65-F5344CB8AC3E}">
         <p14:creationId xmlns:p14="http://schemas.microsoft.com/office/powerpoint/2010/main" val="926021961"/>
+      </p:ext>
+    </p:extLst>
+  </p:cSld>
+  <p:clrMapOvr>
+    <a:masterClrMapping/>
+  </p:clrMapOvr>
+  <p:timing>
+    <p:tnLst>
+      <p:par>
+        <p:cTn id="1" dur="indefinite" restart="never" nodeType="tmRoot"/>
+      </p:par>
+    </p:tnLst>
+  </p:timing>
+</p:sld>
+</file>
+
+<file path=ppt/slides/slide17.xml><?xml version="1.0" encoding="utf-8"?>
+<p:sld xmlns:a="http://schemas.openxmlformats.org/drawingml/2006/main" xmlns:r="http://schemas.openxmlformats.org/officeDocument/2006/relationships" xmlns:p="http://schemas.openxmlformats.org/presentationml/2006/main">
+  <p:cSld>
+    <p:spTree>
+      <p:nvGrpSpPr>
+        <p:cNvPr id="1" name=""/>
+        <p:cNvGrpSpPr/>
+        <p:nvPr/>
+      </p:nvGrpSpPr>
+      <p:grpSpPr>
+        <a:xfrm>
+          <a:off x="0" y="0"/>
+          <a:ext cx="0" cy="0"/>
+          <a:chOff x="0" y="0"/>
+          <a:chExt cx="0" cy="0"/>
+        </a:xfrm>
+      </p:grpSpPr>
+      <p:sp>
+        <p:nvSpPr>
+          <p:cNvPr id="2" name="Titulua 1"/>
+          <p:cNvSpPr>
+            <a:spLocks noGrp="1"/>
+          </p:cNvSpPr>
+          <p:nvPr>
+            <p:ph type="title"/>
+          </p:nvPr>
+        </p:nvSpPr>
+        <p:spPr/>
+        <p:txBody>
+          <a:bodyPr/>
+          <a:lstStyle/>
+          <a:p>
+            <a:r>
+              <a:rPr lang="eu-ES" dirty="0" smtClean="0"/>
+              <a:t>XML, </a:t>
+            </a:r>
+            <a:r>
+              <a:rPr lang="eu-ES" dirty="0" smtClean="0"/>
+              <a:t>DTD eta Eskema</a:t>
+            </a:r>
+            <a:endParaRPr lang="es-ES" dirty="0"/>
+          </a:p>
+        </p:txBody>
+      </p:sp>
+      <p:sp>
+        <p:nvSpPr>
+          <p:cNvPr id="4" name="Testuaren leku-marka 3"/>
+          <p:cNvSpPr>
+            <a:spLocks noGrp="1"/>
+          </p:cNvSpPr>
+          <p:nvPr>
+            <p:ph type="body" sz="half" idx="2"/>
+          </p:nvPr>
+        </p:nvSpPr>
+        <p:spPr/>
+        <p:txBody>
+          <a:bodyPr/>
+          <a:lstStyle/>
+          <a:p>
+            <a:endParaRPr lang="es-ES"/>
+          </a:p>
+        </p:txBody>
+      </p:sp>
+      <p:pic>
+        <p:nvPicPr>
+          <p:cNvPr id="3" name="Irudia 2"/>
+          <p:cNvPicPr>
+            <a:picLocks noChangeAspect="1"/>
+          </p:cNvPicPr>
+          <p:nvPr/>
+        </p:nvPicPr>
+        <p:blipFill>
+          <a:blip r:embed="rId2"/>
+          <a:stretch>
+            <a:fillRect/>
+          </a:stretch>
+        </p:blipFill>
+        <p:spPr>
+          <a:xfrm>
+            <a:off x="4801968" y="4634444"/>
+            <a:ext cx="5630061" cy="1333686"/>
+          </a:xfrm>
+          <a:prstGeom prst="rect">
+            <a:avLst/>
+          </a:prstGeom>
+        </p:spPr>
+      </p:pic>
+      <p:pic>
+        <p:nvPicPr>
+          <p:cNvPr id="5" name="Irudia 4"/>
+          <p:cNvPicPr>
+            <a:picLocks noChangeAspect="1"/>
+          </p:cNvPicPr>
+          <p:nvPr/>
+        </p:nvPicPr>
+        <p:blipFill>
+          <a:blip r:embed="rId3"/>
+          <a:stretch>
+            <a:fillRect/>
+          </a:stretch>
+        </p:blipFill>
+        <p:spPr>
+          <a:xfrm>
+            <a:off x="116339" y="3955734"/>
+            <a:ext cx="4389159" cy="2888549"/>
+          </a:xfrm>
+          <a:prstGeom prst="rect">
+            <a:avLst/>
+          </a:prstGeom>
+        </p:spPr>
+      </p:pic>
+      <p:pic>
+        <p:nvPicPr>
+          <p:cNvPr id="6" name="Irudia 5"/>
+          <p:cNvPicPr>
+            <a:picLocks noChangeAspect="1"/>
+          </p:cNvPicPr>
+          <p:nvPr/>
+        </p:nvPicPr>
+        <p:blipFill>
+          <a:blip r:embed="rId4"/>
+          <a:stretch>
+            <a:fillRect/>
+          </a:stretch>
+        </p:blipFill>
+        <p:spPr>
+          <a:xfrm>
+            <a:off x="1282202" y="74814"/>
+            <a:ext cx="5830070" cy="3701823"/>
+          </a:xfrm>
+          <a:prstGeom prst="rect">
+            <a:avLst/>
+          </a:prstGeom>
+        </p:spPr>
+      </p:pic>
+    </p:spTree>
+    <p:extLst>
+      <p:ext uri="{BB962C8B-B14F-4D97-AF65-F5344CB8AC3E}">
+        <p14:creationId xmlns:p14="http://schemas.microsoft.com/office/powerpoint/2010/main" val="2165052572"/>
       </p:ext>
     </p:extLst>
   </p:cSld>
@@ -28706,7 +28811,7 @@
       </p:sp>
       <p:pic>
         <p:nvPicPr>
-          <p:cNvPr id="12" name="Irudia 11"/>
+          <p:cNvPr id="13" name="Irudia 12"/>
           <p:cNvPicPr/>
           <p:nvPr/>
         </p:nvPicPr>
@@ -28718,29 +28823,7 @@
         </p:blipFill>
         <p:spPr>
           <a:xfrm>
-            <a:off x="56454" y="4552977"/>
-            <a:ext cx="2711614" cy="2222993"/>
-          </a:xfrm>
-          <a:prstGeom prst="rect">
-            <a:avLst/>
-          </a:prstGeom>
-        </p:spPr>
-      </p:pic>
-      <p:pic>
-        <p:nvPicPr>
-          <p:cNvPr id="13" name="Irudia 12"/>
-          <p:cNvPicPr/>
-          <p:nvPr/>
-        </p:nvPicPr>
-        <p:blipFill>
-          <a:blip r:embed="rId4"/>
-          <a:stretch>
-            <a:fillRect/>
-          </a:stretch>
-        </p:blipFill>
-        <p:spPr>
-          <a:xfrm>
-            <a:off x="3051425" y="4296123"/>
+            <a:off x="865178" y="4254559"/>
             <a:ext cx="3534309" cy="2222993"/>
           </a:xfrm>
           <a:prstGeom prst="rect">
@@ -28755,15 +28838,15 @@
           <p:nvPr/>
         </p:nvPicPr>
         <p:blipFill>
-          <a:blip r:embed="rId5"/>
+          <a:blip r:embed="rId4"/>
           <a:stretch>
             <a:fillRect/>
           </a:stretch>
         </p:blipFill>
         <p:spPr>
           <a:xfrm>
-            <a:off x="6747331" y="4648444"/>
-            <a:ext cx="4089826" cy="2032058"/>
+            <a:off x="4741680" y="4522605"/>
+            <a:ext cx="3130473" cy="2032058"/>
           </a:xfrm>
           <a:prstGeom prst="rect">
             <a:avLst/>

--- a/Aurkezpena/AurkezpenaTaldea5.pptx
+++ b/Aurkezpena/AurkezpenaTaldea5.pptx
@@ -27263,11 +27263,7 @@
           <a:p>
             <a:r>
               <a:rPr lang="eu-ES" dirty="0" smtClean="0"/>
-              <a:t>XML, </a:t>
-            </a:r>
-            <a:r>
-              <a:rPr lang="eu-ES" dirty="0" smtClean="0"/>
-              <a:t>DTD eta Eskema</a:t>
+              <a:t>XML, DTD eta Eskema</a:t>
             </a:r>
             <a:endParaRPr lang="es-ES" dirty="0"/>
           </a:p>

--- a/Aurkezpena/AurkezpenaTaldea5.pptx
+++ b/Aurkezpena/AurkezpenaTaldea5.pptx
@@ -5,20 +5,20 @@
     <p:sldMasterId id="2147483678" r:id="rId1"/>
   </p:sldMasterIdLst>
   <p:notesMasterIdLst>
-    <p:notesMasterId r:id="rId19"/>
+    <p:notesMasterId r:id="rId18"/>
   </p:notesMasterIdLst>
   <p:handoutMasterIdLst>
-    <p:handoutMasterId r:id="rId20"/>
+    <p:handoutMasterId r:id="rId19"/>
   </p:handoutMasterIdLst>
   <p:sldIdLst>
     <p:sldId id="256" r:id="rId2"/>
     <p:sldId id="257" r:id="rId3"/>
-    <p:sldId id="258" r:id="rId4"/>
-    <p:sldId id="259" r:id="rId5"/>
-    <p:sldId id="260" r:id="rId6"/>
-    <p:sldId id="261" r:id="rId7"/>
-    <p:sldId id="262" r:id="rId8"/>
-    <p:sldId id="270" r:id="rId9"/>
+    <p:sldId id="270" r:id="rId4"/>
+    <p:sldId id="258" r:id="rId5"/>
+    <p:sldId id="259" r:id="rId6"/>
+    <p:sldId id="260" r:id="rId7"/>
+    <p:sldId id="261" r:id="rId8"/>
+    <p:sldId id="262" r:id="rId9"/>
     <p:sldId id="271" r:id="rId10"/>
     <p:sldId id="272" r:id="rId11"/>
     <p:sldId id="273" r:id="rId12"/>
@@ -27,7 +27,6 @@
     <p:sldId id="266" r:id="rId15"/>
     <p:sldId id="267" r:id="rId16"/>
     <p:sldId id="269" r:id="rId17"/>
-    <p:sldId id="275" r:id="rId18"/>
   </p:sldIdLst>
   <p:sldSz cx="12192000" cy="6858000"/>
   <p:notesSz cx="6858000" cy="9144000"/>
@@ -26271,33 +26270,14 @@
       </p:sp>
       <p:sp>
         <p:nvSpPr>
-          <p:cNvPr id="4" name="Testuaren leku-marka 3"/>
-          <p:cNvSpPr>
-            <a:spLocks noGrp="1"/>
-          </p:cNvSpPr>
-          <p:nvPr>
-            <p:ph type="body" sz="half" idx="2"/>
-          </p:nvPr>
-        </p:nvSpPr>
-        <p:spPr/>
-        <p:txBody>
-          <a:bodyPr/>
-          <a:lstStyle/>
-          <a:p>
-            <a:endParaRPr lang="es-ES"/>
-          </a:p>
-        </p:txBody>
-      </p:sp>
-      <p:sp>
-        <p:nvSpPr>
           <p:cNvPr id="5" name="TestuKoadroa 4"/>
           <p:cNvSpPr txBox="1"/>
           <p:nvPr/>
         </p:nvSpPr>
         <p:spPr>
           <a:xfrm>
-            <a:off x="698643" y="1469204"/>
-            <a:ext cx="6072027" cy="646331"/>
+            <a:off x="3310759" y="3894083"/>
+            <a:ext cx="2975459" cy="923330"/>
           </a:xfrm>
           <a:prstGeom prst="rect">
             <a:avLst/>
@@ -26312,12 +26292,64 @@
           <a:p>
             <a:r>
               <a:rPr lang="eu-ES" dirty="0" smtClean="0"/>
-              <a:t>Karpeta konpartituak aprobetxatuz Oracle instalatu da zerbitzarian. </a:t>
+              <a:t>Karpeta partekatuak </a:t>
+            </a:r>
+            <a:r>
+              <a:rPr lang="eu-ES" dirty="0" smtClean="0"/>
+              <a:t>aprobetxatuz Oracle instalatu da zerbitzarian. </a:t>
             </a:r>
             <a:endParaRPr lang="es-ES" dirty="0"/>
           </a:p>
         </p:txBody>
       </p:sp>
+      <p:pic>
+        <p:nvPicPr>
+          <p:cNvPr id="3" name="Irudia 2"/>
+          <p:cNvPicPr>
+            <a:picLocks noChangeAspect="1"/>
+          </p:cNvPicPr>
+          <p:nvPr/>
+        </p:nvPicPr>
+        <p:blipFill>
+          <a:blip r:embed="rId2"/>
+          <a:stretch>
+            <a:fillRect/>
+          </a:stretch>
+        </p:blipFill>
+        <p:spPr>
+          <a:xfrm>
+            <a:off x="694263" y="1677048"/>
+            <a:ext cx="5591955" cy="2105319"/>
+          </a:xfrm>
+          <a:prstGeom prst="rect">
+            <a:avLst/>
+          </a:prstGeom>
+        </p:spPr>
+      </p:pic>
+      <p:pic>
+        <p:nvPicPr>
+          <p:cNvPr id="6" name="Irudia 5"/>
+          <p:cNvPicPr>
+            <a:picLocks noChangeAspect="1"/>
+          </p:cNvPicPr>
+          <p:nvPr/>
+        </p:nvPicPr>
+        <p:blipFill>
+          <a:blip r:embed="rId3"/>
+          <a:stretch>
+            <a:fillRect/>
+          </a:stretch>
+        </p:blipFill>
+        <p:spPr>
+          <a:xfrm>
+            <a:off x="694263" y="3782367"/>
+            <a:ext cx="2469278" cy="2605985"/>
+          </a:xfrm>
+          <a:prstGeom prst="rect">
+            <a:avLst/>
+          </a:prstGeom>
+        </p:spPr>
+      </p:pic>
     </p:spTree>
     <p:extLst>
       <p:ext uri="{BB962C8B-B14F-4D97-AF65-F5344CB8AC3E}">
@@ -26328,6 +26360,13 @@
   <p:clrMapOvr>
     <a:masterClrMapping/>
   </p:clrMapOvr>
+  <p:timing>
+    <p:tnLst>
+      <p:par>
+        <p:cTn id="1" dur="indefinite" restart="never" nodeType="tmRoot"/>
+      </p:par>
+    </p:tnLst>
+  </p:timing>
 </p:sld>
 </file>
 
@@ -26364,8 +26403,12 @@
           <a:lstStyle/>
           <a:p>
             <a:r>
+              <a:rPr lang="es-ES" dirty="0" smtClean="0"/>
+              <a:t>Oracle-</a:t>
+            </a:r>
+            <a:r>
               <a:rPr lang="es-ES" dirty="0" err="1" smtClean="0"/>
-              <a:t>Oracleko</a:t>
+              <a:t>ko</a:t>
             </a:r>
             <a:r>
               <a:rPr lang="es-ES" dirty="0" smtClean="0"/>
@@ -26667,52 +26710,21 @@
           <a:bodyPr/>
           <a:lstStyle/>
           <a:p>
-            <a:endParaRPr lang="es-ES"/>
-          </a:p>
-        </p:txBody>
-      </p:sp>
-      <p:sp>
-        <p:nvSpPr>
-          <p:cNvPr id="5" name="TestuKoadroa 4"/>
-          <p:cNvSpPr txBox="1"/>
-          <p:nvPr/>
-        </p:nvSpPr>
-        <p:spPr>
-          <a:xfrm>
-            <a:off x="1350847" y="727493"/>
-            <a:ext cx="4364182" cy="923330"/>
-          </a:xfrm>
-          <a:prstGeom prst="rect">
-            <a:avLst/>
-          </a:prstGeom>
-          <a:noFill/>
-        </p:spPr>
-        <p:txBody>
-          <a:bodyPr wrap="square" rtlCol="0">
-            <a:spAutoFit/>
-          </a:bodyPr>
-          <a:lstStyle/>
-          <a:p>
             <a:r>
-              <a:rPr lang="eu-ES" dirty="0" smtClean="0"/>
+              <a:rPr lang="eu-ES" dirty="0"/>
               <a:t>Enpresako DB-a </a:t>
             </a:r>
             <a:r>
-              <a:rPr lang="eu-ES" dirty="0" err="1" smtClean="0"/>
+              <a:rPr lang="eu-ES" dirty="0" err="1"/>
               <a:t>MySQL</a:t>
             </a:r>
             <a:r>
-              <a:rPr lang="eu-ES" dirty="0" smtClean="0"/>
-              <a:t> genuen eta hau </a:t>
+              <a:rPr lang="eu-ES" dirty="0"/>
+              <a:t> genuen eta hau Oraclen landu nahi dugunez DB-a migratu egin behar izan da.</a:t>
             </a:r>
-            <a:r>
-              <a:rPr lang="eu-ES" dirty="0"/>
-              <a:t>O</a:t>
-            </a:r>
-            <a:r>
-              <a:rPr lang="eu-ES" dirty="0" smtClean="0"/>
-              <a:t>raclen landu nahi dugunez DB-a migratu egin behar da.</a:t>
-            </a:r>
+            <a:endParaRPr lang="es-ES" dirty="0"/>
+          </a:p>
+          <a:p>
             <a:endParaRPr lang="es-ES" dirty="0"/>
           </a:p>
         </p:txBody>
@@ -26733,7 +26745,7 @@
         </p:blipFill>
         <p:spPr>
           <a:xfrm>
-            <a:off x="2353622" y="1868406"/>
+            <a:off x="3134207" y="1461387"/>
             <a:ext cx="3810532" cy="4467849"/>
           </a:xfrm>
           <a:prstGeom prst="rect">
@@ -26803,25 +26815,6 @@
       </p:sp>
       <p:sp>
         <p:nvSpPr>
-          <p:cNvPr id="3" name="Edukiaren leku-marka 2"/>
-          <p:cNvSpPr>
-            <a:spLocks noGrp="1"/>
-          </p:cNvSpPr>
-          <p:nvPr>
-            <p:ph idx="1"/>
-          </p:nvPr>
-        </p:nvSpPr>
-        <p:spPr/>
-        <p:txBody>
-          <a:bodyPr/>
-          <a:lstStyle/>
-          <a:p>
-            <a:endParaRPr lang="es-ES"/>
-          </a:p>
-        </p:txBody>
-      </p:sp>
-      <p:sp>
-        <p:nvSpPr>
           <p:cNvPr id="4" name="Testuaren leku-marka 3"/>
           <p:cNvSpPr>
             <a:spLocks noGrp="1"/>
@@ -26845,7 +26838,7 @@
           <p:cNvPicPr/>
           <p:nvPr/>
         </p:nvPicPr>
-        <p:blipFill>
+        <p:blipFill rotWithShape="1">
           <a:blip r:embed="rId2">
             <a:extLst>
               <a:ext uri="{28A0092B-C50C-407E-A947-70E740481C1C}">
@@ -26853,14 +26846,37 @@
               </a:ext>
             </a:extLst>
           </a:blip>
+          <a:srcRect t="23363" b="45798"/>
+          <a:stretch/>
+        </p:blipFill>
+        <p:spPr>
+          <a:xfrm>
+            <a:off x="1878251" y="2118059"/>
+            <a:ext cx="5452714" cy="1923393"/>
+          </a:xfrm>
+          <a:prstGeom prst="rect">
+            <a:avLst/>
+          </a:prstGeom>
+        </p:spPr>
+      </p:pic>
+      <p:pic>
+        <p:nvPicPr>
+          <p:cNvPr id="6" name="Irudia 5"/>
+          <p:cNvPicPr>
+            <a:picLocks noChangeAspect="1"/>
+          </p:cNvPicPr>
+          <p:nvPr/>
+        </p:nvPicPr>
+        <p:blipFill>
+          <a:blip r:embed="rId3"/>
           <a:stretch>
             <a:fillRect/>
           </a:stretch>
         </p:blipFill>
         <p:spPr>
           <a:xfrm>
-            <a:off x="3209607" y="1355653"/>
-            <a:ext cx="3706920" cy="3915236"/>
+            <a:off x="1878251" y="4574862"/>
+            <a:ext cx="7983064" cy="952633"/>
           </a:xfrm>
           <a:prstGeom prst="rect">
             <a:avLst/>
@@ -26927,44 +26943,233 @@
           </a:p>
         </p:txBody>
       </p:sp>
-      <p:sp>
-        <p:nvSpPr>
-          <p:cNvPr id="3" name="Edukiaren leku-marka 2"/>
-          <p:cNvSpPr>
-            <a:spLocks noGrp="1"/>
-          </p:cNvSpPr>
+      <p:pic>
+        <p:nvPicPr>
+          <p:cNvPr id="7" name="Imagen 1"/>
+          <p:cNvPicPr>
+            <a:picLocks noGrp="1"/>
+          </p:cNvPicPr>
           <p:nvPr>
             <p:ph sz="half" idx="1"/>
           </p:nvPr>
-        </p:nvSpPr>
-        <p:spPr/>
-        <p:txBody>
-          <a:bodyPr/>
-          <a:lstStyle/>
-          <a:p>
-            <a:endParaRPr lang="es-ES"/>
-          </a:p>
-        </p:txBody>
-      </p:sp>
-      <p:sp>
-        <p:nvSpPr>
-          <p:cNvPr id="6" name="Edukiaren leku-marka 5"/>
-          <p:cNvSpPr>
-            <a:spLocks noGrp="1"/>
-          </p:cNvSpPr>
-          <p:nvPr>
-            <p:ph sz="half" idx="2"/>
-          </p:nvPr>
-        </p:nvSpPr>
-        <p:spPr/>
-        <p:txBody>
-          <a:bodyPr/>
-          <a:lstStyle/>
-          <a:p>
-            <a:endParaRPr lang="es-ES"/>
-          </a:p>
-        </p:txBody>
-      </p:sp>
+        </p:nvPicPr>
+        <p:blipFill>
+          <a:blip r:embed="rId2"/>
+          <a:stretch>
+            <a:fillRect/>
+          </a:stretch>
+        </p:blipFill>
+        <p:spPr>
+          <a:xfrm>
+            <a:off x="6763035" y="845181"/>
+            <a:ext cx="3044651" cy="1494488"/>
+          </a:xfrm>
+          <a:prstGeom prst="rect">
+            <a:avLst/>
+          </a:prstGeom>
+        </p:spPr>
+      </p:pic>
+      <p:pic>
+        <p:nvPicPr>
+          <p:cNvPr id="12" name="Imagen 3" descr="C:\Users\ik012982i12\Videos\Captures\Erleak 20_03_2024 12_54_59.png"/>
+          <p:cNvPicPr/>
+          <p:nvPr/>
+        </p:nvPicPr>
+        <p:blipFill rotWithShape="1">
+          <a:blip r:embed="rId3">
+            <a:extLst>
+              <a:ext uri="{28A0092B-C50C-407E-A947-70E740481C1C}">
+                <a14:useLocalDpi xmlns:a14="http://schemas.microsoft.com/office/drawing/2010/main" val="0"/>
+              </a:ext>
+            </a:extLst>
+          </a:blip>
+          <a:srcRect r="47229"/>
+          <a:stretch/>
+        </p:blipFill>
+        <p:spPr bwMode="auto">
+          <a:xfrm>
+            <a:off x="9822074" y="3043350"/>
+            <a:ext cx="1850318" cy="1462148"/>
+          </a:xfrm>
+          <a:prstGeom prst="rect">
+            <a:avLst/>
+          </a:prstGeom>
+          <a:noFill/>
+          <a:ln>
+            <a:noFill/>
+          </a:ln>
+          <a:extLst>
+            <a:ext uri="{53640926-AAD7-44D8-BBD7-CCE9431645EC}">
+              <a14:shadowObscured xmlns:a14="http://schemas.microsoft.com/office/drawing/2010/main"/>
+            </a:ext>
+          </a:extLst>
+        </p:spPr>
+      </p:pic>
+      <p:pic>
+        <p:nvPicPr>
+          <p:cNvPr id="13" name="Imagen 2" descr="C:\Users\ik012982i12\AppData\Local\Packages\Microsoft.Windows.Photos_8wekyb3d8bbwe\TempState\ShareServiceTempFolder\Erleak 20_03_2024 12_54_00.jpeg"/>
+          <p:cNvPicPr/>
+          <p:nvPr/>
+        </p:nvPicPr>
+        <p:blipFill rotWithShape="1">
+          <a:blip r:embed="rId4">
+            <a:extLst>
+              <a:ext uri="{28A0092B-C50C-407E-A947-70E740481C1C}">
+                <a14:useLocalDpi xmlns:a14="http://schemas.microsoft.com/office/drawing/2010/main" val="0"/>
+              </a:ext>
+            </a:extLst>
+          </a:blip>
+          <a:srcRect r="46988"/>
+          <a:stretch/>
+        </p:blipFill>
+        <p:spPr bwMode="auto">
+          <a:xfrm>
+            <a:off x="7361436" y="3043350"/>
+            <a:ext cx="1847850" cy="1462148"/>
+          </a:xfrm>
+          <a:prstGeom prst="rect">
+            <a:avLst/>
+          </a:prstGeom>
+          <a:noFill/>
+          <a:ln>
+            <a:noFill/>
+          </a:ln>
+          <a:extLst>
+            <a:ext uri="{53640926-AAD7-44D8-BBD7-CCE9431645EC}">
+              <a14:shadowObscured xmlns:a14="http://schemas.microsoft.com/office/drawing/2010/main"/>
+            </a:ext>
+          </a:extLst>
+        </p:spPr>
+      </p:pic>
+      <p:pic>
+        <p:nvPicPr>
+          <p:cNvPr id="10" name="Irudia 9"/>
+          <p:cNvPicPr>
+            <a:picLocks noChangeAspect="1"/>
+          </p:cNvPicPr>
+          <p:nvPr/>
+        </p:nvPicPr>
+        <p:blipFill>
+          <a:blip r:embed="rId5"/>
+          <a:stretch>
+            <a:fillRect/>
+          </a:stretch>
+        </p:blipFill>
+        <p:spPr>
+          <a:xfrm>
+            <a:off x="4898330" y="3043350"/>
+            <a:ext cx="1850318" cy="1494488"/>
+          </a:xfrm>
+          <a:prstGeom prst="rect">
+            <a:avLst/>
+          </a:prstGeom>
+        </p:spPr>
+      </p:pic>
+      <p:cxnSp>
+        <p:nvCxnSpPr>
+          <p:cNvPr id="14" name="Gezidun lotura-marra zuzena 13"/>
+          <p:cNvCxnSpPr>
+            <a:endCxn id="10" idx="0"/>
+          </p:cNvCxnSpPr>
+          <p:nvPr/>
+        </p:nvCxnSpPr>
+        <p:spPr>
+          <a:xfrm flipH="1">
+            <a:off x="5823489" y="1296785"/>
+            <a:ext cx="1169869" cy="1746565"/>
+          </a:xfrm>
+          <a:prstGeom prst="straightConnector1">
+            <a:avLst/>
+          </a:prstGeom>
+          <a:ln>
+            <a:tailEnd type="triangle"/>
+          </a:ln>
+        </p:spPr>
+        <p:style>
+          <a:lnRef idx="1">
+            <a:schemeClr val="accent1"/>
+          </a:lnRef>
+          <a:fillRef idx="0">
+            <a:schemeClr val="accent1"/>
+          </a:fillRef>
+          <a:effectRef idx="0">
+            <a:schemeClr val="accent1"/>
+          </a:effectRef>
+          <a:fontRef idx="minor">
+            <a:schemeClr val="tx1"/>
+          </a:fontRef>
+        </p:style>
+      </p:cxnSp>
+      <p:cxnSp>
+        <p:nvCxnSpPr>
+          <p:cNvPr id="17" name="Gezidun lotura-marra zuzena 16"/>
+          <p:cNvCxnSpPr>
+            <a:endCxn id="13" idx="0"/>
+          </p:cNvCxnSpPr>
+          <p:nvPr/>
+        </p:nvCxnSpPr>
+        <p:spPr>
+          <a:xfrm>
+            <a:off x="7606146" y="1296785"/>
+            <a:ext cx="679215" cy="1746565"/>
+          </a:xfrm>
+          <a:prstGeom prst="straightConnector1">
+            <a:avLst/>
+          </a:prstGeom>
+          <a:ln>
+            <a:tailEnd type="triangle"/>
+          </a:ln>
+        </p:spPr>
+        <p:style>
+          <a:lnRef idx="1">
+            <a:schemeClr val="accent1"/>
+          </a:lnRef>
+          <a:fillRef idx="0">
+            <a:schemeClr val="accent1"/>
+          </a:fillRef>
+          <a:effectRef idx="0">
+            <a:schemeClr val="accent1"/>
+          </a:effectRef>
+          <a:fontRef idx="minor">
+            <a:schemeClr val="tx1"/>
+          </a:fontRef>
+        </p:style>
+      </p:cxnSp>
+      <p:cxnSp>
+        <p:nvCxnSpPr>
+          <p:cNvPr id="27" name="Gezidun lotura-marra zuzena 26"/>
+          <p:cNvCxnSpPr>
+            <a:endCxn id="12" idx="0"/>
+          </p:cNvCxnSpPr>
+          <p:nvPr/>
+        </p:nvCxnSpPr>
+        <p:spPr>
+          <a:xfrm>
+            <a:off x="8285360" y="1238596"/>
+            <a:ext cx="2461873" cy="1804754"/>
+          </a:xfrm>
+          <a:prstGeom prst="straightConnector1">
+            <a:avLst/>
+          </a:prstGeom>
+          <a:ln>
+            <a:tailEnd type="triangle"/>
+          </a:ln>
+        </p:spPr>
+        <p:style>
+          <a:lnRef idx="1">
+            <a:schemeClr val="accent1"/>
+          </a:lnRef>
+          <a:fillRef idx="0">
+            <a:schemeClr val="accent1"/>
+          </a:fillRef>
+          <a:effectRef idx="0">
+            <a:schemeClr val="accent1"/>
+          </a:effectRef>
+          <a:fontRef idx="minor">
+            <a:schemeClr val="tx1"/>
+          </a:fontRef>
+        </p:style>
+      </p:cxnSp>
     </p:spTree>
     <p:extLst>
       <p:ext uri="{BB962C8B-B14F-4D97-AF65-F5344CB8AC3E}">
@@ -27107,33 +27312,14 @@
           <a:lstStyle/>
           <a:p>
             <a:r>
-              <a:rPr lang="eu-ES" dirty="0" err="1" smtClean="0"/>
-              <a:t>XMl</a:t>
+              <a:rPr lang="eu-ES" dirty="0" smtClean="0"/>
+              <a:t>XML, </a:t>
             </a:r>
             <a:r>
               <a:rPr lang="eu-ES" dirty="0" smtClean="0"/>
-              <a:t>, DTD eta Eskema</a:t>
+              <a:t>DTD eta Eskema</a:t>
             </a:r>
             <a:endParaRPr lang="es-ES" dirty="0"/>
-          </a:p>
-        </p:txBody>
-      </p:sp>
-      <p:sp>
-        <p:nvSpPr>
-          <p:cNvPr id="4" name="Testuaren leku-marka 3"/>
-          <p:cNvSpPr>
-            <a:spLocks noGrp="1"/>
-          </p:cNvSpPr>
-          <p:nvPr>
-            <p:ph type="body" sz="half" idx="2"/>
-          </p:nvPr>
-        </p:nvSpPr>
-        <p:spPr/>
-        <p:txBody>
-          <a:bodyPr/>
-          <a:lstStyle/>
-          <a:p>
-            <a:endParaRPr lang="es-ES"/>
           </a:p>
         </p:txBody>
       </p:sp>
@@ -27229,157 +27415,6 @@
 </p:sld>
 </file>
 
-<file path=ppt/slides/slide17.xml><?xml version="1.0" encoding="utf-8"?>
-<p:sld xmlns:a="http://schemas.openxmlformats.org/drawingml/2006/main" xmlns:r="http://schemas.openxmlformats.org/officeDocument/2006/relationships" xmlns:p="http://schemas.openxmlformats.org/presentationml/2006/main">
-  <p:cSld>
-    <p:spTree>
-      <p:nvGrpSpPr>
-        <p:cNvPr id="1" name=""/>
-        <p:cNvGrpSpPr/>
-        <p:nvPr/>
-      </p:nvGrpSpPr>
-      <p:grpSpPr>
-        <a:xfrm>
-          <a:off x="0" y="0"/>
-          <a:ext cx="0" cy="0"/>
-          <a:chOff x="0" y="0"/>
-          <a:chExt cx="0" cy="0"/>
-        </a:xfrm>
-      </p:grpSpPr>
-      <p:sp>
-        <p:nvSpPr>
-          <p:cNvPr id="2" name="Titulua 1"/>
-          <p:cNvSpPr>
-            <a:spLocks noGrp="1"/>
-          </p:cNvSpPr>
-          <p:nvPr>
-            <p:ph type="title"/>
-          </p:nvPr>
-        </p:nvSpPr>
-        <p:spPr/>
-        <p:txBody>
-          <a:bodyPr/>
-          <a:lstStyle/>
-          <a:p>
-            <a:r>
-              <a:rPr lang="eu-ES" dirty="0" smtClean="0"/>
-              <a:t>XML, DTD eta Eskema</a:t>
-            </a:r>
-            <a:endParaRPr lang="es-ES" dirty="0"/>
-          </a:p>
-        </p:txBody>
-      </p:sp>
-      <p:sp>
-        <p:nvSpPr>
-          <p:cNvPr id="4" name="Testuaren leku-marka 3"/>
-          <p:cNvSpPr>
-            <a:spLocks noGrp="1"/>
-          </p:cNvSpPr>
-          <p:nvPr>
-            <p:ph type="body" sz="half" idx="2"/>
-          </p:nvPr>
-        </p:nvSpPr>
-        <p:spPr/>
-        <p:txBody>
-          <a:bodyPr/>
-          <a:lstStyle/>
-          <a:p>
-            <a:endParaRPr lang="es-ES"/>
-          </a:p>
-        </p:txBody>
-      </p:sp>
-      <p:pic>
-        <p:nvPicPr>
-          <p:cNvPr id="3" name="Irudia 2"/>
-          <p:cNvPicPr>
-            <a:picLocks noChangeAspect="1"/>
-          </p:cNvPicPr>
-          <p:nvPr/>
-        </p:nvPicPr>
-        <p:blipFill>
-          <a:blip r:embed="rId2"/>
-          <a:stretch>
-            <a:fillRect/>
-          </a:stretch>
-        </p:blipFill>
-        <p:spPr>
-          <a:xfrm>
-            <a:off x="4801968" y="4634444"/>
-            <a:ext cx="5630061" cy="1333686"/>
-          </a:xfrm>
-          <a:prstGeom prst="rect">
-            <a:avLst/>
-          </a:prstGeom>
-        </p:spPr>
-      </p:pic>
-      <p:pic>
-        <p:nvPicPr>
-          <p:cNvPr id="5" name="Irudia 4"/>
-          <p:cNvPicPr>
-            <a:picLocks noChangeAspect="1"/>
-          </p:cNvPicPr>
-          <p:nvPr/>
-        </p:nvPicPr>
-        <p:blipFill>
-          <a:blip r:embed="rId3"/>
-          <a:stretch>
-            <a:fillRect/>
-          </a:stretch>
-        </p:blipFill>
-        <p:spPr>
-          <a:xfrm>
-            <a:off x="116339" y="3955734"/>
-            <a:ext cx="4389159" cy="2888549"/>
-          </a:xfrm>
-          <a:prstGeom prst="rect">
-            <a:avLst/>
-          </a:prstGeom>
-        </p:spPr>
-      </p:pic>
-      <p:pic>
-        <p:nvPicPr>
-          <p:cNvPr id="6" name="Irudia 5"/>
-          <p:cNvPicPr>
-            <a:picLocks noChangeAspect="1"/>
-          </p:cNvPicPr>
-          <p:nvPr/>
-        </p:nvPicPr>
-        <p:blipFill>
-          <a:blip r:embed="rId4"/>
-          <a:stretch>
-            <a:fillRect/>
-          </a:stretch>
-        </p:blipFill>
-        <p:spPr>
-          <a:xfrm>
-            <a:off x="1282202" y="74814"/>
-            <a:ext cx="5830070" cy="3701823"/>
-          </a:xfrm>
-          <a:prstGeom prst="rect">
-            <a:avLst/>
-          </a:prstGeom>
-        </p:spPr>
-      </p:pic>
-    </p:spTree>
-    <p:extLst>
-      <p:ext uri="{BB962C8B-B14F-4D97-AF65-F5344CB8AC3E}">
-        <p14:creationId xmlns:p14="http://schemas.microsoft.com/office/powerpoint/2010/main" val="2165052572"/>
-      </p:ext>
-    </p:extLst>
-  </p:cSld>
-  <p:clrMapOvr>
-    <a:masterClrMapping/>
-  </p:clrMapOvr>
-  <p:timing>
-    <p:tnLst>
-      <p:par>
-        <p:cTn id="1" dur="indefinite" restart="never" nodeType="tmRoot"/>
-      </p:par>
-    </p:tnLst>
-  </p:timing>
-</p:sld>
-</file>
-
 <file path=ppt/slides/slide2.xml><?xml version="1.0" encoding="utf-8"?>
 <p:sld xmlns:a="http://schemas.openxmlformats.org/drawingml/2006/main" xmlns:r="http://schemas.openxmlformats.org/officeDocument/2006/relationships" xmlns:p="http://schemas.openxmlformats.org/presentationml/2006/main">
   <p:cSld>
@@ -27424,6 +27459,293 @@
               <a:t>Aurkibidea</a:t>
             </a:r>
             <a:endParaRPr lang="es-ES" sz="4000" dirty="0"/>
+          </a:p>
+        </p:txBody>
+      </p:sp>
+      <p:sp>
+        <p:nvSpPr>
+          <p:cNvPr id="2" name="TestuKoadroa 1"/>
+          <p:cNvSpPr txBox="1"/>
+          <p:nvPr/>
+        </p:nvSpPr>
+        <p:spPr>
+          <a:xfrm>
+            <a:off x="1233578" y="1708031"/>
+            <a:ext cx="9790980" cy="3416320"/>
+          </a:xfrm>
+          <a:prstGeom prst="rect">
+            <a:avLst/>
+          </a:prstGeom>
+          <a:noFill/>
+        </p:spPr>
+        <p:txBody>
+          <a:bodyPr wrap="square" rtlCol="0">
+            <a:spAutoFit/>
+          </a:bodyPr>
+          <a:lstStyle/>
+          <a:p>
+            <a:pPr marL="285750" indent="-285750">
+              <a:buFont typeface="Arial" panose="020B0604020202020204" pitchFamily="34" charset="0"/>
+              <a:buChar char="•"/>
+            </a:pPr>
+            <a:r>
+              <a:rPr lang="es-ES" dirty="0">
+                <a:hlinkClick r:id="rId2" action="ppaction://hlinksldjump"/>
+              </a:rPr>
+              <a:t>Ubuntu Server </a:t>
+            </a:r>
+            <a:r>
+              <a:rPr lang="es-ES" dirty="0" err="1" smtClean="0">
+                <a:hlinkClick r:id="rId2" action="ppaction://hlinksldjump"/>
+              </a:rPr>
+              <a:t>instalazioa</a:t>
+            </a:r>
+            <a:endParaRPr lang="es-ES" dirty="0" smtClean="0"/>
+          </a:p>
+          <a:p>
+            <a:pPr marL="285750" indent="-285750">
+              <a:buFont typeface="Arial" panose="020B0604020202020204" pitchFamily="34" charset="0"/>
+              <a:buChar char="•"/>
+            </a:pPr>
+            <a:r>
+              <a:rPr lang="eu-ES" dirty="0">
+                <a:hlinkClick r:id="rId3" action="ppaction://hlinksldjump"/>
+              </a:rPr>
+              <a:t>Karpeta </a:t>
+            </a:r>
+            <a:r>
+              <a:rPr lang="eu-ES" dirty="0" smtClean="0">
+                <a:hlinkClick r:id="rId3" action="ppaction://hlinksldjump"/>
+              </a:rPr>
+              <a:t>Diagrama</a:t>
+            </a:r>
+            <a:endParaRPr lang="eu-ES" dirty="0" smtClean="0"/>
+          </a:p>
+          <a:p>
+            <a:pPr marL="285750" indent="-285750">
+              <a:buFont typeface="Arial" panose="020B0604020202020204" pitchFamily="34" charset="0"/>
+              <a:buChar char="•"/>
+            </a:pPr>
+            <a:r>
+              <a:rPr lang="eu-ES" dirty="0">
+                <a:hlinkClick r:id="rId4" action="ppaction://hlinksldjump"/>
+              </a:rPr>
+              <a:t>Partekatutako karpetak</a:t>
+            </a:r>
+            <a:endParaRPr lang="es-ES" dirty="0"/>
+          </a:p>
+          <a:p>
+            <a:pPr marL="285750" indent="-285750">
+              <a:buFont typeface="Arial" panose="020B0604020202020204" pitchFamily="34" charset="0"/>
+              <a:buChar char="•"/>
+            </a:pPr>
+            <a:r>
+              <a:rPr lang="eu-ES" dirty="0" smtClean="0">
+                <a:hlinkClick r:id="rId5" action="ppaction://hlinksldjump"/>
+              </a:rPr>
+              <a:t>Organigrama </a:t>
+            </a:r>
+            <a:r>
+              <a:rPr lang="eu-ES" dirty="0" err="1">
+                <a:hlinkClick r:id="rId5" action="ppaction://hlinksldjump"/>
+              </a:rPr>
+              <a:t>Packet</a:t>
+            </a:r>
+            <a:r>
+              <a:rPr lang="eu-ES" dirty="0">
+                <a:hlinkClick r:id="rId5" action="ppaction://hlinksldjump"/>
+              </a:rPr>
+              <a:t> </a:t>
+            </a:r>
+            <a:r>
+              <a:rPr lang="eu-ES" dirty="0" err="1">
+                <a:hlinkClick r:id="rId5" action="ppaction://hlinksldjump"/>
+              </a:rPr>
+              <a:t>Tracer-en</a:t>
+            </a:r>
+            <a:r>
+              <a:rPr lang="eu-ES" dirty="0">
+                <a:hlinkClick r:id="rId5" action="ppaction://hlinksldjump"/>
+              </a:rPr>
+              <a:t> </a:t>
+            </a:r>
+            <a:r>
+              <a:rPr lang="eu-ES" dirty="0" smtClean="0">
+                <a:hlinkClick r:id="rId5" action="ppaction://hlinksldjump"/>
+              </a:rPr>
+              <a:t>irudikatu</a:t>
+            </a:r>
+            <a:endParaRPr lang="eu-ES" dirty="0" smtClean="0"/>
+          </a:p>
+          <a:p>
+            <a:pPr marL="285750" indent="-285750">
+              <a:buFont typeface="Arial" panose="020B0604020202020204" pitchFamily="34" charset="0"/>
+              <a:buChar char="•"/>
+            </a:pPr>
+            <a:r>
+              <a:rPr lang="eu-ES" dirty="0" smtClean="0">
+                <a:hlinkClick r:id="rId6" action="ppaction://hlinksldjump"/>
+              </a:rPr>
+              <a:t>Samba (</a:t>
+            </a:r>
+            <a:r>
+              <a:rPr lang="eu-ES" dirty="0">
+                <a:hlinkClick r:id="rId6" action="ppaction://hlinksldjump"/>
+              </a:rPr>
+              <a:t>Karpeta </a:t>
+            </a:r>
+            <a:r>
+              <a:rPr lang="eu-ES" dirty="0" smtClean="0">
+                <a:hlinkClick r:id="rId6" action="ppaction://hlinksldjump"/>
+              </a:rPr>
+              <a:t>konpartituak)</a:t>
+            </a:r>
+            <a:endParaRPr lang="eu-ES" dirty="0" smtClean="0"/>
+          </a:p>
+          <a:p>
+            <a:pPr marL="285750" indent="-285750">
+              <a:buFont typeface="Arial" panose="020B0604020202020204" pitchFamily="34" charset="0"/>
+              <a:buChar char="•"/>
+            </a:pPr>
+            <a:r>
+              <a:rPr lang="eu-ES" dirty="0">
+                <a:hlinkClick r:id="rId7" action="ppaction://hlinksldjump"/>
+              </a:rPr>
+              <a:t>Oracleren instalazioa </a:t>
+            </a:r>
+            <a:r>
+              <a:rPr lang="eu-ES" dirty="0" smtClean="0">
+                <a:hlinkClick r:id="rId7" action="ppaction://hlinksldjump"/>
+              </a:rPr>
+              <a:t>zerbitzarian</a:t>
+            </a:r>
+            <a:endParaRPr lang="eu-ES" dirty="0" smtClean="0"/>
+          </a:p>
+          <a:p>
+            <a:pPr marL="285750" indent="-285750">
+              <a:buFont typeface="Arial" panose="020B0604020202020204" pitchFamily="34" charset="0"/>
+              <a:buChar char="•"/>
+            </a:pPr>
+            <a:r>
+              <a:rPr lang="es-ES" dirty="0" smtClean="0">
+                <a:hlinkClick r:id="rId8" action="ppaction://hlinksldjump"/>
+              </a:rPr>
+              <a:t>Oracle-</a:t>
+            </a:r>
+            <a:r>
+              <a:rPr lang="es-ES" dirty="0" err="1" smtClean="0">
+                <a:hlinkClick r:id="rId8" action="ppaction://hlinksldjump"/>
+              </a:rPr>
+              <a:t>ko</a:t>
+            </a:r>
+            <a:r>
+              <a:rPr lang="es-ES" dirty="0" smtClean="0">
+                <a:hlinkClick r:id="rId8" action="ppaction://hlinksldjump"/>
+              </a:rPr>
+              <a:t> </a:t>
+            </a:r>
+            <a:r>
+              <a:rPr lang="es-ES" dirty="0" err="1">
+                <a:hlinkClick r:id="rId8" action="ppaction://hlinksldjump"/>
+              </a:rPr>
+              <a:t>erabiltzailea</a:t>
+            </a:r>
+            <a:r>
+              <a:rPr lang="es-ES" dirty="0">
+                <a:hlinkClick r:id="rId8" action="ppaction://hlinksldjump"/>
+              </a:rPr>
+              <a:t> </a:t>
+            </a:r>
+            <a:r>
+              <a:rPr lang="es-ES" dirty="0" err="1" smtClean="0">
+                <a:hlinkClick r:id="rId8" action="ppaction://hlinksldjump"/>
+              </a:rPr>
+              <a:t>sortu</a:t>
+            </a:r>
+            <a:endParaRPr lang="es-ES" dirty="0" smtClean="0"/>
+          </a:p>
+          <a:p>
+            <a:pPr marL="285750" indent="-285750">
+              <a:buFont typeface="Arial" panose="020B0604020202020204" pitchFamily="34" charset="0"/>
+              <a:buChar char="•"/>
+            </a:pPr>
+            <a:r>
+              <a:rPr lang="eu-ES" dirty="0">
+                <a:hlinkClick r:id="rId9" action="ppaction://hlinksldjump"/>
+              </a:rPr>
+              <a:t>SQL-tik Oraclera DB migratu</a:t>
+            </a:r>
+            <a:endParaRPr lang="es-ES" dirty="0" smtClean="0"/>
+          </a:p>
+          <a:p>
+            <a:pPr marL="285750" indent="-285750">
+              <a:buFont typeface="Arial" panose="020B0604020202020204" pitchFamily="34" charset="0"/>
+              <a:buChar char="•"/>
+            </a:pPr>
+            <a:r>
+              <a:rPr lang="eu-ES" dirty="0">
+                <a:hlinkClick r:id="rId10" action="ppaction://hlinksldjump"/>
+              </a:rPr>
+              <a:t>BD-ko datuak XML-ra pasa era </a:t>
+            </a:r>
+            <a:r>
+              <a:rPr lang="eu-ES" dirty="0" smtClean="0">
+                <a:hlinkClick r:id="rId10" action="ppaction://hlinksldjump"/>
+              </a:rPr>
+              <a:t>automatikoan</a:t>
+            </a:r>
+            <a:endParaRPr lang="eu-ES" dirty="0" smtClean="0"/>
+          </a:p>
+          <a:p>
+            <a:pPr marL="285750" indent="-285750">
+              <a:buFont typeface="Arial" panose="020B0604020202020204" pitchFamily="34" charset="0"/>
+              <a:buChar char="•"/>
+            </a:pPr>
+            <a:r>
+              <a:rPr lang="eu-ES" dirty="0">
+                <a:hlinkClick r:id="rId11" action="ppaction://hlinksldjump"/>
+              </a:rPr>
+              <a:t>Interfaze </a:t>
+            </a:r>
+            <a:r>
+              <a:rPr lang="eu-ES" dirty="0" smtClean="0">
+                <a:hlinkClick r:id="rId11" action="ppaction://hlinksldjump"/>
+              </a:rPr>
+              <a:t>grafikoa</a:t>
+            </a:r>
+            <a:endParaRPr lang="eu-ES" dirty="0" smtClean="0"/>
+          </a:p>
+          <a:p>
+            <a:pPr marL="285750" indent="-285750">
+              <a:buFont typeface="Arial" panose="020B0604020202020204" pitchFamily="34" charset="0"/>
+              <a:buChar char="•"/>
+            </a:pPr>
+            <a:r>
+              <a:rPr lang="eu-ES" dirty="0">
+                <a:hlinkClick r:id="rId12" action="ppaction://hlinksldjump"/>
+              </a:rPr>
+              <a:t>Klase </a:t>
+            </a:r>
+            <a:r>
+              <a:rPr lang="eu-ES" dirty="0" smtClean="0">
+                <a:hlinkClick r:id="rId12" action="ppaction://hlinksldjump"/>
+              </a:rPr>
+              <a:t>diagrama</a:t>
+            </a:r>
+            <a:endParaRPr lang="eu-ES" dirty="0" smtClean="0"/>
+          </a:p>
+          <a:p>
+            <a:pPr marL="285750" indent="-285750">
+              <a:buFont typeface="Arial" panose="020B0604020202020204" pitchFamily="34" charset="0"/>
+              <a:buChar char="•"/>
+            </a:pPr>
+            <a:r>
+              <a:rPr lang="eu-ES" dirty="0">
+                <a:hlinkClick r:id="rId13" action="ppaction://hlinksldjump"/>
+              </a:rPr>
+              <a:t>XML, DTD eta Eskema</a:t>
+            </a:r>
+            <a:endParaRPr lang="es-ES" dirty="0"/>
           </a:p>
         </p:txBody>
       </p:sp>
@@ -27479,18 +27801,125 @@
           <a:bodyPr/>
           <a:lstStyle/>
           <a:p>
+            <a:r>
+              <a:rPr lang="es-ES" dirty="0" smtClean="0"/>
+              <a:t>Ubuntu Server </a:t>
+            </a:r>
+            <a:r>
+              <a:rPr lang="es-ES" dirty="0" err="1" smtClean="0"/>
+              <a:t>instalaketa</a:t>
+            </a:r>
+            <a:endParaRPr lang="es-ES" dirty="0"/>
+          </a:p>
+        </p:txBody>
+      </p:sp>
+      <p:sp>
+        <p:nvSpPr>
+          <p:cNvPr id="3" name="TestuKoadroa 2"/>
+          <p:cNvSpPr txBox="1"/>
+          <p:nvPr/>
+        </p:nvSpPr>
+        <p:spPr>
+          <a:xfrm>
+            <a:off x="5599308" y="1231387"/>
+            <a:ext cx="5445410" cy="646331"/>
+          </a:xfrm>
+          <a:prstGeom prst="rect">
+            <a:avLst/>
+          </a:prstGeom>
+          <a:noFill/>
+        </p:spPr>
+        <p:txBody>
+          <a:bodyPr wrap="square" rtlCol="0">
+            <a:spAutoFit/>
+          </a:bodyPr>
+          <a:lstStyle/>
+          <a:p>
+            <a:r>
+              <a:rPr lang="eu-ES" dirty="0" smtClean="0"/>
+              <a:t>Ubuntu </a:t>
+            </a:r>
+            <a:r>
+              <a:rPr lang="eu-ES" dirty="0"/>
+              <a:t>S</a:t>
+            </a:r>
+            <a:r>
+              <a:rPr lang="eu-ES" dirty="0" smtClean="0"/>
+              <a:t>erver gure enpresa osatzeko sistema eragile egokiena iruditu zaigu.</a:t>
+            </a:r>
             <a:endParaRPr lang="es-ES" dirty="0"/>
           </a:p>
         </p:txBody>
       </p:sp>
       <p:pic>
         <p:nvPicPr>
-          <p:cNvPr id="5" name="Edukiaren leku-marka 4"/>
+          <p:cNvPr id="5" name="Irudia 4"/>
+          <p:cNvPicPr>
+            <a:picLocks noChangeAspect="1"/>
+          </p:cNvPicPr>
+          <p:nvPr/>
+        </p:nvPicPr>
+        <p:blipFill>
+          <a:blip r:embed="rId2"/>
+          <a:stretch>
+            <a:fillRect/>
+          </a:stretch>
+        </p:blipFill>
+        <p:spPr>
+          <a:xfrm>
+            <a:off x="5828372" y="1922899"/>
+            <a:ext cx="4987282" cy="4144710"/>
+          </a:xfrm>
+          <a:prstGeom prst="rect">
+            <a:avLst/>
+          </a:prstGeom>
+        </p:spPr>
+      </p:pic>
+    </p:spTree>
+    <p:extLst>
+      <p:ext uri="{BB962C8B-B14F-4D97-AF65-F5344CB8AC3E}">
+        <p14:creationId xmlns:p14="http://schemas.microsoft.com/office/powerpoint/2010/main" val="3725255666"/>
+      </p:ext>
+    </p:extLst>
+  </p:cSld>
+  <p:clrMapOvr>
+    <a:masterClrMapping/>
+  </p:clrMapOvr>
+  <p:timing>
+    <p:tnLst>
+      <p:par>
+        <p:cTn id="1" dur="indefinite" restart="never" nodeType="tmRoot"/>
+      </p:par>
+    </p:tnLst>
+  </p:timing>
+</p:sld>
+</file>
+
+<file path=ppt/slides/slide4.xml><?xml version="1.0" encoding="utf-8"?>
+<p:sld xmlns:a="http://schemas.openxmlformats.org/drawingml/2006/main" xmlns:r="http://schemas.openxmlformats.org/officeDocument/2006/relationships" xmlns:p="http://schemas.openxmlformats.org/presentationml/2006/main">
+  <p:cSld>
+    <p:spTree>
+      <p:nvGrpSpPr>
+        <p:cNvPr id="1" name=""/>
+        <p:cNvGrpSpPr/>
+        <p:nvPr/>
+      </p:nvGrpSpPr>
+      <p:grpSpPr>
+        <a:xfrm>
+          <a:off x="0" y="0"/>
+          <a:ext cx="0" cy="0"/>
+          <a:chOff x="0" y="0"/>
+          <a:chExt cx="0" cy="0"/>
+        </a:xfrm>
+      </p:grpSpPr>
+      <p:pic>
+        <p:nvPicPr>
+          <p:cNvPr id="6" name="Edukiaren leku-marka 4"/>
           <p:cNvPicPr>
             <a:picLocks noGrp="1" noChangeAspect="1"/>
           </p:cNvPicPr>
           <p:nvPr>
-            <p:ph idx="1"/>
+            <p:ph idx="4294967295"/>
           </p:nvPr>
         </p:nvPicPr>
         <p:blipFill>
@@ -27507,11 +27936,117 @@
         </p:blipFill>
         <p:spPr>
           <a:xfrm>
-            <a:off x="493374" y="1547439"/>
-            <a:ext cx="10677963" cy="3751069"/>
+            <a:off x="72482" y="1521543"/>
+            <a:ext cx="11946698" cy="4197769"/>
           </a:xfrm>
         </p:spPr>
       </p:pic>
+      <p:sp>
+        <p:nvSpPr>
+          <p:cNvPr id="8" name="Titulua 1"/>
+          <p:cNvSpPr txBox="1">
+            <a:spLocks/>
+          </p:cNvSpPr>
+          <p:nvPr/>
+        </p:nvSpPr>
+        <p:spPr>
+          <a:xfrm>
+            <a:off x="2726058" y="357223"/>
+            <a:ext cx="6788878" cy="539924"/>
+          </a:xfrm>
+          <a:prstGeom prst="rect">
+            <a:avLst/>
+          </a:prstGeom>
+          <a:solidFill>
+            <a:srgbClr val="F81B02"/>
+          </a:solidFill>
+        </p:spPr>
+        <p:txBody>
+          <a:bodyPr/>
+          <a:lstStyle>
+            <a:lvl1pPr algn="ctr" defTabSz="914400" rtl="0" eaLnBrk="1" latinLnBrk="0" hangingPunct="1">
+              <a:lnSpc>
+                <a:spcPct val="85000"/>
+              </a:lnSpc>
+              <a:spcBef>
+                <a:spcPct val="0"/>
+              </a:spcBef>
+              <a:buNone/>
+              <a:defRPr sz="4000" b="0" i="0" kern="1200" cap="none" spc="-150">
+                <a:solidFill>
+                  <a:schemeClr val="tx1"/>
+                </a:solidFill>
+                <a:effectLst/>
+                <a:latin typeface="+mj-lt"/>
+                <a:ea typeface="+mj-ea"/>
+                <a:cs typeface="+mj-cs"/>
+              </a:defRPr>
+            </a:lvl1pPr>
+          </a:lstStyle>
+          <a:p>
+            <a:r>
+              <a:rPr lang="eu-ES" dirty="0" smtClean="0">
+                <a:solidFill>
+                  <a:schemeClr val="bg1"/>
+                </a:solidFill>
+              </a:rPr>
+              <a:t>Karpeta Diagrama</a:t>
+            </a:r>
+            <a:endParaRPr lang="es-ES" dirty="0">
+              <a:solidFill>
+                <a:schemeClr val="bg1"/>
+              </a:solidFill>
+            </a:endParaRPr>
+          </a:p>
+        </p:txBody>
+      </p:sp>
+      <p:sp>
+        <p:nvSpPr>
+          <p:cNvPr id="9" name="Titulua 1"/>
+          <p:cNvSpPr txBox="1">
+            <a:spLocks/>
+          </p:cNvSpPr>
+          <p:nvPr/>
+        </p:nvSpPr>
+        <p:spPr>
+          <a:xfrm>
+            <a:off x="2726058" y="245080"/>
+            <a:ext cx="6788878" cy="45719"/>
+          </a:xfrm>
+          <a:prstGeom prst="rect">
+            <a:avLst/>
+          </a:prstGeom>
+          <a:solidFill>
+            <a:srgbClr val="F81B02"/>
+          </a:solidFill>
+        </p:spPr>
+        <p:txBody>
+          <a:bodyPr/>
+          <a:lstStyle>
+            <a:lvl1pPr algn="ctr" defTabSz="914400" rtl="0" eaLnBrk="1" latinLnBrk="0" hangingPunct="1">
+              <a:lnSpc>
+                <a:spcPct val="85000"/>
+              </a:lnSpc>
+              <a:spcBef>
+                <a:spcPct val="0"/>
+              </a:spcBef>
+              <a:buNone/>
+              <a:defRPr sz="4000" b="0" i="0" kern="1200" cap="none" spc="-150">
+                <a:solidFill>
+                  <a:schemeClr val="tx1"/>
+                </a:solidFill>
+                <a:effectLst/>
+                <a:latin typeface="+mj-lt"/>
+                <a:ea typeface="+mj-ea"/>
+                <a:cs typeface="+mj-cs"/>
+              </a:defRPr>
+            </a:lvl1pPr>
+          </a:lstStyle>
+          <a:p>
+            <a:endParaRPr lang="es-ES" dirty="0"/>
+          </a:p>
+        </p:txBody>
+      </p:sp>
     </p:spTree>
     <p:extLst>
       <p:ext uri="{BB962C8B-B14F-4D97-AF65-F5344CB8AC3E}">
@@ -27532,7 +28067,7 @@
 </p:sld>
 </file>
 
-<file path=ppt/slides/slide4.xml><?xml version="1.0" encoding="utf-8"?>
+<file path=ppt/slides/slide5.xml><?xml version="1.0" encoding="utf-8"?>
 <p:sld xmlns:a="http://schemas.openxmlformats.org/drawingml/2006/main" xmlns:r="http://schemas.openxmlformats.org/officeDocument/2006/relationships" xmlns:p="http://schemas.openxmlformats.org/presentationml/2006/main">
   <p:cSld>
     <p:spTree>
@@ -27745,7 +28280,7 @@
 </p:sld>
 </file>
 
-<file path=ppt/slides/slide5.xml><?xml version="1.0" encoding="utf-8"?>
+<file path=ppt/slides/slide6.xml><?xml version="1.0" encoding="utf-8"?>
 <p:sld xmlns:a="http://schemas.openxmlformats.org/drawingml/2006/main" xmlns:r="http://schemas.openxmlformats.org/officeDocument/2006/relationships" xmlns:p="http://schemas.openxmlformats.org/presentationml/2006/main">
   <p:cSld>
     <p:spTree>
@@ -28112,7 +28647,7 @@
 </p:sld>
 </file>
 
-<file path=ppt/slides/slide6.xml><?xml version="1.0" encoding="utf-8"?>
+<file path=ppt/slides/slide7.xml><?xml version="1.0" encoding="utf-8"?>
 <p:sld xmlns:a="http://schemas.openxmlformats.org/drawingml/2006/main" xmlns:r="http://schemas.openxmlformats.org/officeDocument/2006/relationships" xmlns:p="http://schemas.openxmlformats.org/presentationml/2006/main">
   <p:cSld>
     <p:spTree>
@@ -28427,7 +28962,7 @@
 </p:sld>
 </file>
 
-<file path=ppt/slides/slide7.xml><?xml version="1.0" encoding="utf-8"?>
+<file path=ppt/slides/slide8.xml><?xml version="1.0" encoding="utf-8"?>
 <p:sld xmlns:a="http://schemas.openxmlformats.org/drawingml/2006/main" xmlns:r="http://schemas.openxmlformats.org/officeDocument/2006/relationships" xmlns:p="http://schemas.openxmlformats.org/presentationml/2006/main">
   <p:cSld>
     <p:spTree>
@@ -28465,8 +29000,28 @@
           <a:lstStyle/>
           <a:p>
             <a:r>
-              <a:rPr lang="eu-ES" smtClean="0"/>
-              <a:t>Organigrama Packet Tracer-en irudikatu.</a:t>
+              <a:rPr lang="eu-ES" dirty="0" smtClean="0"/>
+              <a:t>Organigrama </a:t>
+            </a:r>
+            <a:r>
+              <a:rPr lang="eu-ES" dirty="0" err="1" smtClean="0"/>
+              <a:t>Packet</a:t>
+            </a:r>
+            <a:r>
+              <a:rPr lang="eu-ES" dirty="0" smtClean="0"/>
+              <a:t> </a:t>
+            </a:r>
+            <a:r>
+              <a:rPr lang="eu-ES" dirty="0" err="1" smtClean="0"/>
+              <a:t>Tracer-en</a:t>
+            </a:r>
+            <a:r>
+              <a:rPr lang="eu-ES" dirty="0" smtClean="0"/>
+              <a:t> </a:t>
+            </a:r>
+            <a:r>
+              <a:rPr lang="eu-ES" dirty="0" smtClean="0"/>
+              <a:t>irudikatu</a:t>
             </a:r>
             <a:endParaRPr lang="es-ES" dirty="0"/>
           </a:p>
@@ -28505,130 +29060,6 @@
     <p:extLst>
       <p:ext uri="{BB962C8B-B14F-4D97-AF65-F5344CB8AC3E}">
         <p14:creationId xmlns:p14="http://schemas.microsoft.com/office/powerpoint/2010/main" val="835890148"/>
-      </p:ext>
-    </p:extLst>
-  </p:cSld>
-  <p:clrMapOvr>
-    <a:masterClrMapping/>
-  </p:clrMapOvr>
-  <p:timing>
-    <p:tnLst>
-      <p:par>
-        <p:cTn id="1" dur="indefinite" restart="never" nodeType="tmRoot"/>
-      </p:par>
-    </p:tnLst>
-  </p:timing>
-</p:sld>
-</file>
-
-<file path=ppt/slides/slide8.xml><?xml version="1.0" encoding="utf-8"?>
-<p:sld xmlns:a="http://schemas.openxmlformats.org/drawingml/2006/main" xmlns:r="http://schemas.openxmlformats.org/officeDocument/2006/relationships" xmlns:p="http://schemas.openxmlformats.org/presentationml/2006/main">
-  <p:cSld>
-    <p:spTree>
-      <p:nvGrpSpPr>
-        <p:cNvPr id="1" name=""/>
-        <p:cNvGrpSpPr/>
-        <p:nvPr/>
-      </p:nvGrpSpPr>
-      <p:grpSpPr>
-        <a:xfrm>
-          <a:off x="0" y="0"/>
-          <a:ext cx="0" cy="0"/>
-          <a:chOff x="0" y="0"/>
-          <a:chExt cx="0" cy="0"/>
-        </a:xfrm>
-      </p:grpSpPr>
-      <p:sp>
-        <p:nvSpPr>
-          <p:cNvPr id="2" name="Titulua 1"/>
-          <p:cNvSpPr>
-            <a:spLocks noGrp="1"/>
-          </p:cNvSpPr>
-          <p:nvPr>
-            <p:ph type="title"/>
-          </p:nvPr>
-        </p:nvSpPr>
-        <p:spPr/>
-        <p:txBody>
-          <a:bodyPr/>
-          <a:lstStyle/>
-          <a:p>
-            <a:r>
-              <a:rPr lang="es-ES" dirty="0" smtClean="0"/>
-              <a:t>Ubuntu Server </a:t>
-            </a:r>
-            <a:r>
-              <a:rPr lang="es-ES" dirty="0" err="1" smtClean="0"/>
-              <a:t>instalaketa</a:t>
-            </a:r>
-            <a:endParaRPr lang="es-ES" dirty="0"/>
-          </a:p>
-        </p:txBody>
-      </p:sp>
-      <p:sp>
-        <p:nvSpPr>
-          <p:cNvPr id="3" name="TestuKoadroa 2"/>
-          <p:cNvSpPr txBox="1"/>
-          <p:nvPr/>
-        </p:nvSpPr>
-        <p:spPr>
-          <a:xfrm>
-            <a:off x="5599308" y="1231387"/>
-            <a:ext cx="5445410" cy="646331"/>
-          </a:xfrm>
-          <a:prstGeom prst="rect">
-            <a:avLst/>
-          </a:prstGeom>
-          <a:noFill/>
-        </p:spPr>
-        <p:txBody>
-          <a:bodyPr wrap="square" rtlCol="0">
-            <a:spAutoFit/>
-          </a:bodyPr>
-          <a:lstStyle/>
-          <a:p>
-            <a:r>
-              <a:rPr lang="eu-ES" dirty="0" smtClean="0"/>
-              <a:t>Ubuntu </a:t>
-            </a:r>
-            <a:r>
-              <a:rPr lang="eu-ES" dirty="0"/>
-              <a:t>S</a:t>
-            </a:r>
-            <a:r>
-              <a:rPr lang="eu-ES" dirty="0" smtClean="0"/>
-              <a:t>erver gure enpresa osatzeko sistema eragile egokiena iruditu zaigu.</a:t>
-            </a:r>
-            <a:endParaRPr lang="es-ES" dirty="0"/>
-          </a:p>
-        </p:txBody>
-      </p:sp>
-      <p:pic>
-        <p:nvPicPr>
-          <p:cNvPr id="4" name="Irudia 3"/>
-          <p:cNvPicPr/>
-          <p:nvPr/>
-        </p:nvPicPr>
-        <p:blipFill>
-          <a:blip r:embed="rId2"/>
-          <a:stretch>
-            <a:fillRect/>
-          </a:stretch>
-        </p:blipFill>
-        <p:spPr>
-          <a:xfrm>
-            <a:off x="6482888" y="2393761"/>
-            <a:ext cx="3493320" cy="2813737"/>
-          </a:xfrm>
-          <a:prstGeom prst="rect">
-            <a:avLst/>
-          </a:prstGeom>
-        </p:spPr>
-      </p:pic>
-    </p:spTree>
-    <p:extLst>
-      <p:ext uri="{BB962C8B-B14F-4D97-AF65-F5344CB8AC3E}">
-        <p14:creationId xmlns:p14="http://schemas.microsoft.com/office/powerpoint/2010/main" val="3725255666"/>
       </p:ext>
     </p:extLst>
   </p:cSld>
@@ -28695,7 +29126,12 @@
             <p:ph type="body" sz="half" idx="2"/>
           </p:nvPr>
         </p:nvSpPr>
-        <p:spPr/>
+        <p:spPr>
+          <a:xfrm>
+            <a:off x="7616999" y="2734570"/>
+            <a:ext cx="3501197" cy="417718"/>
+          </a:xfrm>
+        </p:spPr>
         <p:txBody>
           <a:bodyPr/>
           <a:lstStyle/>
@@ -28795,11 +29231,15 @@
             </a:r>
             <a:r>
               <a:rPr lang="eu-ES" dirty="0" err="1" smtClean="0"/>
-              <a:t>windowseko</a:t>
+              <a:t>windows-eko</a:t>
             </a:r>
             <a:r>
               <a:rPr lang="eu-ES" dirty="0" smtClean="0"/>
-              <a:t> bezero batetik karpeta edukitzeko gai izango gara.</a:t>
+              <a:t> </a:t>
+            </a:r>
+            <a:r>
+              <a:rPr lang="eu-ES" dirty="0" smtClean="0"/>
+              <a:t>bezero batetik karpeta edukitzeko gai izango gara.</a:t>
             </a:r>
             <a:endParaRPr lang="es-ES" dirty="0"/>
           </a:p>
